--- a/Presentations/Presentations Power Point/07_refactoring.pptx
+++ b/Presentations/Presentations Power Point/07_refactoring.pptx
@@ -1,25 +1,25 @@
 
 <file path=ppt/presentation.xml><?xml version="1.0" encoding="utf-8"?>
-<p:presentation xmlns:a="http://schemas.openxmlformats.org/drawingml/2006/main" xmlns:r="http://schemas.openxmlformats.org/officeDocument/2006/relationships" xmlns:p="http://schemas.openxmlformats.org/presentationml/2006/main" xmlns:m="http://schemas.openxmlformats.org/officeDocument/2006/math" xmlns:a14="http://schemas.microsoft.com/office/drawing/2010/main">
+<p:presentation xmlns:a="http://schemas.openxmlformats.org/drawingml/2006/main" xmlns:r="http://schemas.openxmlformats.org/officeDocument/2006/relationships" xmlns:p="http://schemas.openxmlformats.org/presentationml/2006/main">
   <p:sldMasterIdLst>
-    <p:sldMasterId id="2147483648" r:id="rId5"/>
+    <p:sldMasterId id="2147483648" r:id="rId1"/>
   </p:sldMasterIdLst>
   <p:notesMasterIdLst>
-    <p:notesMasterId r:id="rId7"/>
+    <p:notesMasterId r:id="rId14"/>
   </p:notesMasterIdLst>
   <p:sldIdLst>
-    <p:sldId id="256" r:id="rId8"/>
-    <p:sldId id="257" r:id="rId9"/>
-    <p:sldId id="258" r:id="rId10"/>
-    <p:sldId id="259" r:id="rId11"/>
-    <p:sldId id="260" r:id="rId12"/>
-    <p:sldId id="261" r:id="rId13"/>
-    <p:sldId id="262" r:id="rId14"/>
-    <p:sldId id="263" r:id="rId15"/>
-    <p:sldId id="264" r:id="rId16"/>
-    <p:sldId id="265" r:id="rId17"/>
-    <p:sldId id="266" r:id="rId18"/>
-    <p:sldId id="267" r:id="rId19"/>
+    <p:sldId id="256" r:id="rId2"/>
+    <p:sldId id="257" r:id="rId3"/>
+    <p:sldId id="258" r:id="rId4"/>
+    <p:sldId id="259" r:id="rId5"/>
+    <p:sldId id="260" r:id="rId6"/>
+    <p:sldId id="261" r:id="rId7"/>
+    <p:sldId id="262" r:id="rId8"/>
+    <p:sldId id="263" r:id="rId9"/>
+    <p:sldId id="264" r:id="rId10"/>
+    <p:sldId id="265" r:id="rId11"/>
+    <p:sldId id="266" r:id="rId12"/>
+    <p:sldId id="267" r:id="rId13"/>
   </p:sldIdLst>
   <p:sldSz cx="13004800" cy="9753600"/>
   <p:notesSz cx="6858000" cy="9144000"/>
@@ -39,7 +39,7 @@
       <a:buFontTx/>
       <a:buNone/>
       <a:tabLst/>
-      <a:defRPr b="0" baseline="0" cap="none" i="0" spc="0" strike="noStrike" sz="1800" u="none" kumimoji="0" normalizeH="0">
+      <a:defRPr kumimoji="0" sz="1800" b="0" i="0" u="none" strike="noStrike" cap="none" spc="0" normalizeH="0" baseline="0">
         <a:ln>
           <a:noFill/>
         </a:ln>
@@ -65,7 +65,7 @@
       <a:buFontTx/>
       <a:buNone/>
       <a:tabLst/>
-      <a:defRPr b="0" baseline="0" cap="none" i="0" spc="0" strike="noStrike" sz="5800" u="none" kumimoji="0" normalizeH="0">
+      <a:defRPr kumimoji="0" sz="5800" b="0" i="0" u="none" strike="noStrike" cap="none" spc="0" normalizeH="0" baseline="0">
         <a:ln>
           <a:noFill/>
         </a:ln>
@@ -95,7 +95,7 @@
       <a:buFontTx/>
       <a:buNone/>
       <a:tabLst/>
-      <a:defRPr b="0" baseline="0" cap="none" i="0" spc="0" strike="noStrike" sz="5800" u="none" kumimoji="0" normalizeH="0">
+      <a:defRPr kumimoji="0" sz="5800" b="0" i="0" u="none" strike="noStrike" cap="none" spc="0" normalizeH="0" baseline="0">
         <a:ln>
           <a:noFill/>
         </a:ln>
@@ -125,7 +125,7 @@
       <a:buFontTx/>
       <a:buNone/>
       <a:tabLst/>
-      <a:defRPr b="0" baseline="0" cap="none" i="0" spc="0" strike="noStrike" sz="5800" u="none" kumimoji="0" normalizeH="0">
+      <a:defRPr kumimoji="0" sz="5800" b="0" i="0" u="none" strike="noStrike" cap="none" spc="0" normalizeH="0" baseline="0">
         <a:ln>
           <a:noFill/>
         </a:ln>
@@ -155,7 +155,7 @@
       <a:buFontTx/>
       <a:buNone/>
       <a:tabLst/>
-      <a:defRPr b="0" baseline="0" cap="none" i="0" spc="0" strike="noStrike" sz="5800" u="none" kumimoji="0" normalizeH="0">
+      <a:defRPr kumimoji="0" sz="5800" b="0" i="0" u="none" strike="noStrike" cap="none" spc="0" normalizeH="0" baseline="0">
         <a:ln>
           <a:noFill/>
         </a:ln>
@@ -185,7 +185,7 @@
       <a:buFontTx/>
       <a:buNone/>
       <a:tabLst/>
-      <a:defRPr b="0" baseline="0" cap="none" i="0" spc="0" strike="noStrike" sz="5800" u="none" kumimoji="0" normalizeH="0">
+      <a:defRPr kumimoji="0" sz="5800" b="0" i="0" u="none" strike="noStrike" cap="none" spc="0" normalizeH="0" baseline="0">
         <a:ln>
           <a:noFill/>
         </a:ln>
@@ -215,7 +215,7 @@
       <a:buFontTx/>
       <a:buNone/>
       <a:tabLst/>
-      <a:defRPr b="0" baseline="0" cap="none" i="0" spc="0" strike="noStrike" sz="5800" u="none" kumimoji="0" normalizeH="0">
+      <a:defRPr kumimoji="0" sz="5800" b="0" i="0" u="none" strike="noStrike" cap="none" spc="0" normalizeH="0" baseline="0">
         <a:ln>
           <a:noFill/>
         </a:ln>
@@ -245,7 +245,7 @@
       <a:buFontTx/>
       <a:buNone/>
       <a:tabLst/>
-      <a:defRPr b="0" baseline="0" cap="none" i="0" spc="0" strike="noStrike" sz="5800" u="none" kumimoji="0" normalizeH="0">
+      <a:defRPr kumimoji="0" sz="5800" b="0" i="0" u="none" strike="noStrike" cap="none" spc="0" normalizeH="0" baseline="0">
         <a:ln>
           <a:noFill/>
         </a:ln>
@@ -275,7 +275,7 @@
       <a:buFontTx/>
       <a:buNone/>
       <a:tabLst/>
-      <a:defRPr b="0" baseline="0" cap="none" i="0" spc="0" strike="noStrike" sz="5800" u="none" kumimoji="0" normalizeH="0">
+      <a:defRPr kumimoji="0" sz="5800" b="0" i="0" u="none" strike="noStrike" cap="none" spc="0" normalizeH="0" baseline="0">
         <a:ln>
           <a:noFill/>
         </a:ln>
@@ -305,7 +305,7 @@
       <a:buFontTx/>
       <a:buNone/>
       <a:tabLst/>
-      <a:defRPr b="0" baseline="0" cap="none" i="0" spc="0" strike="noStrike" sz="5800" u="none" kumimoji="0" normalizeH="0">
+      <a:defRPr kumimoji="0" sz="5800" b="0" i="0" u="none" strike="noStrike" cap="none" spc="0" normalizeH="0" baseline="0">
         <a:ln>
           <a:noFill/>
         </a:ln>
@@ -324,13 +324,14 @@
 </p:presentation>
 </file>
 
-<file path=ppt/commentAuthors.xml><?xml version="1.0" encoding="utf-8"?>
-<p:cmAuthorLst xmlns:a="http://schemas.openxmlformats.org/drawingml/2006/main" xmlns:r="http://schemas.openxmlformats.org/officeDocument/2006/relationships" xmlns:p="http://schemas.openxmlformats.org/presentationml/2006/main" xmlns:m="http://schemas.openxmlformats.org/officeDocument/2006/math" xmlns:a14="http://schemas.microsoft.com/office/drawing/2010/main"/>
-</file>
-
 <file path=ppt/notesMasters/notesMaster1.xml><?xml version="1.0" encoding="utf-8"?>
-<p:notesMaster xmlns:a="http://schemas.openxmlformats.org/drawingml/2006/main" xmlns:r="http://schemas.openxmlformats.org/officeDocument/2006/relationships" xmlns:p="http://schemas.openxmlformats.org/presentationml/2006/main" xmlns:m="http://schemas.openxmlformats.org/officeDocument/2006/math" xmlns:a14="http://schemas.microsoft.com/office/drawing/2010/main">
+<p:notesMaster xmlns:a="http://schemas.openxmlformats.org/drawingml/2006/main" xmlns:r="http://schemas.openxmlformats.org/officeDocument/2006/relationships" xmlns:p="http://schemas.openxmlformats.org/presentationml/2006/main">
   <p:cSld>
+    <p:bg>
+      <p:bgRef idx="1001">
+        <a:schemeClr val="bg1"/>
+      </p:bgRef>
+    </p:bg>
     <p:spTree>
       <p:nvGrpSpPr>
         <p:cNvPr id="1" name=""/>
@@ -348,7 +349,9 @@
       <p:sp>
         <p:nvSpPr>
           <p:cNvPr id="116" name="Shape 116"/>
-          <p:cNvSpPr/>
+          <p:cNvSpPr>
+            <a:spLocks noGrp="1" noRot="1" noChangeAspect="1"/>
+          </p:cNvSpPr>
           <p:nvPr>
             <p:ph type="sldImg"/>
           </p:nvPr>
@@ -366,14 +369,16 @@
           <a:bodyPr/>
           <a:lstStyle/>
           <a:p>
-            <a:pPr/>
+            <a:endParaRPr/>
           </a:p>
         </p:txBody>
       </p:sp>
       <p:sp>
         <p:nvSpPr>
           <p:cNvPr id="117" name="Shape 117"/>
-          <p:cNvSpPr/>
+          <p:cNvSpPr>
+            <a:spLocks noGrp="1"/>
+          </p:cNvSpPr>
           <p:nvPr>
             <p:ph type="body" sz="quarter" idx="1"/>
           </p:nvPr>
@@ -391,7 +396,7 @@
           <a:bodyPr/>
           <a:lstStyle/>
           <a:p>
-            <a:pPr/>
+            <a:endParaRPr/>
           </a:p>
         </p:txBody>
       </p:sp>
@@ -503,7 +508,7 @@
 </file>
 
 <file path=ppt/slideLayouts/slideLayout1.xml><?xml version="1.0" encoding="utf-8"?>
-<p:sldLayout xmlns:a="http://schemas.openxmlformats.org/drawingml/2006/main" xmlns:r="http://schemas.openxmlformats.org/officeDocument/2006/relationships" xmlns:p="http://schemas.openxmlformats.org/presentationml/2006/main" xmlns:m="http://schemas.openxmlformats.org/officeDocument/2006/math" xmlns:a14="http://schemas.microsoft.com/office/drawing/2010/main" type="title" showMasterSp="1" showMasterPhAnim="1">
+<p:sldLayout xmlns:a="http://schemas.openxmlformats.org/drawingml/2006/main" xmlns:r="http://schemas.openxmlformats.org/officeDocument/2006/relationships" xmlns:p="http://schemas.openxmlformats.org/presentationml/2006/main" type="title">
   <p:cSld name="Titre et sous-titre">
     <p:spTree>
       <p:nvGrpSpPr>
@@ -522,7 +527,9 @@
       <p:sp>
         <p:nvSpPr>
           <p:cNvPr id="11" name="Title Text"/>
-          <p:cNvSpPr txBox="1"/>
+          <p:cNvSpPr txBox="1">
+            <a:spLocks noGrp="1"/>
+          </p:cNvSpPr>
           <p:nvPr>
             <p:ph type="title"/>
           </p:nvPr>
@@ -536,7 +543,6 @@
           <a:bodyPr/>
           <a:lstStyle/>
           <a:p>
-            <a:pPr/>
             <a:r>
               <a:t>Title Text</a:t>
             </a:r>
@@ -546,7 +552,9 @@
       <p:sp>
         <p:nvSpPr>
           <p:cNvPr id="12" name="Body Level One…"/>
-          <p:cNvSpPr txBox="1"/>
+          <p:cNvSpPr txBox="1">
+            <a:spLocks noGrp="1"/>
+          </p:cNvSpPr>
           <p:nvPr>
             <p:ph type="body" sz="quarter" idx="1"/>
           </p:nvPr>
@@ -560,7 +568,6 @@
           <a:bodyPr/>
           <a:lstStyle/>
           <a:p>
-            <a:pPr/>
             <a:r>
               <a:t>Body Level One</a:t>
             </a:r>
@@ -594,7 +601,9 @@
       <p:sp>
         <p:nvSpPr>
           <p:cNvPr id="13" name="Slide Number"/>
-          <p:cNvSpPr txBox="1"/>
+          <p:cNvSpPr txBox="1">
+            <a:spLocks noGrp="1"/>
+          </p:cNvSpPr>
           <p:nvPr>
             <p:ph type="sldNum" sz="quarter" idx="2"/>
           </p:nvPr>
@@ -608,8 +617,10 @@
           <a:bodyPr/>
           <a:lstStyle/>
           <a:p>
-            <a:pPr/>
-            <a:fld id="{86CB4B4D-7CA3-9044-876B-883B54F8677D}" type="slidenum"/>
+            <a:fld id="{86CB4B4D-7CA3-9044-876B-883B54F8677D}" type="slidenum">
+              <a:t>‹#›</a:t>
+            </a:fld>
+            <a:endParaRPr/>
           </a:p>
         </p:txBody>
       </p:sp>
@@ -618,12 +629,12 @@
   <p:clrMapOvr>
     <a:masterClrMapping/>
   </p:clrMapOvr>
-  <p:transition xmlns:p14="http://schemas.microsoft.com/office/powerpoint/2010/main" spd="med" advClick="1"/>
+  <p:transition spd="med"/>
 </p:sldLayout>
 </file>
 
 <file path=ppt/slideLayouts/slideLayout10.xml><?xml version="1.0" encoding="utf-8"?>
-<p:sldLayout xmlns:a="http://schemas.openxmlformats.org/drawingml/2006/main" xmlns:r="http://schemas.openxmlformats.org/officeDocument/2006/relationships" xmlns:p="http://schemas.openxmlformats.org/presentationml/2006/main" xmlns:m="http://schemas.openxmlformats.org/officeDocument/2006/math" xmlns:a14="http://schemas.microsoft.com/office/drawing/2010/main" type="tx" showMasterSp="1" showMasterPhAnim="1">
+<p:sldLayout xmlns:a="http://schemas.openxmlformats.org/drawingml/2006/main" xmlns:r="http://schemas.openxmlformats.org/officeDocument/2006/relationships" xmlns:p="http://schemas.openxmlformats.org/presentationml/2006/main" type="tx">
   <p:cSld name="Citation">
     <p:spTree>
       <p:nvGrpSpPr>
@@ -642,7 +653,9 @@
       <p:sp>
         <p:nvSpPr>
           <p:cNvPr id="93" name="-Gilles Allain"/>
-          <p:cNvSpPr/>
+          <p:cNvSpPr>
+            <a:spLocks noGrp="1"/>
+          </p:cNvSpPr>
           <p:nvPr>
             <p:ph type="body" sz="quarter" idx="13"/>
           </p:nvPr>
@@ -671,7 +684,6 @@
             </a:lvl1pPr>
           </a:lstStyle>
           <a:p>
-            <a:pPr/>
             <a:r>
               <a:t>-Gilles Allain</a:t>
             </a:r>
@@ -681,7 +693,9 @@
       <p:sp>
         <p:nvSpPr>
           <p:cNvPr id="94" name="« Saisissez une citation ici. »"/>
-          <p:cNvSpPr/>
+          <p:cNvSpPr>
+            <a:spLocks noGrp="1"/>
+          </p:cNvSpPr>
           <p:nvPr>
             <p:ph type="body" sz="quarter" idx="14"/>
           </p:nvPr>
@@ -705,7 +719,6 @@
             </a:lvl1pPr>
           </a:lstStyle>
           <a:p>
-            <a:pPr/>
             <a:r>
               <a:t>« Saisissez une citation ici. » </a:t>
             </a:r>
@@ -715,7 +728,9 @@
       <p:sp>
         <p:nvSpPr>
           <p:cNvPr id="95" name="Slide Number"/>
-          <p:cNvSpPr txBox="1"/>
+          <p:cNvSpPr txBox="1">
+            <a:spLocks noGrp="1"/>
+          </p:cNvSpPr>
           <p:nvPr>
             <p:ph type="sldNum" sz="quarter" idx="2"/>
           </p:nvPr>
@@ -729,8 +744,10 @@
           <a:bodyPr/>
           <a:lstStyle/>
           <a:p>
-            <a:pPr/>
-            <a:fld id="{86CB4B4D-7CA3-9044-876B-883B54F8677D}" type="slidenum"/>
+            <a:fld id="{86CB4B4D-7CA3-9044-876B-883B54F8677D}" type="slidenum">
+              <a:t>‹#›</a:t>
+            </a:fld>
+            <a:endParaRPr/>
           </a:p>
         </p:txBody>
       </p:sp>
@@ -739,12 +756,12 @@
   <p:clrMapOvr>
     <a:masterClrMapping/>
   </p:clrMapOvr>
-  <p:transition xmlns:p14="http://schemas.microsoft.com/office/powerpoint/2010/main" spd="med" advClick="1"/>
+  <p:transition spd="med"/>
 </p:sldLayout>
 </file>
 
 <file path=ppt/slideLayouts/slideLayout11.xml><?xml version="1.0" encoding="utf-8"?>
-<p:sldLayout xmlns:a="http://schemas.openxmlformats.org/drawingml/2006/main" xmlns:r="http://schemas.openxmlformats.org/officeDocument/2006/relationships" xmlns:p="http://schemas.openxmlformats.org/presentationml/2006/main" xmlns:m="http://schemas.openxmlformats.org/officeDocument/2006/math" xmlns:a14="http://schemas.microsoft.com/office/drawing/2010/main" type="tx" showMasterSp="1" showMasterPhAnim="1">
+<p:sldLayout xmlns:a="http://schemas.openxmlformats.org/drawingml/2006/main" xmlns:r="http://schemas.openxmlformats.org/officeDocument/2006/relationships" xmlns:p="http://schemas.openxmlformats.org/presentationml/2006/main" type="tx">
   <p:cSld name="Photo">
     <p:spTree>
       <p:nvGrpSpPr>
@@ -763,7 +780,9 @@
       <p:sp>
         <p:nvSpPr>
           <p:cNvPr id="102" name="Image"/>
-          <p:cNvSpPr/>
+          <p:cNvSpPr>
+            <a:spLocks noGrp="1"/>
+          </p:cNvSpPr>
           <p:nvPr>
             <p:ph type="pic" idx="13"/>
           </p:nvPr>
@@ -783,14 +802,16 @@
           </a:bodyPr>
           <a:lstStyle/>
           <a:p>
-            <a:pPr/>
+            <a:endParaRPr/>
           </a:p>
         </p:txBody>
       </p:sp>
       <p:sp>
         <p:nvSpPr>
           <p:cNvPr id="103" name="Slide Number"/>
-          <p:cNvSpPr txBox="1"/>
+          <p:cNvSpPr txBox="1">
+            <a:spLocks noGrp="1"/>
+          </p:cNvSpPr>
           <p:nvPr>
             <p:ph type="sldNum" sz="quarter" idx="2"/>
           </p:nvPr>
@@ -804,8 +825,10 @@
           <a:bodyPr/>
           <a:lstStyle/>
           <a:p>
-            <a:pPr/>
-            <a:fld id="{86CB4B4D-7CA3-9044-876B-883B54F8677D}" type="slidenum"/>
+            <a:fld id="{86CB4B4D-7CA3-9044-876B-883B54F8677D}" type="slidenum">
+              <a:t>‹#›</a:t>
+            </a:fld>
+            <a:endParaRPr/>
           </a:p>
         </p:txBody>
       </p:sp>
@@ -814,12 +837,12 @@
   <p:clrMapOvr>
     <a:masterClrMapping/>
   </p:clrMapOvr>
-  <p:transition xmlns:p14="http://schemas.microsoft.com/office/powerpoint/2010/main" spd="med" advClick="1"/>
+  <p:transition spd="med"/>
 </p:sldLayout>
 </file>
 
 <file path=ppt/slideLayouts/slideLayout12.xml><?xml version="1.0" encoding="utf-8"?>
-<p:sldLayout xmlns:a="http://schemas.openxmlformats.org/drawingml/2006/main" xmlns:r="http://schemas.openxmlformats.org/officeDocument/2006/relationships" xmlns:p="http://schemas.openxmlformats.org/presentationml/2006/main" xmlns:m="http://schemas.openxmlformats.org/officeDocument/2006/math" xmlns:a14="http://schemas.microsoft.com/office/drawing/2010/main" type="tx" showMasterSp="1" showMasterPhAnim="1">
+<p:sldLayout xmlns:a="http://schemas.openxmlformats.org/drawingml/2006/main" xmlns:r="http://schemas.openxmlformats.org/officeDocument/2006/relationships" xmlns:p="http://schemas.openxmlformats.org/presentationml/2006/main" type="tx">
   <p:cSld name="Vierge">
     <p:spTree>
       <p:nvGrpSpPr>
@@ -838,7 +861,9 @@
       <p:sp>
         <p:nvSpPr>
           <p:cNvPr id="110" name="Slide Number"/>
-          <p:cNvSpPr txBox="1"/>
+          <p:cNvSpPr txBox="1">
+            <a:spLocks noGrp="1"/>
+          </p:cNvSpPr>
           <p:nvPr>
             <p:ph type="sldNum" sz="quarter" idx="2"/>
           </p:nvPr>
@@ -852,8 +877,10 @@
           <a:bodyPr/>
           <a:lstStyle/>
           <a:p>
-            <a:pPr/>
-            <a:fld id="{86CB4B4D-7CA3-9044-876B-883B54F8677D}" type="slidenum"/>
+            <a:fld id="{86CB4B4D-7CA3-9044-876B-883B54F8677D}" type="slidenum">
+              <a:t>‹#›</a:t>
+            </a:fld>
+            <a:endParaRPr/>
           </a:p>
         </p:txBody>
       </p:sp>
@@ -862,12 +889,12 @@
   <p:clrMapOvr>
     <a:masterClrMapping/>
   </p:clrMapOvr>
-  <p:transition xmlns:p14="http://schemas.microsoft.com/office/powerpoint/2010/main" spd="med" advClick="1"/>
+  <p:transition spd="med"/>
 </p:sldLayout>
 </file>
 
 <file path=ppt/slideLayouts/slideLayout2.xml><?xml version="1.0" encoding="utf-8"?>
-<p:sldLayout xmlns:a="http://schemas.openxmlformats.org/drawingml/2006/main" xmlns:r="http://schemas.openxmlformats.org/officeDocument/2006/relationships" xmlns:p="http://schemas.openxmlformats.org/presentationml/2006/main" xmlns:m="http://schemas.openxmlformats.org/officeDocument/2006/math" xmlns:a14="http://schemas.microsoft.com/office/drawing/2010/main" type="tx" showMasterSp="1" showMasterPhAnim="1">
+<p:sldLayout xmlns:a="http://schemas.openxmlformats.org/drawingml/2006/main" xmlns:r="http://schemas.openxmlformats.org/officeDocument/2006/relationships" xmlns:p="http://schemas.openxmlformats.org/presentationml/2006/main" type="tx">
   <p:cSld name="Photo - Horizontale">
     <p:spTree>
       <p:nvGrpSpPr>
@@ -886,7 +913,9 @@
       <p:sp>
         <p:nvSpPr>
           <p:cNvPr id="20" name="Image"/>
-          <p:cNvSpPr/>
+          <p:cNvSpPr>
+            <a:spLocks noGrp="1"/>
+          </p:cNvSpPr>
           <p:nvPr>
             <p:ph type="pic" sz="half" idx="13"/>
           </p:nvPr>
@@ -906,14 +935,16 @@
           </a:bodyPr>
           <a:lstStyle/>
           <a:p>
-            <a:pPr/>
+            <a:endParaRPr/>
           </a:p>
         </p:txBody>
       </p:sp>
       <p:sp>
         <p:nvSpPr>
           <p:cNvPr id="21" name="Title Text"/>
-          <p:cNvSpPr txBox="1"/>
+          <p:cNvSpPr txBox="1">
+            <a:spLocks noGrp="1"/>
+          </p:cNvSpPr>
           <p:nvPr>
             <p:ph type="title"/>
           </p:nvPr>
@@ -931,7 +962,6 @@
           <a:bodyPr/>
           <a:lstStyle/>
           <a:p>
-            <a:pPr/>
             <a:r>
               <a:t>Title Text</a:t>
             </a:r>
@@ -941,7 +971,9 @@
       <p:sp>
         <p:nvSpPr>
           <p:cNvPr id="22" name="Body Level One…"/>
-          <p:cNvSpPr txBox="1"/>
+          <p:cNvSpPr txBox="1">
+            <a:spLocks noGrp="1"/>
+          </p:cNvSpPr>
           <p:nvPr>
             <p:ph type="body" sz="quarter" idx="1"/>
           </p:nvPr>
@@ -959,7 +991,6 @@
           <a:bodyPr/>
           <a:lstStyle/>
           <a:p>
-            <a:pPr/>
             <a:r>
               <a:t>Body Level One</a:t>
             </a:r>
@@ -993,7 +1024,9 @@
       <p:sp>
         <p:nvSpPr>
           <p:cNvPr id="23" name="Slide Number"/>
-          <p:cNvSpPr txBox="1"/>
+          <p:cNvSpPr txBox="1">
+            <a:spLocks noGrp="1"/>
+          </p:cNvSpPr>
           <p:nvPr>
             <p:ph type="sldNum" sz="quarter" idx="2"/>
           </p:nvPr>
@@ -1011,8 +1044,10 @@
           <a:bodyPr/>
           <a:lstStyle/>
           <a:p>
-            <a:pPr/>
-            <a:fld id="{86CB4B4D-7CA3-9044-876B-883B54F8677D}" type="slidenum"/>
+            <a:fld id="{86CB4B4D-7CA3-9044-876B-883B54F8677D}" type="slidenum">
+              <a:t>‹#›</a:t>
+            </a:fld>
+            <a:endParaRPr/>
           </a:p>
         </p:txBody>
       </p:sp>
@@ -1021,12 +1056,12 @@
   <p:clrMapOvr>
     <a:masterClrMapping/>
   </p:clrMapOvr>
-  <p:transition xmlns:p14="http://schemas.microsoft.com/office/powerpoint/2010/main" spd="med" advClick="1"/>
+  <p:transition spd="med"/>
 </p:sldLayout>
 </file>
 
 <file path=ppt/slideLayouts/slideLayout3.xml><?xml version="1.0" encoding="utf-8"?>
-<p:sldLayout xmlns:a="http://schemas.openxmlformats.org/drawingml/2006/main" xmlns:r="http://schemas.openxmlformats.org/officeDocument/2006/relationships" xmlns:p="http://schemas.openxmlformats.org/presentationml/2006/main" xmlns:m="http://schemas.openxmlformats.org/officeDocument/2006/math" xmlns:a14="http://schemas.microsoft.com/office/drawing/2010/main" type="tx" showMasterSp="1" showMasterPhAnim="1">
+<p:sldLayout xmlns:a="http://schemas.openxmlformats.org/drawingml/2006/main" xmlns:r="http://schemas.openxmlformats.org/officeDocument/2006/relationships" xmlns:p="http://schemas.openxmlformats.org/presentationml/2006/main" type="tx">
   <p:cSld name="Titre - Centré">
     <p:spTree>
       <p:nvGrpSpPr>
@@ -1045,7 +1080,9 @@
       <p:sp>
         <p:nvSpPr>
           <p:cNvPr id="30" name="Title Text"/>
-          <p:cNvSpPr txBox="1"/>
+          <p:cNvSpPr txBox="1">
+            <a:spLocks noGrp="1"/>
+          </p:cNvSpPr>
           <p:nvPr>
             <p:ph type="title"/>
           </p:nvPr>
@@ -1063,7 +1100,6 @@
           <a:bodyPr anchor="ctr"/>
           <a:lstStyle/>
           <a:p>
-            <a:pPr/>
             <a:r>
               <a:t>Title Text</a:t>
             </a:r>
@@ -1073,7 +1109,9 @@
       <p:sp>
         <p:nvSpPr>
           <p:cNvPr id="31" name="Slide Number"/>
-          <p:cNvSpPr txBox="1"/>
+          <p:cNvSpPr txBox="1">
+            <a:spLocks noGrp="1"/>
+          </p:cNvSpPr>
           <p:nvPr>
             <p:ph type="sldNum" sz="quarter" idx="2"/>
           </p:nvPr>
@@ -1087,8 +1125,10 @@
           <a:bodyPr/>
           <a:lstStyle/>
           <a:p>
-            <a:pPr/>
-            <a:fld id="{86CB4B4D-7CA3-9044-876B-883B54F8677D}" type="slidenum"/>
+            <a:fld id="{86CB4B4D-7CA3-9044-876B-883B54F8677D}" type="slidenum">
+              <a:t>‹#›</a:t>
+            </a:fld>
+            <a:endParaRPr/>
           </a:p>
         </p:txBody>
       </p:sp>
@@ -1097,12 +1137,12 @@
   <p:clrMapOvr>
     <a:masterClrMapping/>
   </p:clrMapOvr>
-  <p:transition xmlns:p14="http://schemas.microsoft.com/office/powerpoint/2010/main" spd="med" advClick="1"/>
+  <p:transition spd="med"/>
 </p:sldLayout>
 </file>
 
 <file path=ppt/slideLayouts/slideLayout4.xml><?xml version="1.0" encoding="utf-8"?>
-<p:sldLayout xmlns:a="http://schemas.openxmlformats.org/drawingml/2006/main" xmlns:r="http://schemas.openxmlformats.org/officeDocument/2006/relationships" xmlns:p="http://schemas.openxmlformats.org/presentationml/2006/main" xmlns:m="http://schemas.openxmlformats.org/officeDocument/2006/math" xmlns:a14="http://schemas.microsoft.com/office/drawing/2010/main" type="tx" showMasterSp="1" showMasterPhAnim="1">
+<p:sldLayout xmlns:a="http://schemas.openxmlformats.org/drawingml/2006/main" xmlns:r="http://schemas.openxmlformats.org/officeDocument/2006/relationships" xmlns:p="http://schemas.openxmlformats.org/presentationml/2006/main" type="tx">
   <p:cSld name="Photo - Verticale">
     <p:spTree>
       <p:nvGrpSpPr>
@@ -1121,7 +1161,9 @@
       <p:sp>
         <p:nvSpPr>
           <p:cNvPr id="38" name="Image"/>
-          <p:cNvSpPr/>
+          <p:cNvSpPr>
+            <a:spLocks noGrp="1"/>
+          </p:cNvSpPr>
           <p:nvPr>
             <p:ph type="pic" idx="13"/>
           </p:nvPr>
@@ -1141,14 +1183,16 @@
           </a:bodyPr>
           <a:lstStyle/>
           <a:p>
-            <a:pPr/>
+            <a:endParaRPr/>
           </a:p>
         </p:txBody>
       </p:sp>
       <p:sp>
         <p:nvSpPr>
           <p:cNvPr id="39" name="Title Text"/>
-          <p:cNvSpPr txBox="1"/>
+          <p:cNvSpPr txBox="1">
+            <a:spLocks noGrp="1"/>
+          </p:cNvSpPr>
           <p:nvPr>
             <p:ph type="title"/>
           </p:nvPr>
@@ -1170,7 +1214,6 @@
             </a:lvl1pPr>
           </a:lstStyle>
           <a:p>
-            <a:pPr/>
             <a:r>
               <a:t>Title Text</a:t>
             </a:r>
@@ -1180,7 +1223,9 @@
       <p:sp>
         <p:nvSpPr>
           <p:cNvPr id="40" name="Body Level One…"/>
-          <p:cNvSpPr txBox="1"/>
+          <p:cNvSpPr txBox="1">
+            <a:spLocks noGrp="1"/>
+          </p:cNvSpPr>
           <p:nvPr>
             <p:ph type="body" sz="quarter" idx="1"/>
           </p:nvPr>
@@ -1198,7 +1243,6 @@
           <a:bodyPr/>
           <a:lstStyle/>
           <a:p>
-            <a:pPr/>
             <a:r>
               <a:t>Body Level One</a:t>
             </a:r>
@@ -1232,7 +1276,9 @@
       <p:sp>
         <p:nvSpPr>
           <p:cNvPr id="41" name="Slide Number"/>
-          <p:cNvSpPr txBox="1"/>
+          <p:cNvSpPr txBox="1">
+            <a:spLocks noGrp="1"/>
+          </p:cNvSpPr>
           <p:nvPr>
             <p:ph type="sldNum" sz="quarter" idx="2"/>
           </p:nvPr>
@@ -1246,8 +1292,10 @@
           <a:bodyPr/>
           <a:lstStyle/>
           <a:p>
-            <a:pPr/>
-            <a:fld id="{86CB4B4D-7CA3-9044-876B-883B54F8677D}" type="slidenum"/>
+            <a:fld id="{86CB4B4D-7CA3-9044-876B-883B54F8677D}" type="slidenum">
+              <a:t>‹#›</a:t>
+            </a:fld>
+            <a:endParaRPr/>
           </a:p>
         </p:txBody>
       </p:sp>
@@ -1256,12 +1304,12 @@
   <p:clrMapOvr>
     <a:masterClrMapping/>
   </p:clrMapOvr>
-  <p:transition xmlns:p14="http://schemas.microsoft.com/office/powerpoint/2010/main" spd="med" advClick="1"/>
+  <p:transition spd="med"/>
 </p:sldLayout>
 </file>
 
 <file path=ppt/slideLayouts/slideLayout5.xml><?xml version="1.0" encoding="utf-8"?>
-<p:sldLayout xmlns:a="http://schemas.openxmlformats.org/drawingml/2006/main" xmlns:r="http://schemas.openxmlformats.org/officeDocument/2006/relationships" xmlns:p="http://schemas.openxmlformats.org/presentationml/2006/main" xmlns:m="http://schemas.openxmlformats.org/officeDocument/2006/math" xmlns:a14="http://schemas.microsoft.com/office/drawing/2010/main" type="tx" showMasterSp="1" showMasterPhAnim="1">
+<p:sldLayout xmlns:a="http://schemas.openxmlformats.org/drawingml/2006/main" xmlns:r="http://schemas.openxmlformats.org/officeDocument/2006/relationships" xmlns:p="http://schemas.openxmlformats.org/presentationml/2006/main" type="tx">
   <p:cSld name="Titre - Haut">
     <p:spTree>
       <p:nvGrpSpPr>
@@ -1280,7 +1328,9 @@
       <p:sp>
         <p:nvSpPr>
           <p:cNvPr id="48" name="Title Text"/>
-          <p:cNvSpPr txBox="1"/>
+          <p:cNvSpPr txBox="1">
+            <a:spLocks noGrp="1"/>
+          </p:cNvSpPr>
           <p:nvPr>
             <p:ph type="title"/>
           </p:nvPr>
@@ -1298,7 +1348,6 @@
           <a:bodyPr anchor="ctr"/>
           <a:lstStyle/>
           <a:p>
-            <a:pPr/>
             <a:r>
               <a:t>Title Text</a:t>
             </a:r>
@@ -1308,7 +1357,9 @@
       <p:sp>
         <p:nvSpPr>
           <p:cNvPr id="49" name="Slide Number"/>
-          <p:cNvSpPr txBox="1"/>
+          <p:cNvSpPr txBox="1">
+            <a:spLocks noGrp="1"/>
+          </p:cNvSpPr>
           <p:nvPr>
             <p:ph type="sldNum" sz="quarter" idx="2"/>
           </p:nvPr>
@@ -1322,8 +1373,10 @@
           <a:bodyPr/>
           <a:lstStyle/>
           <a:p>
-            <a:pPr/>
-            <a:fld id="{86CB4B4D-7CA3-9044-876B-883B54F8677D}" type="slidenum"/>
+            <a:fld id="{86CB4B4D-7CA3-9044-876B-883B54F8677D}" type="slidenum">
+              <a:t>‹#›</a:t>
+            </a:fld>
+            <a:endParaRPr/>
           </a:p>
         </p:txBody>
       </p:sp>
@@ -1332,12 +1385,12 @@
   <p:clrMapOvr>
     <a:masterClrMapping/>
   </p:clrMapOvr>
-  <p:transition xmlns:p14="http://schemas.microsoft.com/office/powerpoint/2010/main" spd="med" advClick="1"/>
+  <p:transition spd="med"/>
 </p:sldLayout>
 </file>
 
 <file path=ppt/slideLayouts/slideLayout6.xml><?xml version="1.0" encoding="utf-8"?>
-<p:sldLayout xmlns:a="http://schemas.openxmlformats.org/drawingml/2006/main" xmlns:r="http://schemas.openxmlformats.org/officeDocument/2006/relationships" xmlns:p="http://schemas.openxmlformats.org/presentationml/2006/main" xmlns:m="http://schemas.openxmlformats.org/officeDocument/2006/math" xmlns:a14="http://schemas.microsoft.com/office/drawing/2010/main" type="tx" showMasterSp="1" showMasterPhAnim="1">
+<p:sldLayout xmlns:a="http://schemas.openxmlformats.org/drawingml/2006/main" xmlns:r="http://schemas.openxmlformats.org/officeDocument/2006/relationships" xmlns:p="http://schemas.openxmlformats.org/presentationml/2006/main" type="tx">
   <p:cSld name="Titre et puces">
     <p:spTree>
       <p:nvGrpSpPr>
@@ -1356,7 +1409,9 @@
       <p:sp>
         <p:nvSpPr>
           <p:cNvPr id="56" name="Title Text"/>
-          <p:cNvSpPr txBox="1"/>
+          <p:cNvSpPr txBox="1">
+            <a:spLocks noGrp="1"/>
+          </p:cNvSpPr>
           <p:nvPr>
             <p:ph type="title"/>
           </p:nvPr>
@@ -1374,7 +1429,6 @@
           <a:bodyPr anchor="ctr"/>
           <a:lstStyle/>
           <a:p>
-            <a:pPr/>
             <a:r>
               <a:t>Title Text</a:t>
             </a:r>
@@ -1384,7 +1438,9 @@
       <p:sp>
         <p:nvSpPr>
           <p:cNvPr id="57" name="Body Level One…"/>
-          <p:cNvSpPr txBox="1"/>
+          <p:cNvSpPr txBox="1">
+            <a:spLocks noGrp="1"/>
+          </p:cNvSpPr>
           <p:nvPr>
             <p:ph type="body" sz="half" idx="1"/>
           </p:nvPr>
@@ -1443,7 +1499,6 @@
             </a:lvl5pPr>
           </a:lstStyle>
           <a:p>
-            <a:pPr/>
             <a:r>
               <a:t>Body Level One</a:t>
             </a:r>
@@ -1477,7 +1532,9 @@
       <p:sp>
         <p:nvSpPr>
           <p:cNvPr id="58" name="Slide Number"/>
-          <p:cNvSpPr txBox="1"/>
+          <p:cNvSpPr txBox="1">
+            <a:spLocks noGrp="1"/>
+          </p:cNvSpPr>
           <p:nvPr>
             <p:ph type="sldNum" sz="quarter" idx="2"/>
           </p:nvPr>
@@ -1491,8 +1548,10 @@
           <a:bodyPr/>
           <a:lstStyle/>
           <a:p>
-            <a:pPr/>
-            <a:fld id="{86CB4B4D-7CA3-9044-876B-883B54F8677D}" type="slidenum"/>
+            <a:fld id="{86CB4B4D-7CA3-9044-876B-883B54F8677D}" type="slidenum">
+              <a:t>‹#›</a:t>
+            </a:fld>
+            <a:endParaRPr/>
           </a:p>
         </p:txBody>
       </p:sp>
@@ -1501,12 +1560,12 @@
   <p:clrMapOvr>
     <a:masterClrMapping/>
   </p:clrMapOvr>
-  <p:transition xmlns:p14="http://schemas.microsoft.com/office/powerpoint/2010/main" spd="med" advClick="1"/>
+  <p:transition spd="med"/>
 </p:sldLayout>
 </file>
 
 <file path=ppt/slideLayouts/slideLayout7.xml><?xml version="1.0" encoding="utf-8"?>
-<p:sldLayout xmlns:a="http://schemas.openxmlformats.org/drawingml/2006/main" xmlns:r="http://schemas.openxmlformats.org/officeDocument/2006/relationships" xmlns:p="http://schemas.openxmlformats.org/presentationml/2006/main" xmlns:m="http://schemas.openxmlformats.org/officeDocument/2006/math" xmlns:a14="http://schemas.microsoft.com/office/drawing/2010/main" type="tx" showMasterSp="1" showMasterPhAnim="1">
+<p:sldLayout xmlns:a="http://schemas.openxmlformats.org/drawingml/2006/main" xmlns:r="http://schemas.openxmlformats.org/officeDocument/2006/relationships" xmlns:p="http://schemas.openxmlformats.org/presentationml/2006/main" type="tx">
   <p:cSld name="Titre, puces et photo">
     <p:spTree>
       <p:nvGrpSpPr>
@@ -1525,7 +1584,9 @@
       <p:sp>
         <p:nvSpPr>
           <p:cNvPr id="65" name="Image"/>
-          <p:cNvSpPr/>
+          <p:cNvSpPr>
+            <a:spLocks noGrp="1"/>
+          </p:cNvSpPr>
           <p:nvPr>
             <p:ph type="pic" sz="half" idx="13"/>
           </p:nvPr>
@@ -1545,14 +1606,16 @@
           </a:bodyPr>
           <a:lstStyle/>
           <a:p>
-            <a:pPr/>
+            <a:endParaRPr/>
           </a:p>
         </p:txBody>
       </p:sp>
       <p:sp>
         <p:nvSpPr>
           <p:cNvPr id="66" name="Title Text"/>
-          <p:cNvSpPr txBox="1"/>
+          <p:cNvSpPr txBox="1">
+            <a:spLocks noGrp="1"/>
+          </p:cNvSpPr>
           <p:nvPr>
             <p:ph type="title"/>
           </p:nvPr>
@@ -1570,7 +1633,6 @@
           <a:bodyPr anchor="ctr"/>
           <a:lstStyle/>
           <a:p>
-            <a:pPr/>
             <a:r>
               <a:t>Title Text</a:t>
             </a:r>
@@ -1580,7 +1642,9 @@
       <p:sp>
         <p:nvSpPr>
           <p:cNvPr id="67" name="Body Level One…"/>
-          <p:cNvSpPr txBox="1"/>
+          <p:cNvSpPr txBox="1">
+            <a:spLocks noGrp="1"/>
+          </p:cNvSpPr>
           <p:nvPr>
             <p:ph type="body" sz="quarter" idx="1"/>
           </p:nvPr>
@@ -1639,7 +1703,6 @@
             </a:lvl5pPr>
           </a:lstStyle>
           <a:p>
-            <a:pPr/>
             <a:r>
               <a:t>Body Level One</a:t>
             </a:r>
@@ -1673,7 +1736,9 @@
       <p:sp>
         <p:nvSpPr>
           <p:cNvPr id="68" name="Slide Number"/>
-          <p:cNvSpPr txBox="1"/>
+          <p:cNvSpPr txBox="1">
+            <a:spLocks noGrp="1"/>
+          </p:cNvSpPr>
           <p:nvPr>
             <p:ph type="sldNum" sz="quarter" idx="2"/>
           </p:nvPr>
@@ -1687,8 +1752,10 @@
           <a:bodyPr/>
           <a:lstStyle/>
           <a:p>
-            <a:pPr/>
-            <a:fld id="{86CB4B4D-7CA3-9044-876B-883B54F8677D}" type="slidenum"/>
+            <a:fld id="{86CB4B4D-7CA3-9044-876B-883B54F8677D}" type="slidenum">
+              <a:t>‹#›</a:t>
+            </a:fld>
+            <a:endParaRPr/>
           </a:p>
         </p:txBody>
       </p:sp>
@@ -1697,12 +1764,12 @@
   <p:clrMapOvr>
     <a:masterClrMapping/>
   </p:clrMapOvr>
-  <p:transition xmlns:p14="http://schemas.microsoft.com/office/powerpoint/2010/main" spd="med" advClick="1"/>
+  <p:transition spd="med"/>
 </p:sldLayout>
 </file>
 
 <file path=ppt/slideLayouts/slideLayout8.xml><?xml version="1.0" encoding="utf-8"?>
-<p:sldLayout xmlns:a="http://schemas.openxmlformats.org/drawingml/2006/main" xmlns:r="http://schemas.openxmlformats.org/officeDocument/2006/relationships" xmlns:p="http://schemas.openxmlformats.org/presentationml/2006/main" xmlns:m="http://schemas.openxmlformats.org/officeDocument/2006/math" xmlns:a14="http://schemas.microsoft.com/office/drawing/2010/main" type="tx" showMasterSp="1" showMasterPhAnim="1">
+<p:sldLayout xmlns:a="http://schemas.openxmlformats.org/drawingml/2006/main" xmlns:r="http://schemas.openxmlformats.org/officeDocument/2006/relationships" xmlns:p="http://schemas.openxmlformats.org/presentationml/2006/main" type="tx">
   <p:cSld name="Puces">
     <p:spTree>
       <p:nvGrpSpPr>
@@ -1721,7 +1788,9 @@
       <p:sp>
         <p:nvSpPr>
           <p:cNvPr id="75" name="Body Level One…"/>
-          <p:cNvSpPr txBox="1"/>
+          <p:cNvSpPr txBox="1">
+            <a:spLocks noGrp="1"/>
+          </p:cNvSpPr>
           <p:nvPr>
             <p:ph type="body" sz="half" idx="1"/>
           </p:nvPr>
@@ -1780,7 +1849,6 @@
             </a:lvl5pPr>
           </a:lstStyle>
           <a:p>
-            <a:pPr/>
             <a:r>
               <a:t>Body Level One</a:t>
             </a:r>
@@ -1814,7 +1882,9 @@
       <p:sp>
         <p:nvSpPr>
           <p:cNvPr id="76" name="Slide Number"/>
-          <p:cNvSpPr txBox="1"/>
+          <p:cNvSpPr txBox="1">
+            <a:spLocks noGrp="1"/>
+          </p:cNvSpPr>
           <p:nvPr>
             <p:ph type="sldNum" sz="quarter" idx="2"/>
           </p:nvPr>
@@ -1828,8 +1898,10 @@
           <a:bodyPr/>
           <a:lstStyle/>
           <a:p>
-            <a:pPr/>
-            <a:fld id="{86CB4B4D-7CA3-9044-876B-883B54F8677D}" type="slidenum"/>
+            <a:fld id="{86CB4B4D-7CA3-9044-876B-883B54F8677D}" type="slidenum">
+              <a:t>‹#›</a:t>
+            </a:fld>
+            <a:endParaRPr/>
           </a:p>
         </p:txBody>
       </p:sp>
@@ -1838,12 +1910,12 @@
   <p:clrMapOvr>
     <a:masterClrMapping/>
   </p:clrMapOvr>
-  <p:transition xmlns:p14="http://schemas.microsoft.com/office/powerpoint/2010/main" spd="med" advClick="1"/>
+  <p:transition spd="med"/>
 </p:sldLayout>
 </file>
 
 <file path=ppt/slideLayouts/slideLayout9.xml><?xml version="1.0" encoding="utf-8"?>
-<p:sldLayout xmlns:a="http://schemas.openxmlformats.org/drawingml/2006/main" xmlns:r="http://schemas.openxmlformats.org/officeDocument/2006/relationships" xmlns:p="http://schemas.openxmlformats.org/presentationml/2006/main" xmlns:m="http://schemas.openxmlformats.org/officeDocument/2006/math" xmlns:a14="http://schemas.microsoft.com/office/drawing/2010/main" type="tx" showMasterSp="1" showMasterPhAnim="1">
+<p:sldLayout xmlns:a="http://schemas.openxmlformats.org/drawingml/2006/main" xmlns:r="http://schemas.openxmlformats.org/officeDocument/2006/relationships" xmlns:p="http://schemas.openxmlformats.org/presentationml/2006/main" type="tx">
   <p:cSld name="Photo - 3">
     <p:spTree>
       <p:nvGrpSpPr>
@@ -1862,7 +1934,9 @@
       <p:sp>
         <p:nvSpPr>
           <p:cNvPr id="83" name="Image"/>
-          <p:cNvSpPr/>
+          <p:cNvSpPr>
+            <a:spLocks noGrp="1"/>
+          </p:cNvSpPr>
           <p:nvPr>
             <p:ph type="pic" sz="quarter" idx="13"/>
           </p:nvPr>
@@ -1882,14 +1956,16 @@
           </a:bodyPr>
           <a:lstStyle/>
           <a:p>
-            <a:pPr/>
+            <a:endParaRPr/>
           </a:p>
         </p:txBody>
       </p:sp>
       <p:sp>
         <p:nvSpPr>
           <p:cNvPr id="84" name="Image"/>
-          <p:cNvSpPr/>
+          <p:cNvSpPr>
+            <a:spLocks noGrp="1"/>
+          </p:cNvSpPr>
           <p:nvPr>
             <p:ph type="pic" sz="quarter" idx="14"/>
           </p:nvPr>
@@ -1909,14 +1985,16 @@
           </a:bodyPr>
           <a:lstStyle/>
           <a:p>
-            <a:pPr/>
+            <a:endParaRPr/>
           </a:p>
         </p:txBody>
       </p:sp>
       <p:sp>
         <p:nvSpPr>
           <p:cNvPr id="85" name="Image"/>
-          <p:cNvSpPr/>
+          <p:cNvSpPr>
+            <a:spLocks noGrp="1"/>
+          </p:cNvSpPr>
           <p:nvPr>
             <p:ph type="pic" idx="15"/>
           </p:nvPr>
@@ -1936,14 +2014,16 @@
           </a:bodyPr>
           <a:lstStyle/>
           <a:p>
-            <a:pPr/>
+            <a:endParaRPr/>
           </a:p>
         </p:txBody>
       </p:sp>
       <p:sp>
         <p:nvSpPr>
           <p:cNvPr id="86" name="Slide Number"/>
-          <p:cNvSpPr txBox="1"/>
+          <p:cNvSpPr txBox="1">
+            <a:spLocks noGrp="1"/>
+          </p:cNvSpPr>
           <p:nvPr>
             <p:ph type="sldNum" sz="quarter" idx="2"/>
           </p:nvPr>
@@ -1957,8 +2037,10 @@
           <a:bodyPr/>
           <a:lstStyle/>
           <a:p>
-            <a:pPr/>
-            <a:fld id="{86CB4B4D-7CA3-9044-876B-883B54F8677D}" type="slidenum"/>
+            <a:fld id="{86CB4B4D-7CA3-9044-876B-883B54F8677D}" type="slidenum">
+              <a:t>‹#›</a:t>
+            </a:fld>
+            <a:endParaRPr/>
           </a:p>
         </p:txBody>
       </p:sp>
@@ -1967,18 +2049,19 @@
   <p:clrMapOvr>
     <a:masterClrMapping/>
   </p:clrMapOvr>
-  <p:transition xmlns:p14="http://schemas.microsoft.com/office/powerpoint/2010/main" spd="med" advClick="1"/>
+  <p:transition spd="med"/>
 </p:sldLayout>
 </file>
 
 <file path=ppt/slideMasters/slideMaster1.xml><?xml version="1.0" encoding="utf-8"?>
-<p:sldMaster xmlns:a="http://schemas.openxmlformats.org/drawingml/2006/main" xmlns:r="http://schemas.openxmlformats.org/officeDocument/2006/relationships" xmlns:p="http://schemas.openxmlformats.org/presentationml/2006/main" xmlns:m="http://schemas.openxmlformats.org/officeDocument/2006/math" xmlns:a14="http://schemas.microsoft.com/office/drawing/2010/main">
+<p:sldMaster xmlns:a="http://schemas.openxmlformats.org/drawingml/2006/main" xmlns:r="http://schemas.openxmlformats.org/officeDocument/2006/relationships" xmlns:p="http://schemas.openxmlformats.org/presentationml/2006/main">
   <p:cSld>
     <p:bg>
       <p:bgPr>
         <a:solidFill>
           <a:srgbClr val="FFFFFF"/>
         </a:solidFill>
+        <a:effectLst/>
       </p:bgPr>
     </p:bg>
     <p:spTree>
@@ -1998,7 +2081,9 @@
       <p:sp>
         <p:nvSpPr>
           <p:cNvPr id="2" name="Title Text"/>
-          <p:cNvSpPr txBox="1"/>
+          <p:cNvSpPr txBox="1">
+            <a:spLocks noGrp="1"/>
+          </p:cNvSpPr>
           <p:nvPr>
             <p:ph type="title"/>
           </p:nvPr>
@@ -2016,17 +2101,16 @@
           </a:ln>
           <a:extLst>
             <a:ext uri="{C572A759-6A51-4108-AA02-DFA0A04FC94B}">
-              <ma14:wrappingTextBoxFlag xmlns:ma14="http://schemas.microsoft.com/office/mac/drawingml/2011/main" val="1"/>
+              <ma14:wrappingTextBoxFlag xmlns:ma14="http://schemas.microsoft.com/office/mac/drawingml/2011/main" xmlns:a14="http://schemas.microsoft.com/office/drawing/2010/main" xmlns:m="http://schemas.openxmlformats.org/officeDocument/2006/math" xmlns="" val="1"/>
             </a:ext>
           </a:extLst>
         </p:spPr>
         <p:txBody>
           <a:bodyPr lIns="38100" tIns="38100" rIns="38100" bIns="38100" anchor="b">
-            <a:normAutofit fontScale="100000" lnSpcReduction="0"/>
+            <a:normAutofit/>
           </a:bodyPr>
           <a:lstStyle/>
           <a:p>
-            <a:pPr/>
             <a:r>
               <a:t>Title Text</a:t>
             </a:r>
@@ -2036,7 +2120,9 @@
       <p:sp>
         <p:nvSpPr>
           <p:cNvPr id="3" name="Body Level One…"/>
-          <p:cNvSpPr txBox="1"/>
+          <p:cNvSpPr txBox="1">
+            <a:spLocks noGrp="1"/>
+          </p:cNvSpPr>
           <p:nvPr>
             <p:ph type="body" idx="1"/>
           </p:nvPr>
@@ -2054,17 +2140,16 @@
           </a:ln>
           <a:extLst>
             <a:ext uri="{C572A759-6A51-4108-AA02-DFA0A04FC94B}">
-              <ma14:wrappingTextBoxFlag xmlns:ma14="http://schemas.microsoft.com/office/mac/drawingml/2011/main" val="1"/>
+              <ma14:wrappingTextBoxFlag xmlns:ma14="http://schemas.microsoft.com/office/mac/drawingml/2011/main" xmlns:a14="http://schemas.microsoft.com/office/drawing/2010/main" xmlns:m="http://schemas.openxmlformats.org/officeDocument/2006/math" xmlns="" val="1"/>
             </a:ext>
           </a:extLst>
         </p:spPr>
         <p:txBody>
           <a:bodyPr lIns="38100" tIns="38100" rIns="38100" bIns="38100">
-            <a:normAutofit fontScale="100000" lnSpcReduction="0"/>
+            <a:normAutofit/>
           </a:bodyPr>
           <a:lstStyle/>
           <a:p>
-            <a:pPr/>
             <a:r>
               <a:t>Body Level One</a:t>
             </a:r>
@@ -2098,7 +2183,9 @@
       <p:sp>
         <p:nvSpPr>
           <p:cNvPr id="4" name="Slide Number"/>
-          <p:cNvSpPr txBox="1"/>
+          <p:cNvSpPr txBox="1">
+            <a:spLocks noGrp="1"/>
+          </p:cNvSpPr>
           <p:nvPr>
             <p:ph type="sldNum" sz="quarter" idx="2"/>
           </p:nvPr>
@@ -2133,8 +2220,10 @@
             </a:lvl1pPr>
           </a:lstStyle>
           <a:p>
-            <a:pPr/>
-            <a:fld id="{86CB4B4D-7CA3-9044-876B-883B54F8677D}" type="slidenum"/>
+            <a:fld id="{86CB4B4D-7CA3-9044-876B-883B54F8677D}" type="slidenum">
+              <a:t>‹#›</a:t>
+            </a:fld>
+            <a:endParaRPr/>
           </a:p>
         </p:txBody>
       </p:sp>
@@ -2142,20 +2231,20 @@
   </p:cSld>
   <p:clrMap bg1="lt1" tx1="dk1" bg2="lt2" tx2="dk2" accent1="accent1" accent2="accent2" accent3="accent3" accent4="accent4" accent5="accent5" accent6="accent6" hlink="hlink" folHlink="folHlink"/>
   <p:sldLayoutIdLst>
-    <p:sldLayoutId id="2147483649" r:id="rId2"/>
-    <p:sldLayoutId id="2147483650" r:id="rId3"/>
-    <p:sldLayoutId id="2147483651" r:id="rId4"/>
-    <p:sldLayoutId id="2147483652" r:id="rId5"/>
-    <p:sldLayoutId id="2147483653" r:id="rId6"/>
-    <p:sldLayoutId id="2147483654" r:id="rId7"/>
-    <p:sldLayoutId id="2147483655" r:id="rId8"/>
-    <p:sldLayoutId id="2147483656" r:id="rId9"/>
-    <p:sldLayoutId id="2147483657" r:id="rId10"/>
-    <p:sldLayoutId id="2147483658" r:id="rId11"/>
-    <p:sldLayoutId id="2147483659" r:id="rId12"/>
-    <p:sldLayoutId id="2147483660" r:id="rId13"/>
+    <p:sldLayoutId id="2147483649" r:id="rId1"/>
+    <p:sldLayoutId id="2147483650" r:id="rId2"/>
+    <p:sldLayoutId id="2147483651" r:id="rId3"/>
+    <p:sldLayoutId id="2147483652" r:id="rId4"/>
+    <p:sldLayoutId id="2147483653" r:id="rId5"/>
+    <p:sldLayoutId id="2147483654" r:id="rId6"/>
+    <p:sldLayoutId id="2147483655" r:id="rId7"/>
+    <p:sldLayoutId id="2147483656" r:id="rId8"/>
+    <p:sldLayoutId id="2147483657" r:id="rId9"/>
+    <p:sldLayoutId id="2147483658" r:id="rId10"/>
+    <p:sldLayoutId id="2147483659" r:id="rId11"/>
+    <p:sldLayoutId id="2147483660" r:id="rId12"/>
   </p:sldLayoutIdLst>
-  <p:transition xmlns:p14="http://schemas.microsoft.com/office/powerpoint/2010/main" spd="med" advClick="1"/>
+  <p:transition spd="med"/>
   <p:txStyles>
     <p:titleStyle>
       <a:lvl1pPr marL="0" marR="0" indent="0" algn="ctr" defTabSz="584200" rtl="0" latinLnBrk="0">
@@ -2173,7 +2262,7 @@
         <a:buFontTx/>
         <a:buNone/>
         <a:tabLst/>
-        <a:defRPr b="0" baseline="0" cap="none" i="0" spc="0" strike="noStrike" sz="7800" u="none">
+        <a:defRPr sz="7800" b="0" i="0" u="none" strike="noStrike" cap="none" spc="0" baseline="0">
           <a:solidFill>
             <a:srgbClr val="000000"/>
           </a:solidFill>
@@ -2199,7 +2288,7 @@
         <a:buFontTx/>
         <a:buNone/>
         <a:tabLst/>
-        <a:defRPr b="0" baseline="0" cap="none" i="0" spc="0" strike="noStrike" sz="7800" u="none">
+        <a:defRPr sz="7800" b="0" i="0" u="none" strike="noStrike" cap="none" spc="0" baseline="0">
           <a:solidFill>
             <a:srgbClr val="000000"/>
           </a:solidFill>
@@ -2225,7 +2314,7 @@
         <a:buFontTx/>
         <a:buNone/>
         <a:tabLst/>
-        <a:defRPr b="0" baseline="0" cap="none" i="0" spc="0" strike="noStrike" sz="7800" u="none">
+        <a:defRPr sz="7800" b="0" i="0" u="none" strike="noStrike" cap="none" spc="0" baseline="0">
           <a:solidFill>
             <a:srgbClr val="000000"/>
           </a:solidFill>
@@ -2251,7 +2340,7 @@
         <a:buFontTx/>
         <a:buNone/>
         <a:tabLst/>
-        <a:defRPr b="0" baseline="0" cap="none" i="0" spc="0" strike="noStrike" sz="7800" u="none">
+        <a:defRPr sz="7800" b="0" i="0" u="none" strike="noStrike" cap="none" spc="0" baseline="0">
           <a:solidFill>
             <a:srgbClr val="000000"/>
           </a:solidFill>
@@ -2277,7 +2366,7 @@
         <a:buFontTx/>
         <a:buNone/>
         <a:tabLst/>
-        <a:defRPr b="0" baseline="0" cap="none" i="0" spc="0" strike="noStrike" sz="7800" u="none">
+        <a:defRPr sz="7800" b="0" i="0" u="none" strike="noStrike" cap="none" spc="0" baseline="0">
           <a:solidFill>
             <a:srgbClr val="000000"/>
           </a:solidFill>
@@ -2303,7 +2392,7 @@
         <a:buFontTx/>
         <a:buNone/>
         <a:tabLst/>
-        <a:defRPr b="0" baseline="0" cap="none" i="0" spc="0" strike="noStrike" sz="7800" u="none">
+        <a:defRPr sz="7800" b="0" i="0" u="none" strike="noStrike" cap="none" spc="0" baseline="0">
           <a:solidFill>
             <a:srgbClr val="000000"/>
           </a:solidFill>
@@ -2329,7 +2418,7 @@
         <a:buFontTx/>
         <a:buNone/>
         <a:tabLst/>
-        <a:defRPr b="0" baseline="0" cap="none" i="0" spc="0" strike="noStrike" sz="7800" u="none">
+        <a:defRPr sz="7800" b="0" i="0" u="none" strike="noStrike" cap="none" spc="0" baseline="0">
           <a:solidFill>
             <a:srgbClr val="000000"/>
           </a:solidFill>
@@ -2355,7 +2444,7 @@
         <a:buFontTx/>
         <a:buNone/>
         <a:tabLst/>
-        <a:defRPr b="0" baseline="0" cap="none" i="0" spc="0" strike="noStrike" sz="7800" u="none">
+        <a:defRPr sz="7800" b="0" i="0" u="none" strike="noStrike" cap="none" spc="0" baseline="0">
           <a:solidFill>
             <a:srgbClr val="000000"/>
           </a:solidFill>
@@ -2381,7 +2470,7 @@
         <a:buFontTx/>
         <a:buNone/>
         <a:tabLst/>
-        <a:defRPr b="0" baseline="0" cap="none" i="0" spc="0" strike="noStrike" sz="7800" u="none">
+        <a:defRPr sz="7800" b="0" i="0" u="none" strike="noStrike" cap="none" spc="0" baseline="0">
           <a:solidFill>
             <a:srgbClr val="000000"/>
           </a:solidFill>
@@ -2409,7 +2498,7 @@
         <a:buFontTx/>
         <a:buNone/>
         <a:tabLst/>
-        <a:defRPr b="0" baseline="0" cap="none" i="0" spc="0" strike="noStrike" sz="3000" u="none">
+        <a:defRPr sz="3000" b="0" i="0" u="none" strike="noStrike" cap="none" spc="0" baseline="0">
           <a:solidFill>
             <a:srgbClr val="000000"/>
           </a:solidFill>
@@ -2435,7 +2524,7 @@
         <a:buFontTx/>
         <a:buNone/>
         <a:tabLst/>
-        <a:defRPr b="0" baseline="0" cap="none" i="0" spc="0" strike="noStrike" sz="3000" u="none">
+        <a:defRPr sz="3000" b="0" i="0" u="none" strike="noStrike" cap="none" spc="0" baseline="0">
           <a:solidFill>
             <a:srgbClr val="000000"/>
           </a:solidFill>
@@ -2461,7 +2550,7 @@
         <a:buFontTx/>
         <a:buNone/>
         <a:tabLst/>
-        <a:defRPr b="0" baseline="0" cap="none" i="0" spc="0" strike="noStrike" sz="3000" u="none">
+        <a:defRPr sz="3000" b="0" i="0" u="none" strike="noStrike" cap="none" spc="0" baseline="0">
           <a:solidFill>
             <a:srgbClr val="000000"/>
           </a:solidFill>
@@ -2487,7 +2576,7 @@
         <a:buFontTx/>
         <a:buNone/>
         <a:tabLst/>
-        <a:defRPr b="0" baseline="0" cap="none" i="0" spc="0" strike="noStrike" sz="3000" u="none">
+        <a:defRPr sz="3000" b="0" i="0" u="none" strike="noStrike" cap="none" spc="0" baseline="0">
           <a:solidFill>
             <a:srgbClr val="000000"/>
           </a:solidFill>
@@ -2513,7 +2602,7 @@
         <a:buFontTx/>
         <a:buNone/>
         <a:tabLst/>
-        <a:defRPr b="0" baseline="0" cap="none" i="0" spc="0" strike="noStrike" sz="3000" u="none">
+        <a:defRPr sz="3000" b="0" i="0" u="none" strike="noStrike" cap="none" spc="0" baseline="0">
           <a:solidFill>
             <a:srgbClr val="000000"/>
           </a:solidFill>
@@ -2539,7 +2628,7 @@
         <a:buFontTx/>
         <a:buNone/>
         <a:tabLst/>
-        <a:defRPr b="0" baseline="0" cap="none" i="0" spc="0" strike="noStrike" sz="3000" u="none">
+        <a:defRPr sz="3000" b="0" i="0" u="none" strike="noStrike" cap="none" spc="0" baseline="0">
           <a:solidFill>
             <a:srgbClr val="000000"/>
           </a:solidFill>
@@ -2565,7 +2654,7 @@
         <a:buFontTx/>
         <a:buNone/>
         <a:tabLst/>
-        <a:defRPr b="0" baseline="0" cap="none" i="0" spc="0" strike="noStrike" sz="3000" u="none">
+        <a:defRPr sz="3000" b="0" i="0" u="none" strike="noStrike" cap="none" spc="0" baseline="0">
           <a:solidFill>
             <a:srgbClr val="000000"/>
           </a:solidFill>
@@ -2591,7 +2680,7 @@
         <a:buFontTx/>
         <a:buNone/>
         <a:tabLst/>
-        <a:defRPr b="0" baseline="0" cap="none" i="0" spc="0" strike="noStrike" sz="3000" u="none">
+        <a:defRPr sz="3000" b="0" i="0" u="none" strike="noStrike" cap="none" spc="0" baseline="0">
           <a:solidFill>
             <a:srgbClr val="000000"/>
           </a:solidFill>
@@ -2617,7 +2706,7 @@
         <a:buFontTx/>
         <a:buNone/>
         <a:tabLst/>
-        <a:defRPr b="0" baseline="0" cap="none" i="0" spc="0" strike="noStrike" sz="3000" u="none">
+        <a:defRPr sz="3000" b="0" i="0" u="none" strike="noStrike" cap="none" spc="0" baseline="0">
           <a:solidFill>
             <a:srgbClr val="000000"/>
           </a:solidFill>
@@ -2645,7 +2734,7 @@
         <a:buFontTx/>
         <a:buNone/>
         <a:tabLst/>
-        <a:defRPr b="0" baseline="0" cap="none" i="0" spc="0" strike="noStrike" sz="1600" u="none">
+        <a:defRPr sz="1600" b="0" i="0" u="none" strike="noStrike" cap="none" spc="0" baseline="0">
           <a:solidFill>
             <a:schemeClr val="tx1"/>
           </a:solidFill>
@@ -2671,7 +2760,7 @@
         <a:buFontTx/>
         <a:buNone/>
         <a:tabLst/>
-        <a:defRPr b="0" baseline="0" cap="none" i="0" spc="0" strike="noStrike" sz="1600" u="none">
+        <a:defRPr sz="1600" b="0" i="0" u="none" strike="noStrike" cap="none" spc="0" baseline="0">
           <a:solidFill>
             <a:schemeClr val="tx1"/>
           </a:solidFill>
@@ -2697,7 +2786,7 @@
         <a:buFontTx/>
         <a:buNone/>
         <a:tabLst/>
-        <a:defRPr b="0" baseline="0" cap="none" i="0" spc="0" strike="noStrike" sz="1600" u="none">
+        <a:defRPr sz="1600" b="0" i="0" u="none" strike="noStrike" cap="none" spc="0" baseline="0">
           <a:solidFill>
             <a:schemeClr val="tx1"/>
           </a:solidFill>
@@ -2723,7 +2812,7 @@
         <a:buFontTx/>
         <a:buNone/>
         <a:tabLst/>
-        <a:defRPr b="0" baseline="0" cap="none" i="0" spc="0" strike="noStrike" sz="1600" u="none">
+        <a:defRPr sz="1600" b="0" i="0" u="none" strike="noStrike" cap="none" spc="0" baseline="0">
           <a:solidFill>
             <a:schemeClr val="tx1"/>
           </a:solidFill>
@@ -2749,7 +2838,7 @@
         <a:buFontTx/>
         <a:buNone/>
         <a:tabLst/>
-        <a:defRPr b="0" baseline="0" cap="none" i="0" spc="0" strike="noStrike" sz="1600" u="none">
+        <a:defRPr sz="1600" b="0" i="0" u="none" strike="noStrike" cap="none" spc="0" baseline="0">
           <a:solidFill>
             <a:schemeClr val="tx1"/>
           </a:solidFill>
@@ -2775,7 +2864,7 @@
         <a:buFontTx/>
         <a:buNone/>
         <a:tabLst/>
-        <a:defRPr b="0" baseline="0" cap="none" i="0" spc="0" strike="noStrike" sz="1600" u="none">
+        <a:defRPr sz="1600" b="0" i="0" u="none" strike="noStrike" cap="none" spc="0" baseline="0">
           <a:solidFill>
             <a:schemeClr val="tx1"/>
           </a:solidFill>
@@ -2801,7 +2890,7 @@
         <a:buFontTx/>
         <a:buNone/>
         <a:tabLst/>
-        <a:defRPr b="0" baseline="0" cap="none" i="0" spc="0" strike="noStrike" sz="1600" u="none">
+        <a:defRPr sz="1600" b="0" i="0" u="none" strike="noStrike" cap="none" spc="0" baseline="0">
           <a:solidFill>
             <a:schemeClr val="tx1"/>
           </a:solidFill>
@@ -2827,7 +2916,7 @@
         <a:buFontTx/>
         <a:buNone/>
         <a:tabLst/>
-        <a:defRPr b="0" baseline="0" cap="none" i="0" spc="0" strike="noStrike" sz="1600" u="none">
+        <a:defRPr sz="1600" b="0" i="0" u="none" strike="noStrike" cap="none" spc="0" baseline="0">
           <a:solidFill>
             <a:schemeClr val="tx1"/>
           </a:solidFill>
@@ -2853,7 +2942,7 @@
         <a:buFontTx/>
         <a:buNone/>
         <a:tabLst/>
-        <a:defRPr b="0" baseline="0" cap="none" i="0" spc="0" strike="noStrike" sz="1600" u="none">
+        <a:defRPr sz="1600" b="0" i="0" u="none" strike="noStrike" cap="none" spc="0" baseline="0">
           <a:solidFill>
             <a:schemeClr val="tx1"/>
           </a:solidFill>
@@ -2870,7 +2959,7 @@
 </file>
 
 <file path=ppt/slides/slide1.xml><?xml version="1.0" encoding="utf-8"?>
-<p:sld xmlns:a="http://schemas.openxmlformats.org/drawingml/2006/main" xmlns:r="http://schemas.openxmlformats.org/officeDocument/2006/relationships" xmlns:p="http://schemas.openxmlformats.org/presentationml/2006/main" xmlns:m="http://schemas.openxmlformats.org/officeDocument/2006/math" xmlns:a14="http://schemas.microsoft.com/office/drawing/2010/main" showMasterSp="1" showMasterPhAnim="1">
+<p:sld xmlns:a="http://schemas.openxmlformats.org/drawingml/2006/main" xmlns:r="http://schemas.openxmlformats.org/officeDocument/2006/relationships" xmlns:p="http://schemas.openxmlformats.org/presentationml/2006/main">
   <p:cSld>
     <p:spTree>
       <p:nvGrpSpPr>
@@ -2905,7 +2994,7 @@
           </a:ln>
           <a:extLst>
             <a:ext uri="{C572A759-6A51-4108-AA02-DFA0A04FC94B}">
-              <ma14:wrappingTextBoxFlag xmlns:ma14="http://schemas.microsoft.com/office/mac/drawingml/2011/main" val="1"/>
+              <ma14:wrappingTextBoxFlag xmlns:ma14="http://schemas.microsoft.com/office/mac/drawingml/2011/main" xmlns:a14="http://schemas.microsoft.com/office/drawing/2010/main" xmlns:m="http://schemas.openxmlformats.org/officeDocument/2006/math" xmlns="" val="1"/>
             </a:ext>
           </a:extLst>
         </p:spPr>
@@ -2916,7 +3005,7 @@
           <a:lstStyle/>
           <a:p>
             <a:pPr>
-              <a:defRPr b="1" sz="8700">
+              <a:defRPr sz="8700" b="1">
                 <a:solidFill>
                   <a:srgbClr val="000000"/>
                 </a:solidFill>
@@ -2932,7 +3021,7 @@
           </a:p>
           <a:p>
             <a:pPr>
-              <a:defRPr b="1" sz="8700">
+              <a:defRPr sz="8700" b="1">
                 <a:solidFill>
                   <a:srgbClr val="000000"/>
                 </a:solidFill>
@@ -2948,7 +3037,7 @@
           </a:p>
           <a:p>
             <a:pPr>
-              <a:defRPr b="1" sz="8700">
+              <a:defRPr sz="8700" b="1">
                 <a:solidFill>
                   <a:srgbClr val="000000"/>
                 </a:solidFill>
@@ -2964,7 +3053,7 @@
           </a:p>
           <a:p>
             <a:pPr>
-              <a:defRPr b="1" sz="7900">
+              <a:defRPr sz="7900" b="1">
                 <a:solidFill>
                   <a:srgbClr val="FFFFFF"/>
                 </a:solidFill>
@@ -2974,10 +3063,11 @@
                 <a:sym typeface="Circular Std"/>
               </a:defRPr>
             </a:pPr>
+            <a:endParaRPr/>
           </a:p>
           <a:p>
             <a:pPr>
-              <a:defRPr b="1" sz="6200">
+              <a:defRPr sz="6200" b="1">
                 <a:solidFill>
                   <a:srgbClr val="000000"/>
                 </a:solidFill>
@@ -3002,9 +3092,7 @@
           <p:nvPr/>
         </p:nvPicPr>
         <p:blipFill>
-          <a:blip r:embed="rId2">
-            <a:extLst/>
-          </a:blip>
+          <a:blip r:embed="rId2"/>
           <a:stretch>
             <a:fillRect/>
           </a:stretch>
@@ -3031,9 +3119,7 @@
           <p:nvPr/>
         </p:nvPicPr>
         <p:blipFill>
-          <a:blip r:embed="rId3">
-            <a:extLst/>
-          </a:blip>
+          <a:blip r:embed="rId3"/>
           <a:stretch>
             <a:fillRect/>
           </a:stretch>
@@ -3056,12 +3142,12 @@
   <p:clrMapOvr>
     <a:masterClrMapping/>
   </p:clrMapOvr>
-  <p:transition xmlns:p14="http://schemas.microsoft.com/office/powerpoint/2010/main" spd="med" advClick="1"/>
+  <p:transition spd="med"/>
 </p:sld>
 </file>
 
 <file path=ppt/slides/slide10.xml><?xml version="1.0" encoding="utf-8"?>
-<p:sld xmlns:a="http://schemas.openxmlformats.org/drawingml/2006/main" xmlns:r="http://schemas.openxmlformats.org/officeDocument/2006/relationships" xmlns:p="http://schemas.openxmlformats.org/presentationml/2006/main" xmlns:m="http://schemas.openxmlformats.org/officeDocument/2006/math" xmlns:a14="http://schemas.microsoft.com/office/drawing/2010/main" showMasterSp="1" showMasterPhAnim="1">
+<p:sld xmlns:a="http://schemas.openxmlformats.org/drawingml/2006/main" xmlns:r="http://schemas.openxmlformats.org/officeDocument/2006/relationships" xmlns:p="http://schemas.openxmlformats.org/presentationml/2006/main">
   <p:cSld>
     <p:spTree>
       <p:nvGrpSpPr>
@@ -3096,7 +3182,7 @@
           </a:ln>
           <a:extLst>
             <a:ext uri="{C572A759-6A51-4108-AA02-DFA0A04FC94B}">
-              <ma14:wrappingTextBoxFlag xmlns:ma14="http://schemas.microsoft.com/office/mac/drawingml/2011/main" val="1"/>
+              <ma14:wrappingTextBoxFlag xmlns:ma14="http://schemas.microsoft.com/office/mac/drawingml/2011/main" xmlns:a14="http://schemas.microsoft.com/office/drawing/2010/main" xmlns:m="http://schemas.openxmlformats.org/officeDocument/2006/math" xmlns="" val="1"/>
             </a:ext>
           </a:extLst>
         </p:spPr>
@@ -3144,8 +3230,8 @@
         </p:nvSpPr>
         <p:spPr>
           <a:xfrm>
-            <a:off x="317055" y="2441928"/>
-            <a:ext cx="12370690" cy="1694744"/>
+            <a:off x="317055" y="2489081"/>
+            <a:ext cx="12370690" cy="1600438"/>
           </a:xfrm>
           <a:prstGeom prst="rect">
             <a:avLst/>
@@ -3155,7 +3241,7 @@
           </a:ln>
           <a:extLst>
             <a:ext uri="{C572A759-6A51-4108-AA02-DFA0A04FC94B}">
-              <ma14:wrappingTextBoxFlag xmlns:ma14="http://schemas.microsoft.com/office/mac/drawingml/2011/main" val="1"/>
+              <ma14:wrappingTextBoxFlag xmlns:ma14="http://schemas.microsoft.com/office/mac/drawingml/2011/main" xmlns:a14="http://schemas.microsoft.com/office/drawing/2010/main" xmlns:m="http://schemas.openxmlformats.org/officeDocument/2006/math" xmlns="" val="1"/>
             </a:ext>
           </a:extLst>
         </p:spPr>
@@ -3174,10 +3260,11 @@
               </a:defRPr>
             </a:pPr>
             <a:r>
+              <a:rPr dirty="0"/>
               <a:t>When a </a:t>
             </a:r>
             <a:r>
-              <a:rPr b="1">
+              <a:rPr b="1" dirty="0">
                 <a:solidFill>
                   <a:schemeClr val="accent1">
                     <a:hueOff val="273561"/>
@@ -3193,10 +3280,11 @@
               <a:t>block</a:t>
             </a:r>
             <a:r>
+              <a:rPr dirty="0"/>
               <a:t> (aka the code inside a method) takes just one line, we should write the entire method as a one-liner and use curly braces instead of </a:t>
             </a:r>
             <a:r>
-              <a:rPr b="1">
+              <a:rPr lang="en-CA" b="1" dirty="0">
                 <a:solidFill>
                   <a:schemeClr val="accent1">
                     <a:hueOff val="273561"/>
@@ -3209,13 +3297,14 @@
                 <a:cs typeface="Consolas"/>
                 <a:sym typeface="Consolas"/>
               </a:rPr>
-              <a:t>def</a:t>
-            </a:r>
-            <a:r>
+              <a:t>do</a:t>
+            </a:r>
+            <a:r>
+              <a:rPr dirty="0"/>
               <a:t> and </a:t>
             </a:r>
             <a:r>
-              <a:rPr b="1">
+              <a:rPr b="1" dirty="0">
                 <a:solidFill>
                   <a:schemeClr val="accent1">
                     <a:hueOff val="273561"/>
@@ -3252,7 +3341,7 @@
           </a:ln>
           <a:extLst>
             <a:ext uri="{C572A759-6A51-4108-AA02-DFA0A04FC94B}">
-              <ma14:wrappingTextBoxFlag xmlns:ma14="http://schemas.microsoft.com/office/mac/drawingml/2011/main" val="1"/>
+              <ma14:wrappingTextBoxFlag xmlns:ma14="http://schemas.microsoft.com/office/mac/drawingml/2011/main" xmlns:a14="http://schemas.microsoft.com/office/drawing/2010/main" xmlns:m="http://schemas.openxmlformats.org/officeDocument/2006/math" xmlns="" val="1"/>
             </a:ext>
           </a:extLst>
         </p:spPr>
@@ -3342,7 +3431,7 @@
           </a:ln>
           <a:extLst>
             <a:ext uri="{C572A759-6A51-4108-AA02-DFA0A04FC94B}">
-              <ma14:wrappingTextBoxFlag xmlns:ma14="http://schemas.microsoft.com/office/mac/drawingml/2011/main" val="1"/>
+              <ma14:wrappingTextBoxFlag xmlns:ma14="http://schemas.microsoft.com/office/mac/drawingml/2011/main" xmlns:a14="http://schemas.microsoft.com/office/drawing/2010/main" xmlns:m="http://schemas.openxmlformats.org/officeDocument/2006/math" xmlns="" val="1"/>
             </a:ext>
           </a:extLst>
         </p:spPr>
@@ -3368,7 +3457,6 @@
             </a:lvl1pPr>
           </a:lstStyle>
           <a:p>
-            <a:pPr/>
             <a:r>
               <a:t>["zoe", "zack"].each { |name| puts name.capitalize }</a:t>
             </a:r>
@@ -3406,7 +3494,7 @@
             </a:cxnLst>
             <a:rect l="0" t="0" r="r" b="b"/>
             <a:pathLst>
-              <a:path w="21452" h="20404" fill="norm" stroke="1" extrusionOk="0">
+              <a:path w="21452" h="20404" extrusionOk="0">
                 <a:moveTo>
                   <a:pt x="19340" y="6"/>
                 </a:moveTo>
@@ -3526,7 +3614,7 @@
             <a:miter lim="400000"/>
           </a:ln>
           <a:effectLst>
-            <a:outerShdw sx="100000" sy="100000" kx="0" ky="0" algn="b" rotWithShape="0" blurRad="25400" dist="12700" dir="5400000">
+            <a:outerShdw blurRad="25400" dist="12700" dir="5400000" rotWithShape="0">
               <a:srgbClr val="000000">
                 <a:alpha val="50000"/>
               </a:srgbClr>
@@ -3548,6 +3636,7 @@
                 <a:sym typeface="Helvetica Light"/>
               </a:defRPr>
             </a:pPr>
+            <a:endParaRPr/>
           </a:p>
         </p:txBody>
       </p:sp>
@@ -3582,7 +3671,7 @@
             </a:cxnLst>
             <a:rect l="0" t="0" r="r" b="b"/>
             <a:pathLst>
-              <a:path w="21484" h="21548" fill="norm" stroke="1" extrusionOk="0">
+              <a:path w="21484" h="21548" extrusionOk="0">
                 <a:moveTo>
                   <a:pt x="18655" y="0"/>
                 </a:moveTo>
@@ -3832,7 +3921,7 @@
             <a:miter lim="400000"/>
           </a:ln>
           <a:effectLst>
-            <a:outerShdw sx="100000" sy="100000" kx="0" ky="0" algn="b" rotWithShape="0" blurRad="25400" dist="12700" dir="5400000">
+            <a:outerShdw blurRad="25400" dist="12700" dir="5400000" rotWithShape="0">
               <a:srgbClr val="000000">
                 <a:alpha val="50000"/>
               </a:srgbClr>
@@ -3854,6 +3943,7 @@
                 <a:sym typeface="Helvetica Light"/>
               </a:defRPr>
             </a:pPr>
+            <a:endParaRPr/>
           </a:p>
         </p:txBody>
       </p:sp>
@@ -3876,7 +3966,7 @@
           </a:ln>
           <a:extLst>
             <a:ext uri="{C572A759-6A51-4108-AA02-DFA0A04FC94B}">
-              <ma14:wrappingTextBoxFlag xmlns:ma14="http://schemas.microsoft.com/office/mac/drawingml/2011/main" val="1"/>
+              <ma14:wrappingTextBoxFlag xmlns:ma14="http://schemas.microsoft.com/office/mac/drawingml/2011/main" xmlns:a14="http://schemas.microsoft.com/office/drawing/2010/main" xmlns:m="http://schemas.openxmlformats.org/officeDocument/2006/math" xmlns="" val="1"/>
             </a:ext>
           </a:extLst>
         </p:spPr>
@@ -3913,7 +4003,6 @@
             </a:lvl1pPr>
           </a:lstStyle>
           <a:p>
-            <a:pPr/>
             <a:r>
               <a:t>Both print out the same result, but the second is more "Rubyist"</a:t>
             </a:r>
@@ -3925,12 +4014,12 @@
   <p:clrMapOvr>
     <a:masterClrMapping/>
   </p:clrMapOvr>
-  <p:transition xmlns:p14="http://schemas.microsoft.com/office/powerpoint/2010/main" spd="med" advClick="1"/>
+  <p:transition spd="med"/>
 </p:sld>
 </file>
 
 <file path=ppt/slides/slide11.xml><?xml version="1.0" encoding="utf-8"?>
-<p:sld xmlns:a="http://schemas.openxmlformats.org/drawingml/2006/main" xmlns:r="http://schemas.openxmlformats.org/officeDocument/2006/relationships" xmlns:p="http://schemas.openxmlformats.org/presentationml/2006/main" xmlns:m="http://schemas.openxmlformats.org/officeDocument/2006/math" xmlns:a14="http://schemas.microsoft.com/office/drawing/2010/main" showMasterSp="1" showMasterPhAnim="1">
+<p:sld xmlns:a="http://schemas.openxmlformats.org/drawingml/2006/main" xmlns:r="http://schemas.openxmlformats.org/officeDocument/2006/relationships" xmlns:p="http://schemas.openxmlformats.org/presentationml/2006/main">
   <p:cSld>
     <p:spTree>
       <p:nvGrpSpPr>
@@ -3965,7 +4054,7 @@
           </a:ln>
           <a:extLst>
             <a:ext uri="{C572A759-6A51-4108-AA02-DFA0A04FC94B}">
-              <ma14:wrappingTextBoxFlag xmlns:ma14="http://schemas.microsoft.com/office/mac/drawingml/2011/main" val="1"/>
+              <ma14:wrappingTextBoxFlag xmlns:ma14="http://schemas.microsoft.com/office/mac/drawingml/2011/main" xmlns:a14="http://schemas.microsoft.com/office/drawing/2010/main" xmlns:m="http://schemas.openxmlformats.org/officeDocument/2006/math" xmlns="" val="1"/>
             </a:ext>
           </a:extLst>
         </p:spPr>
@@ -4024,7 +4113,7 @@
           </a:ln>
           <a:extLst>
             <a:ext uri="{C572A759-6A51-4108-AA02-DFA0A04FC94B}">
-              <ma14:wrappingTextBoxFlag xmlns:ma14="http://schemas.microsoft.com/office/mac/drawingml/2011/main" val="1"/>
+              <ma14:wrappingTextBoxFlag xmlns:ma14="http://schemas.microsoft.com/office/mac/drawingml/2011/main" xmlns:a14="http://schemas.microsoft.com/office/drawing/2010/main" xmlns:m="http://schemas.openxmlformats.org/officeDocument/2006/math" xmlns="" val="1"/>
             </a:ext>
           </a:extLst>
         </p:spPr>
@@ -4060,7 +4149,7 @@
               <a:t>, instead of using the </a:t>
             </a:r>
             <a:r>
-              <a:rPr b="1" sz="3300">
+              <a:rPr sz="3300" b="1">
                 <a:solidFill>
                   <a:schemeClr val="accent1">
                     <a:hueOff val="273561"/>
@@ -4118,7 +4207,7 @@
           </a:ln>
           <a:extLst>
             <a:ext uri="{C572A759-6A51-4108-AA02-DFA0A04FC94B}">
-              <ma14:wrappingTextBoxFlag xmlns:ma14="http://schemas.microsoft.com/office/mac/drawingml/2011/main" val="1"/>
+              <ma14:wrappingTextBoxFlag xmlns:ma14="http://schemas.microsoft.com/office/mac/drawingml/2011/main" xmlns:a14="http://schemas.microsoft.com/office/drawing/2010/main" xmlns:m="http://schemas.openxmlformats.org/officeDocument/2006/math" xmlns="" val="1"/>
             </a:ext>
           </a:extLst>
         </p:spPr>
@@ -4163,6 +4252,7 @@
                 <a:sym typeface="Consolas"/>
               </a:defRPr>
             </a:pPr>
+            <a:endParaRPr/>
           </a:p>
           <a:p>
             <a:pPr algn="l" defTabSz="457200">
@@ -4205,7 +4295,7 @@
           </a:ln>
           <a:extLst>
             <a:ext uri="{C572A759-6A51-4108-AA02-DFA0A04FC94B}">
-              <ma14:wrappingTextBoxFlag xmlns:ma14="http://schemas.microsoft.com/office/mac/drawingml/2011/main" val="1"/>
+              <ma14:wrappingTextBoxFlag xmlns:ma14="http://schemas.microsoft.com/office/mac/drawingml/2011/main" xmlns:a14="http://schemas.microsoft.com/office/drawing/2010/main" xmlns:m="http://schemas.openxmlformats.org/officeDocument/2006/math" xmlns="" val="1"/>
             </a:ext>
           </a:extLst>
         </p:spPr>
@@ -4250,6 +4340,7 @@
                 <a:sym typeface="Consolas"/>
               </a:defRPr>
             </a:pPr>
+            <a:endParaRPr/>
           </a:p>
           <a:p>
             <a:pPr algn="l" defTabSz="457200">
@@ -4292,7 +4383,7 @@
           </a:ln>
           <a:extLst>
             <a:ext uri="{C572A759-6A51-4108-AA02-DFA0A04FC94B}">
-              <ma14:wrappingTextBoxFlag xmlns:ma14="http://schemas.microsoft.com/office/mac/drawingml/2011/main" val="1"/>
+              <ma14:wrappingTextBoxFlag xmlns:ma14="http://schemas.microsoft.com/office/mac/drawingml/2011/main" xmlns:a14="http://schemas.microsoft.com/office/drawing/2010/main" xmlns:m="http://schemas.openxmlformats.org/officeDocument/2006/math" xmlns="" val="1"/>
             </a:ext>
           </a:extLst>
         </p:spPr>
@@ -4317,7 +4408,6 @@
             </a:lvl1pPr>
           </a:lstStyle>
           <a:p>
-            <a:pPr/>
             <a:r>
               <a:t>same as</a:t>
             </a:r>
@@ -4343,7 +4433,7 @@
           </a:ln>
           <a:extLst>
             <a:ext uri="{C572A759-6A51-4108-AA02-DFA0A04FC94B}">
-              <ma14:wrappingTextBoxFlag xmlns:ma14="http://schemas.microsoft.com/office/mac/drawingml/2011/main" val="1"/>
+              <ma14:wrappingTextBoxFlag xmlns:ma14="http://schemas.microsoft.com/office/mac/drawingml/2011/main" xmlns:a14="http://schemas.microsoft.com/office/drawing/2010/main" xmlns:m="http://schemas.openxmlformats.org/officeDocument/2006/math" xmlns="" val="1"/>
             </a:ext>
           </a:extLst>
         </p:spPr>
@@ -4365,7 +4455,6 @@
             </a:lvl1pPr>
           </a:lstStyle>
           <a:p>
-            <a:pPr/>
             <a:r>
               <a:t># Both print out [1, 2, 3, 4]</a:t>
             </a:r>
@@ -4377,12 +4466,12 @@
   <p:clrMapOvr>
     <a:masterClrMapping/>
   </p:clrMapOvr>
-  <p:transition xmlns:p14="http://schemas.microsoft.com/office/powerpoint/2010/main" spd="med" advClick="1"/>
+  <p:transition spd="med"/>
 </p:sld>
 </file>
 
 <file path=ppt/slides/slide12.xml><?xml version="1.0" encoding="utf-8"?>
-<p:sld xmlns:a="http://schemas.openxmlformats.org/drawingml/2006/main" xmlns:r="http://schemas.openxmlformats.org/officeDocument/2006/relationships" xmlns:p="http://schemas.openxmlformats.org/presentationml/2006/main" xmlns:m="http://schemas.openxmlformats.org/officeDocument/2006/math" xmlns:a14="http://schemas.microsoft.com/office/drawing/2010/main" showMasterSp="1" showMasterPhAnim="1">
+<p:sld xmlns:a="http://schemas.openxmlformats.org/drawingml/2006/main" xmlns:r="http://schemas.openxmlformats.org/officeDocument/2006/relationships" xmlns:p="http://schemas.openxmlformats.org/presentationml/2006/main">
   <p:cSld>
     <p:spTree>
       <p:nvGrpSpPr>
@@ -4434,7 +4523,7 @@
             <a:effectLst/>
             <a:extLst>
               <a:ext uri="{C572A759-6A51-4108-AA02-DFA0A04FC94B}">
-                <ma14:wrappingTextBoxFlag xmlns:ma14="http://schemas.microsoft.com/office/mac/drawingml/2011/main" val="1"/>
+                <ma14:wrappingTextBoxFlag xmlns:ma14="http://schemas.microsoft.com/office/mac/drawingml/2011/main" xmlns:a14="http://schemas.microsoft.com/office/drawing/2010/main" xmlns:m="http://schemas.openxmlformats.org/officeDocument/2006/math" xmlns="" val="1"/>
               </a:ext>
             </a:extLst>
           </p:spPr>
@@ -4456,7 +4545,6 @@
               </a:lvl1pPr>
             </a:lstStyle>
             <a:p>
-              <a:pPr/>
               <a:r>
                 <a:t>Thank</a:t>
               </a:r>
@@ -4489,7 +4577,7 @@
             <a:effectLst/>
             <a:extLst>
               <a:ext uri="{C572A759-6A51-4108-AA02-DFA0A04FC94B}">
-                <ma14:wrappingTextBoxFlag xmlns:ma14="http://schemas.microsoft.com/office/mac/drawingml/2011/main" val="1"/>
+                <ma14:wrappingTextBoxFlag xmlns:ma14="http://schemas.microsoft.com/office/mac/drawingml/2011/main" xmlns:a14="http://schemas.microsoft.com/office/drawing/2010/main" xmlns:m="http://schemas.openxmlformats.org/officeDocument/2006/math" xmlns="" val="1"/>
               </a:ext>
             </a:extLst>
           </p:spPr>
@@ -4511,7 +4599,6 @@
               </a:lvl1pPr>
             </a:lstStyle>
             <a:p>
-              <a:pPr/>
               <a:r>
                 <a:t>you.</a:t>
               </a:r>
@@ -4528,9 +4615,7 @@
           <p:nvPr/>
         </p:nvPicPr>
         <p:blipFill>
-          <a:blip r:embed="rId2">
-            <a:extLst/>
-          </a:blip>
+          <a:blip r:embed="rId2"/>
           <a:stretch>
             <a:fillRect/>
           </a:stretch>
@@ -4553,12 +4638,12 @@
   <p:clrMapOvr>
     <a:masterClrMapping/>
   </p:clrMapOvr>
-  <p:transition xmlns:p14="http://schemas.microsoft.com/office/powerpoint/2010/main" spd="med" advClick="1"/>
+  <p:transition spd="med"/>
 </p:sld>
 </file>
 
 <file path=ppt/slides/slide2.xml><?xml version="1.0" encoding="utf-8"?>
-<p:sld xmlns:a="http://schemas.openxmlformats.org/drawingml/2006/main" xmlns:r="http://schemas.openxmlformats.org/officeDocument/2006/relationships" xmlns:p="http://schemas.openxmlformats.org/presentationml/2006/main" xmlns:m="http://schemas.openxmlformats.org/officeDocument/2006/math" xmlns:a14="http://schemas.microsoft.com/office/drawing/2010/main" showMasterSp="1" showMasterPhAnim="1">
+<p:sld xmlns:a="http://schemas.openxmlformats.org/drawingml/2006/main" xmlns:r="http://schemas.openxmlformats.org/officeDocument/2006/relationships" xmlns:p="http://schemas.openxmlformats.org/presentationml/2006/main">
   <p:cSld>
     <p:spTree>
       <p:nvGrpSpPr>
@@ -4593,7 +4678,7 @@
           </a:ln>
           <a:extLst>
             <a:ext uri="{C572A759-6A51-4108-AA02-DFA0A04FC94B}">
-              <ma14:wrappingTextBoxFlag xmlns:ma14="http://schemas.microsoft.com/office/mac/drawingml/2011/main" val="1"/>
+              <ma14:wrappingTextBoxFlag xmlns:ma14="http://schemas.microsoft.com/office/mac/drawingml/2011/main" xmlns:a14="http://schemas.microsoft.com/office/drawing/2010/main" xmlns:m="http://schemas.openxmlformats.org/officeDocument/2006/math" xmlns="" val="1"/>
             </a:ext>
           </a:extLst>
         </p:spPr>
@@ -4717,7 +4802,7 @@
           </a:ln>
           <a:extLst>
             <a:ext uri="{C572A759-6A51-4108-AA02-DFA0A04FC94B}">
-              <ma14:wrappingTextBoxFlag xmlns:ma14="http://schemas.microsoft.com/office/mac/drawingml/2011/main" val="1"/>
+              <ma14:wrappingTextBoxFlag xmlns:ma14="http://schemas.microsoft.com/office/mac/drawingml/2011/main" xmlns:a14="http://schemas.microsoft.com/office/drawing/2010/main" xmlns:m="http://schemas.openxmlformats.org/officeDocument/2006/math" xmlns="" val="1"/>
             </a:ext>
           </a:extLst>
         </p:spPr>
@@ -4762,12 +4847,12 @@
   <p:clrMapOvr>
     <a:masterClrMapping/>
   </p:clrMapOvr>
-  <p:transition xmlns:p14="http://schemas.microsoft.com/office/powerpoint/2010/main" spd="med" advClick="1"/>
+  <p:transition spd="med"/>
 </p:sld>
 </file>
 
 <file path=ppt/slides/slide3.xml><?xml version="1.0" encoding="utf-8"?>
-<p:sld xmlns:a="http://schemas.openxmlformats.org/drawingml/2006/main" xmlns:r="http://schemas.openxmlformats.org/officeDocument/2006/relationships" xmlns:p="http://schemas.openxmlformats.org/presentationml/2006/main" xmlns:m="http://schemas.openxmlformats.org/officeDocument/2006/math" xmlns:a14="http://schemas.microsoft.com/office/drawing/2010/main" showMasterSp="1" showMasterPhAnim="1">
+<p:sld xmlns:a="http://schemas.openxmlformats.org/drawingml/2006/main" xmlns:r="http://schemas.openxmlformats.org/officeDocument/2006/relationships" xmlns:p="http://schemas.openxmlformats.org/presentationml/2006/main">
   <p:cSld>
     <p:spTree>
       <p:nvGrpSpPr>
@@ -4802,7 +4887,7 @@
           </a:ln>
           <a:extLst>
             <a:ext uri="{C572A759-6A51-4108-AA02-DFA0A04FC94B}">
-              <ma14:wrappingTextBoxFlag xmlns:ma14="http://schemas.microsoft.com/office/mac/drawingml/2011/main" val="1"/>
+              <ma14:wrappingTextBoxFlag xmlns:ma14="http://schemas.microsoft.com/office/mac/drawingml/2011/main" xmlns:a14="http://schemas.microsoft.com/office/drawing/2010/main" xmlns:m="http://schemas.openxmlformats.org/officeDocument/2006/math" xmlns="" val="1"/>
             </a:ext>
           </a:extLst>
         </p:spPr>
@@ -4861,7 +4946,7 @@
           </a:ln>
           <a:extLst>
             <a:ext uri="{C572A759-6A51-4108-AA02-DFA0A04FC94B}">
-              <ma14:wrappingTextBoxFlag xmlns:ma14="http://schemas.microsoft.com/office/mac/drawingml/2011/main" val="1"/>
+              <ma14:wrappingTextBoxFlag xmlns:ma14="http://schemas.microsoft.com/office/mac/drawingml/2011/main" xmlns:a14="http://schemas.microsoft.com/office/drawing/2010/main" xmlns:m="http://schemas.openxmlformats.org/officeDocument/2006/math" xmlns="" val="1"/>
             </a:ext>
           </a:extLst>
         </p:spPr>
@@ -4930,6 +5015,7 @@
                 <a:sym typeface="Helvetica"/>
               </a:defRPr>
             </a:pPr>
+            <a:endParaRPr/>
           </a:p>
           <a:p>
             <a:pPr algn="l" defTabSz="457200">
@@ -4981,7 +5067,7 @@
           </a:ln>
           <a:extLst>
             <a:ext uri="{C572A759-6A51-4108-AA02-DFA0A04FC94B}">
-              <ma14:wrappingTextBoxFlag xmlns:ma14="http://schemas.microsoft.com/office/mac/drawingml/2011/main" val="1"/>
+              <ma14:wrappingTextBoxFlag xmlns:ma14="http://schemas.microsoft.com/office/mac/drawingml/2011/main" xmlns:a14="http://schemas.microsoft.com/office/drawing/2010/main" xmlns:m="http://schemas.openxmlformats.org/officeDocument/2006/math" xmlns="" val="1"/>
             </a:ext>
           </a:extLst>
         </p:spPr>
@@ -5065,6 +5151,7 @@
                 <a:sym typeface="Consolas"/>
               </a:defRPr>
             </a:pPr>
+            <a:endParaRPr/>
           </a:p>
           <a:p>
             <a:pPr algn="l" defTabSz="457200">
@@ -5201,7 +5288,7 @@
           </a:ln>
           <a:extLst>
             <a:ext uri="{C572A759-6A51-4108-AA02-DFA0A04FC94B}">
-              <ma14:wrappingTextBoxFlag xmlns:ma14="http://schemas.microsoft.com/office/mac/drawingml/2011/main" val="1"/>
+              <ma14:wrappingTextBoxFlag xmlns:ma14="http://schemas.microsoft.com/office/mac/drawingml/2011/main" xmlns:a14="http://schemas.microsoft.com/office/drawing/2010/main" xmlns:m="http://schemas.openxmlformats.org/officeDocument/2006/math" xmlns="" val="1"/>
             </a:ext>
           </a:extLst>
         </p:spPr>
@@ -5245,7 +5332,6 @@
             </a:lvl1pPr>
           </a:lstStyle>
           <a:p>
-            <a:pPr/>
             <a:r>
               <a:t>puts "you can vote!" if age &gt;= 18</a:t>
             </a:r>
@@ -5271,7 +5357,7 @@
           </a:ln>
           <a:extLst>
             <a:ext uri="{C572A759-6A51-4108-AA02-DFA0A04FC94B}">
-              <ma14:wrappingTextBoxFlag xmlns:ma14="http://schemas.microsoft.com/office/mac/drawingml/2011/main" val="1"/>
+              <ma14:wrappingTextBoxFlag xmlns:ma14="http://schemas.microsoft.com/office/mac/drawingml/2011/main" xmlns:a14="http://schemas.microsoft.com/office/drawing/2010/main" xmlns:m="http://schemas.openxmlformats.org/officeDocument/2006/math" xmlns="" val="1"/>
             </a:ext>
           </a:extLst>
         </p:spPr>
@@ -5315,7 +5401,6 @@
             </a:lvl1pPr>
           </a:lstStyle>
           <a:p>
-            <a:pPr/>
             <a:r>
               <a:t>puts if age &gt;= 18 "you can vote!"</a:t>
             </a:r>
@@ -5353,7 +5438,7 @@
             </a:cxnLst>
             <a:rect l="0" t="0" r="r" b="b"/>
             <a:pathLst>
-              <a:path w="21452" h="20404" fill="norm" stroke="1" extrusionOk="0">
+              <a:path w="21452" h="20404" extrusionOk="0">
                 <a:moveTo>
                   <a:pt x="19340" y="6"/>
                 </a:moveTo>
@@ -5473,7 +5558,7 @@
             <a:miter lim="400000"/>
           </a:ln>
           <a:effectLst>
-            <a:outerShdw sx="100000" sy="100000" kx="0" ky="0" algn="b" rotWithShape="0" blurRad="25400" dist="12700" dir="5400000">
+            <a:outerShdw blurRad="25400" dist="12700" dir="5400000" rotWithShape="0">
               <a:srgbClr val="000000">
                 <a:alpha val="50000"/>
               </a:srgbClr>
@@ -5495,6 +5580,7 @@
                 <a:sym typeface="Helvetica Light"/>
               </a:defRPr>
             </a:pPr>
+            <a:endParaRPr/>
           </a:p>
         </p:txBody>
       </p:sp>
@@ -5529,7 +5615,7 @@
             </a:cxnLst>
             <a:rect l="0" t="0" r="r" b="b"/>
             <a:pathLst>
-              <a:path w="21484" h="21548" fill="norm" stroke="1" extrusionOk="0">
+              <a:path w="21484" h="21548" extrusionOk="0">
                 <a:moveTo>
                   <a:pt x="18655" y="0"/>
                 </a:moveTo>
@@ -5779,7 +5865,7 @@
             <a:miter lim="400000"/>
           </a:ln>
           <a:effectLst>
-            <a:outerShdw sx="100000" sy="100000" kx="0" ky="0" algn="b" rotWithShape="0" blurRad="25400" dist="12700" dir="5400000">
+            <a:outerShdw blurRad="25400" dist="12700" dir="5400000" rotWithShape="0">
               <a:srgbClr val="000000">
                 <a:alpha val="50000"/>
               </a:srgbClr>
@@ -5801,6 +5887,7 @@
                 <a:sym typeface="Helvetica Light"/>
               </a:defRPr>
             </a:pPr>
+            <a:endParaRPr/>
           </a:p>
         </p:txBody>
       </p:sp>
@@ -5823,7 +5910,7 @@
           </a:ln>
           <a:extLst>
             <a:ext uri="{C572A759-6A51-4108-AA02-DFA0A04FC94B}">
-              <ma14:wrappingTextBoxFlag xmlns:ma14="http://schemas.microsoft.com/office/mac/drawingml/2011/main" val="1"/>
+              <ma14:wrappingTextBoxFlag xmlns:ma14="http://schemas.microsoft.com/office/mac/drawingml/2011/main" xmlns:a14="http://schemas.microsoft.com/office/drawing/2010/main" xmlns:m="http://schemas.openxmlformats.org/officeDocument/2006/math" xmlns="" val="1"/>
             </a:ext>
           </a:extLst>
         </p:spPr>
@@ -5842,7 +5929,6 @@
             </a:lvl1pPr>
           </a:lstStyle>
           <a:p>
-            <a:pPr/>
             <a:r>
               <a:t>the order of the elements matters!</a:t>
             </a:r>
@@ -5854,12 +5940,12 @@
   <p:clrMapOvr>
     <a:masterClrMapping/>
   </p:clrMapOvr>
-  <p:transition xmlns:p14="http://schemas.microsoft.com/office/powerpoint/2010/main" spd="med" advClick="1"/>
+  <p:transition spd="med"/>
 </p:sld>
 </file>
 
 <file path=ppt/slides/slide4.xml><?xml version="1.0" encoding="utf-8"?>
-<p:sld xmlns:a="http://schemas.openxmlformats.org/drawingml/2006/main" xmlns:r="http://schemas.openxmlformats.org/officeDocument/2006/relationships" xmlns:p="http://schemas.openxmlformats.org/presentationml/2006/main" xmlns:m="http://schemas.openxmlformats.org/officeDocument/2006/math" xmlns:a14="http://schemas.microsoft.com/office/drawing/2010/main" showMasterSp="1" showMasterPhAnim="1">
+<p:sld xmlns:a="http://schemas.openxmlformats.org/drawingml/2006/main" xmlns:r="http://schemas.openxmlformats.org/officeDocument/2006/relationships" xmlns:p="http://schemas.openxmlformats.org/presentationml/2006/main">
   <p:cSld>
     <p:spTree>
       <p:nvGrpSpPr>
@@ -5894,7 +5980,7 @@
           </a:ln>
           <a:extLst>
             <a:ext uri="{C572A759-6A51-4108-AA02-DFA0A04FC94B}">
-              <ma14:wrappingTextBoxFlag xmlns:ma14="http://schemas.microsoft.com/office/mac/drawingml/2011/main" val="1"/>
+              <ma14:wrappingTextBoxFlag xmlns:ma14="http://schemas.microsoft.com/office/mac/drawingml/2011/main" xmlns:a14="http://schemas.microsoft.com/office/drawing/2010/main" xmlns:m="http://schemas.openxmlformats.org/officeDocument/2006/math" xmlns="" val="1"/>
             </a:ext>
           </a:extLst>
         </p:spPr>
@@ -5953,7 +6039,7 @@
           </a:ln>
           <a:extLst>
             <a:ext uri="{C572A759-6A51-4108-AA02-DFA0A04FC94B}">
-              <ma14:wrappingTextBoxFlag xmlns:ma14="http://schemas.microsoft.com/office/mac/drawingml/2011/main" val="1"/>
+              <ma14:wrappingTextBoxFlag xmlns:ma14="http://schemas.microsoft.com/office/mac/drawingml/2011/main" xmlns:a14="http://schemas.microsoft.com/office/drawing/2010/main" xmlns:m="http://schemas.openxmlformats.org/officeDocument/2006/math" xmlns="" val="1"/>
             </a:ext>
           </a:extLst>
         </p:spPr>
@@ -5975,7 +6061,7 @@
               <a:t>A quicker and more concise version of a simple </a:t>
             </a:r>
             <a:r>
-              <a:rPr b="1" sz="3200">
+              <a:rPr sz="3200" b="1">
                 <a:solidFill>
                   <a:schemeClr val="accent1">
                     <a:hueOff val="273561"/>
@@ -6000,7 +6086,7 @@
               <a:t>-</a:t>
             </a:r>
             <a:r>
-              <a:rPr b="1" sz="3200">
+              <a:rPr sz="3200" b="1">
                 <a:solidFill>
                   <a:schemeClr val="accent1">
                     <a:hueOff val="273561"/>
@@ -6022,7 +6108,6 @@
               <a:rPr b="1"/>
               <a:t>ternary conditional expression</a:t>
             </a:r>
-            <a:endParaRPr b="1"/>
           </a:p>
           <a:p>
             <a:pPr defTabSz="457200">
@@ -6048,7 +6133,7 @@
               <a:t>It's in three parts: a condition (followed by a question mark), some code to execute if the condition is </a:t>
             </a:r>
             <a:r>
-              <a:rPr b="1" sz="3200">
+              <a:rPr sz="3200" b="1">
                 <a:solidFill>
                   <a:schemeClr val="accent1">
                     <a:hueOff val="273561"/>
@@ -6088,7 +6173,7 @@
               <a:t> some code to execute if the condition is </a:t>
             </a:r>
             <a:r>
-              <a:rPr b="1" sz="3200">
+              <a:rPr sz="3200" b="1">
                 <a:solidFill>
                   <a:schemeClr val="accent1">
                     <a:hueOff val="273561"/>
@@ -6125,7 +6210,7 @@
           </a:ln>
           <a:extLst>
             <a:ext uri="{C572A759-6A51-4108-AA02-DFA0A04FC94B}">
-              <ma14:wrappingTextBoxFlag xmlns:ma14="http://schemas.microsoft.com/office/mac/drawingml/2011/main" val="1"/>
+              <ma14:wrappingTextBoxFlag xmlns:ma14="http://schemas.microsoft.com/office/mac/drawingml/2011/main" xmlns:a14="http://schemas.microsoft.com/office/drawing/2010/main" xmlns:m="http://schemas.openxmlformats.org/officeDocument/2006/math" xmlns="" val="1"/>
             </a:ext>
           </a:extLst>
         </p:spPr>
@@ -6197,7 +6282,7 @@
           </a:ln>
           <a:extLst>
             <a:ext uri="{C572A759-6A51-4108-AA02-DFA0A04FC94B}">
-              <ma14:wrappingTextBoxFlag xmlns:ma14="http://schemas.microsoft.com/office/mac/drawingml/2011/main" val="1"/>
+              <ma14:wrappingTextBoxFlag xmlns:ma14="http://schemas.microsoft.com/office/mac/drawingml/2011/main" xmlns:a14="http://schemas.microsoft.com/office/drawing/2010/main" xmlns:m="http://schemas.openxmlformats.org/officeDocument/2006/math" xmlns="" val="1"/>
             </a:ext>
           </a:extLst>
         </p:spPr>
@@ -6242,6 +6327,7 @@
                 <a:sym typeface="Consolas"/>
               </a:defRPr>
             </a:pPr>
+            <a:endParaRPr/>
           </a:p>
           <a:p>
             <a:pPr algn="l">
@@ -6279,6 +6365,7 @@
                 <a:sym typeface="Consolas"/>
               </a:defRPr>
             </a:pPr>
+            <a:endParaRPr/>
           </a:p>
           <a:p>
             <a:pPr algn="l">
@@ -6303,12 +6390,12 @@
   <p:clrMapOvr>
     <a:masterClrMapping/>
   </p:clrMapOvr>
-  <p:transition xmlns:p14="http://schemas.microsoft.com/office/powerpoint/2010/main" spd="med" advClick="1"/>
+  <p:transition spd="med"/>
 </p:sld>
 </file>
 
 <file path=ppt/slides/slide5.xml><?xml version="1.0" encoding="utf-8"?>
-<p:sld xmlns:a="http://schemas.openxmlformats.org/drawingml/2006/main" xmlns:r="http://schemas.openxmlformats.org/officeDocument/2006/relationships" xmlns:p="http://schemas.openxmlformats.org/presentationml/2006/main" xmlns:m="http://schemas.openxmlformats.org/officeDocument/2006/math" xmlns:a14="http://schemas.microsoft.com/office/drawing/2010/main" showMasterSp="1" showMasterPhAnim="1">
+<p:sld xmlns:a="http://schemas.openxmlformats.org/drawingml/2006/main" xmlns:r="http://schemas.openxmlformats.org/officeDocument/2006/relationships" xmlns:p="http://schemas.openxmlformats.org/presentationml/2006/main">
   <p:cSld>
     <p:spTree>
       <p:nvGrpSpPr>
@@ -6343,7 +6430,7 @@
           </a:ln>
           <a:extLst>
             <a:ext uri="{C572A759-6A51-4108-AA02-DFA0A04FC94B}">
-              <ma14:wrappingTextBoxFlag xmlns:ma14="http://schemas.microsoft.com/office/mac/drawingml/2011/main" val="1"/>
+              <ma14:wrappingTextBoxFlag xmlns:ma14="http://schemas.microsoft.com/office/mac/drawingml/2011/main" xmlns:a14="http://schemas.microsoft.com/office/drawing/2010/main" xmlns:m="http://schemas.openxmlformats.org/officeDocument/2006/math" xmlns="" val="1"/>
             </a:ext>
           </a:extLst>
         </p:spPr>
@@ -6402,7 +6489,7 @@
           </a:ln>
           <a:extLst>
             <a:ext uri="{C572A759-6A51-4108-AA02-DFA0A04FC94B}">
-              <ma14:wrappingTextBoxFlag xmlns:ma14="http://schemas.microsoft.com/office/mac/drawingml/2011/main" val="1"/>
+              <ma14:wrappingTextBoxFlag xmlns:ma14="http://schemas.microsoft.com/office/mac/drawingml/2011/main" xmlns:a14="http://schemas.microsoft.com/office/drawing/2010/main" xmlns:m="http://schemas.openxmlformats.org/officeDocument/2006/math" xmlns="" val="1"/>
             </a:ext>
           </a:extLst>
         </p:spPr>
@@ -6487,7 +6574,7 @@
           </a:ln>
           <a:extLst>
             <a:ext uri="{C572A759-6A51-4108-AA02-DFA0A04FC94B}">
-              <ma14:wrappingTextBoxFlag xmlns:ma14="http://schemas.microsoft.com/office/mac/drawingml/2011/main" val="1"/>
+              <ma14:wrappingTextBoxFlag xmlns:ma14="http://schemas.microsoft.com/office/mac/drawingml/2011/main" xmlns:a14="http://schemas.microsoft.com/office/drawing/2010/main" xmlns:m="http://schemas.openxmlformats.org/officeDocument/2006/math" xmlns="" val="1"/>
             </a:ext>
           </a:extLst>
         </p:spPr>
@@ -6557,7 +6644,7 @@
           </a:ln>
           <a:extLst>
             <a:ext uri="{C572A759-6A51-4108-AA02-DFA0A04FC94B}">
-              <ma14:wrappingTextBoxFlag xmlns:ma14="http://schemas.microsoft.com/office/mac/drawingml/2011/main" val="1"/>
+              <ma14:wrappingTextBoxFlag xmlns:ma14="http://schemas.microsoft.com/office/mac/drawingml/2011/main" xmlns:a14="http://schemas.microsoft.com/office/drawing/2010/main" xmlns:m="http://schemas.openxmlformats.org/officeDocument/2006/math" xmlns="" val="1"/>
             </a:ext>
           </a:extLst>
         </p:spPr>
@@ -6583,6 +6670,7 @@
               </a:defRPr>
             </a:pPr>
             <a:r>
+              <a:rPr dirty="0"/>
               <a:t>case language</a:t>
             </a:r>
           </a:p>
@@ -6603,6 +6691,7 @@
               </a:defRPr>
             </a:pPr>
             <a:r>
+              <a:rPr dirty="0"/>
               <a:t>when "ruby"</a:t>
             </a:r>
           </a:p>
@@ -6623,6 +6712,7 @@
               </a:defRPr>
             </a:pPr>
             <a:r>
+              <a:rPr dirty="0"/>
               <a:t>  puts "Web apps"</a:t>
             </a:r>
           </a:p>
@@ -6643,7 +6733,16 @@
               </a:defRPr>
             </a:pPr>
             <a:r>
-              <a:t>when "css"</a:t>
+              <a:rPr dirty="0"/>
+              <a:t>when "</a:t>
+            </a:r>
+            <a:r>
+              <a:rPr dirty="0" err="1"/>
+              <a:t>css</a:t>
+            </a:r>
+            <a:r>
+              <a:rPr dirty="0"/>
+              <a:t>"</a:t>
             </a:r>
           </a:p>
           <a:p>
@@ -6663,6 +6762,7 @@
               </a:defRPr>
             </a:pPr>
             <a:r>
+              <a:rPr dirty="0"/>
               <a:t>  puts "Style"</a:t>
             </a:r>
           </a:p>
@@ -6683,6 +6783,7 @@
               </a:defRPr>
             </a:pPr>
             <a:r>
+              <a:rPr dirty="0"/>
               <a:t>when "html"</a:t>
             </a:r>
           </a:p>
@@ -6703,6 +6804,7 @@
               </a:defRPr>
             </a:pPr>
             <a:r>
+              <a:rPr dirty="0"/>
               <a:t>  puts "Content"</a:t>
             </a:r>
           </a:p>
@@ -6723,6 +6825,7 @@
               </a:defRPr>
             </a:pPr>
             <a:r>
+              <a:rPr dirty="0"/>
               <a:t>else </a:t>
             </a:r>
           </a:p>
@@ -6743,6 +6846,7 @@
               </a:defRPr>
             </a:pPr>
             <a:r>
+              <a:rPr dirty="0"/>
               <a:t>  puts "Sounds interesting!"</a:t>
             </a:r>
           </a:p>
@@ -6763,6 +6867,7 @@
               </a:defRPr>
             </a:pPr>
             <a:r>
+              <a:rPr dirty="0"/>
               <a:t>end</a:t>
             </a:r>
           </a:p>
@@ -6773,12 +6878,12 @@
   <p:clrMapOvr>
     <a:masterClrMapping/>
   </p:clrMapOvr>
-  <p:transition xmlns:p14="http://schemas.microsoft.com/office/powerpoint/2010/main" spd="med" advClick="1"/>
+  <p:transition spd="med"/>
 </p:sld>
 </file>
 
 <file path=ppt/slides/slide6.xml><?xml version="1.0" encoding="utf-8"?>
-<p:sld xmlns:a="http://schemas.openxmlformats.org/drawingml/2006/main" xmlns:r="http://schemas.openxmlformats.org/officeDocument/2006/relationships" xmlns:p="http://schemas.openxmlformats.org/presentationml/2006/main" xmlns:m="http://schemas.openxmlformats.org/officeDocument/2006/math" xmlns:a14="http://schemas.microsoft.com/office/drawing/2010/main" showMasterSp="1" showMasterPhAnim="1">
+<p:sld xmlns:a="http://schemas.openxmlformats.org/drawingml/2006/main" xmlns:r="http://schemas.openxmlformats.org/officeDocument/2006/relationships" xmlns:p="http://schemas.openxmlformats.org/presentationml/2006/main">
   <p:cSld>
     <p:spTree>
       <p:nvGrpSpPr>
@@ -6813,7 +6918,7 @@
           </a:ln>
           <a:extLst>
             <a:ext uri="{C572A759-6A51-4108-AA02-DFA0A04FC94B}">
-              <ma14:wrappingTextBoxFlag xmlns:ma14="http://schemas.microsoft.com/office/mac/drawingml/2011/main" val="1"/>
+              <ma14:wrappingTextBoxFlag xmlns:ma14="http://schemas.microsoft.com/office/mac/drawingml/2011/main" xmlns:a14="http://schemas.microsoft.com/office/drawing/2010/main" xmlns:m="http://schemas.openxmlformats.org/officeDocument/2006/math" xmlns="" val="1"/>
             </a:ext>
           </a:extLst>
         </p:spPr>
@@ -6880,7 +6985,7 @@
           </a:ln>
           <a:extLst>
             <a:ext uri="{C572A759-6A51-4108-AA02-DFA0A04FC94B}">
-              <ma14:wrappingTextBoxFlag xmlns:ma14="http://schemas.microsoft.com/office/mac/drawingml/2011/main" val="1"/>
+              <ma14:wrappingTextBoxFlag xmlns:ma14="http://schemas.microsoft.com/office/mac/drawingml/2011/main" xmlns:a14="http://schemas.microsoft.com/office/drawing/2010/main" xmlns:m="http://schemas.openxmlformats.org/officeDocument/2006/math" xmlns="" val="1"/>
             </a:ext>
           </a:extLst>
         </p:spPr>
@@ -6899,7 +7004,6 @@
             </a:lvl1pPr>
           </a:lstStyle>
           <a:p>
-            <a:pPr/>
             <a:r>
               <a:t>If the statements are short, we can refactor in single lines</a:t>
             </a:r>
@@ -6925,7 +7029,7 @@
           </a:ln>
           <a:extLst>
             <a:ext uri="{C572A759-6A51-4108-AA02-DFA0A04FC94B}">
-              <ma14:wrappingTextBoxFlag xmlns:ma14="http://schemas.microsoft.com/office/mac/drawingml/2011/main" val="1"/>
+              <ma14:wrappingTextBoxFlag xmlns:ma14="http://schemas.microsoft.com/office/mac/drawingml/2011/main" xmlns:a14="http://schemas.microsoft.com/office/drawing/2010/main" xmlns:m="http://schemas.openxmlformats.org/officeDocument/2006/math" xmlns="" val="1"/>
             </a:ext>
           </a:extLst>
         </p:spPr>
@@ -7061,12 +7165,12 @@
   <p:clrMapOvr>
     <a:masterClrMapping/>
   </p:clrMapOvr>
-  <p:transition xmlns:p14="http://schemas.microsoft.com/office/powerpoint/2010/main" spd="med" advClick="1"/>
+  <p:transition spd="med"/>
 </p:sld>
 </file>
 
 <file path=ppt/slides/slide7.xml><?xml version="1.0" encoding="utf-8"?>
-<p:sld xmlns:a="http://schemas.openxmlformats.org/drawingml/2006/main" xmlns:r="http://schemas.openxmlformats.org/officeDocument/2006/relationships" xmlns:p="http://schemas.openxmlformats.org/presentationml/2006/main" xmlns:m="http://schemas.openxmlformats.org/officeDocument/2006/math" xmlns:a14="http://schemas.microsoft.com/office/drawing/2010/main" showMasterSp="1" showMasterPhAnim="1">
+<p:sld xmlns:a="http://schemas.openxmlformats.org/drawingml/2006/main" xmlns:r="http://schemas.openxmlformats.org/officeDocument/2006/relationships" xmlns:p="http://schemas.openxmlformats.org/presentationml/2006/main">
   <p:cSld>
     <p:spTree>
       <p:nvGrpSpPr>
@@ -7101,7 +7205,7 @@
           </a:ln>
           <a:extLst>
             <a:ext uri="{C572A759-6A51-4108-AA02-DFA0A04FC94B}">
-              <ma14:wrappingTextBoxFlag xmlns:ma14="http://schemas.microsoft.com/office/mac/drawingml/2011/main" val="1"/>
+              <ma14:wrappingTextBoxFlag xmlns:ma14="http://schemas.microsoft.com/office/mac/drawingml/2011/main" xmlns:a14="http://schemas.microsoft.com/office/drawing/2010/main" xmlns:m="http://schemas.openxmlformats.org/officeDocument/2006/math" xmlns="" val="1"/>
             </a:ext>
           </a:extLst>
         </p:spPr>
@@ -7160,7 +7264,7 @@
           </a:ln>
           <a:extLst>
             <a:ext uri="{C572A759-6A51-4108-AA02-DFA0A04FC94B}">
-              <ma14:wrappingTextBoxFlag xmlns:ma14="http://schemas.microsoft.com/office/mac/drawingml/2011/main" val="1"/>
+              <ma14:wrappingTextBoxFlag xmlns:ma14="http://schemas.microsoft.com/office/mac/drawingml/2011/main" xmlns:a14="http://schemas.microsoft.com/office/drawing/2010/main" xmlns:m="http://schemas.openxmlformats.org/officeDocument/2006/math" xmlns="" val="1"/>
             </a:ext>
           </a:extLst>
         </p:spPr>
@@ -7182,7 +7286,7 @@
               <a:t>Unlike most programming languages, Ruby’s methods will implicitly </a:t>
             </a:r>
             <a:r>
-              <a:rPr b="1" sz="3100">
+              <a:rPr sz="3100" b="1">
                 <a:solidFill>
                   <a:schemeClr val="accent1">
                     <a:hueOff val="273561"/>
@@ -7212,7 +7316,7 @@
               <a:t>even if we don’t specifically use the </a:t>
             </a:r>
             <a:r>
-              <a:rPr b="1" sz="3100">
+              <a:rPr sz="3100" b="1">
                 <a:solidFill>
                   <a:schemeClr val="accent1">
                     <a:hueOff val="273561"/>
@@ -7252,7 +7356,7 @@
           </a:ln>
           <a:extLst>
             <a:ext uri="{C572A759-6A51-4108-AA02-DFA0A04FC94B}">
-              <ma14:wrappingTextBoxFlag xmlns:ma14="http://schemas.microsoft.com/office/mac/drawingml/2011/main" val="1"/>
+              <ma14:wrappingTextBoxFlag xmlns:ma14="http://schemas.microsoft.com/office/mac/drawingml/2011/main" xmlns:a14="http://schemas.microsoft.com/office/drawing/2010/main" xmlns:m="http://schemas.openxmlformats.org/officeDocument/2006/math" xmlns="" val="1"/>
             </a:ext>
           </a:extLst>
         </p:spPr>
@@ -7342,7 +7446,7 @@
           </a:ln>
           <a:extLst>
             <a:ext uri="{C572A759-6A51-4108-AA02-DFA0A04FC94B}">
-              <ma14:wrappingTextBoxFlag xmlns:ma14="http://schemas.microsoft.com/office/mac/drawingml/2011/main" val="1"/>
+              <ma14:wrappingTextBoxFlag xmlns:ma14="http://schemas.microsoft.com/office/mac/drawingml/2011/main" xmlns:a14="http://schemas.microsoft.com/office/drawing/2010/main" xmlns:m="http://schemas.openxmlformats.org/officeDocument/2006/math" xmlns="" val="1"/>
             </a:ext>
           </a:extLst>
         </p:spPr>
@@ -7432,7 +7536,7 @@
           </a:ln>
           <a:extLst>
             <a:ext uri="{C572A759-6A51-4108-AA02-DFA0A04FC94B}">
-              <ma14:wrappingTextBoxFlag xmlns:ma14="http://schemas.microsoft.com/office/mac/drawingml/2011/main" val="1"/>
+              <ma14:wrappingTextBoxFlag xmlns:ma14="http://schemas.microsoft.com/office/mac/drawingml/2011/main" xmlns:a14="http://schemas.microsoft.com/office/drawing/2010/main" xmlns:m="http://schemas.openxmlformats.org/officeDocument/2006/math" xmlns="" val="1"/>
             </a:ext>
           </a:extLst>
         </p:spPr>
@@ -7463,10 +7567,11 @@
                 <a:sym typeface="Helvetica"/>
               </a:defRPr>
             </a:pPr>
+            <a:endParaRPr/>
           </a:p>
           <a:p>
             <a:pPr algn="l" defTabSz="457200">
-              <a:defRPr i="1" sz="3300">
+              <a:defRPr sz="3300" i="1">
                 <a:latin typeface="Helvetica"/>
                 <a:ea typeface="Helvetica"/>
                 <a:cs typeface="Helvetica"/>
@@ -7477,7 +7582,7 @@
               <a:t>Exception: we will need to use </a:t>
             </a:r>
             <a:r>
-              <a:rPr b="1" i="0" sz="3100">
+              <a:rPr sz="3100" b="1" i="0">
                 <a:solidFill>
                   <a:schemeClr val="accent1">
                     <a:hueOff val="273561"/>
@@ -7529,7 +7634,7 @@
             </a:cxnLst>
             <a:rect l="0" t="0" r="r" b="b"/>
             <a:pathLst>
-              <a:path w="21452" h="20404" fill="norm" stroke="1" extrusionOk="0">
+              <a:path w="21452" h="20404" extrusionOk="0">
                 <a:moveTo>
                   <a:pt x="19340" y="6"/>
                 </a:moveTo>
@@ -7649,7 +7754,7 @@
             <a:miter lim="400000"/>
           </a:ln>
           <a:effectLst>
-            <a:outerShdw sx="100000" sy="100000" kx="0" ky="0" algn="b" rotWithShape="0" blurRad="25400" dist="12700" dir="5400000">
+            <a:outerShdw blurRad="25400" dist="12700" dir="5400000" rotWithShape="0">
               <a:srgbClr val="000000">
                 <a:alpha val="50000"/>
               </a:srgbClr>
@@ -7671,6 +7776,7 @@
                 <a:sym typeface="Helvetica Light"/>
               </a:defRPr>
             </a:pPr>
+            <a:endParaRPr/>
           </a:p>
         </p:txBody>
       </p:sp>
@@ -7705,7 +7811,7 @@
             </a:cxnLst>
             <a:rect l="0" t="0" r="r" b="b"/>
             <a:pathLst>
-              <a:path w="21484" h="21548" fill="norm" stroke="1" extrusionOk="0">
+              <a:path w="21484" h="21548" extrusionOk="0">
                 <a:moveTo>
                   <a:pt x="18655" y="0"/>
                 </a:moveTo>
@@ -7955,7 +8061,7 @@
             <a:miter lim="400000"/>
           </a:ln>
           <a:effectLst>
-            <a:outerShdw sx="100000" sy="100000" kx="0" ky="0" algn="b" rotWithShape="0" blurRad="25400" dist="12700" dir="5400000">
+            <a:outerShdw blurRad="25400" dist="12700" dir="5400000" rotWithShape="0">
               <a:srgbClr val="000000">
                 <a:alpha val="50000"/>
               </a:srgbClr>
@@ -7977,6 +8083,7 @@
                 <a:sym typeface="Helvetica Light"/>
               </a:defRPr>
             </a:pPr>
+            <a:endParaRPr/>
           </a:p>
         </p:txBody>
       </p:sp>
@@ -7985,12 +8092,12 @@
   <p:clrMapOvr>
     <a:masterClrMapping/>
   </p:clrMapOvr>
-  <p:transition xmlns:p14="http://schemas.microsoft.com/office/powerpoint/2010/main" spd="med" advClick="1"/>
+  <p:transition spd="med"/>
 </p:sld>
 </file>
 
 <file path=ppt/slides/slide8.xml><?xml version="1.0" encoding="utf-8"?>
-<p:sld xmlns:a="http://schemas.openxmlformats.org/drawingml/2006/main" xmlns:r="http://schemas.openxmlformats.org/officeDocument/2006/relationships" xmlns:p="http://schemas.openxmlformats.org/presentationml/2006/main" xmlns:m="http://schemas.openxmlformats.org/officeDocument/2006/math" xmlns:a14="http://schemas.microsoft.com/office/drawing/2010/main" showMasterSp="1" showMasterPhAnim="1">
+<p:sld xmlns:a="http://schemas.openxmlformats.org/drawingml/2006/main" xmlns:r="http://schemas.openxmlformats.org/officeDocument/2006/relationships" xmlns:p="http://schemas.openxmlformats.org/presentationml/2006/main">
   <p:cSld>
     <p:spTree>
       <p:nvGrpSpPr>
@@ -8025,7 +8132,7 @@
           </a:ln>
           <a:extLst>
             <a:ext uri="{C572A759-6A51-4108-AA02-DFA0A04FC94B}">
-              <ma14:wrappingTextBoxFlag xmlns:ma14="http://schemas.microsoft.com/office/mac/drawingml/2011/main" val="1"/>
+              <ma14:wrappingTextBoxFlag xmlns:ma14="http://schemas.microsoft.com/office/mac/drawingml/2011/main" xmlns:a14="http://schemas.microsoft.com/office/drawing/2010/main" xmlns:m="http://schemas.openxmlformats.org/officeDocument/2006/math" xmlns="" val="1"/>
             </a:ext>
           </a:extLst>
         </p:spPr>
@@ -8084,7 +8191,7 @@
           </a:ln>
           <a:extLst>
             <a:ext uri="{C572A759-6A51-4108-AA02-DFA0A04FC94B}">
-              <ma14:wrappingTextBoxFlag xmlns:ma14="http://schemas.microsoft.com/office/mac/drawingml/2011/main" val="1"/>
+              <ma14:wrappingTextBoxFlag xmlns:ma14="http://schemas.microsoft.com/office/mac/drawingml/2011/main" xmlns:a14="http://schemas.microsoft.com/office/drawing/2010/main" xmlns:m="http://schemas.openxmlformats.org/officeDocument/2006/math" xmlns="" val="1"/>
             </a:ext>
           </a:extLst>
         </p:spPr>
@@ -8166,7 +8273,7 @@
           </a:ln>
           <a:extLst>
             <a:ext uri="{C572A759-6A51-4108-AA02-DFA0A04FC94B}">
-              <ma14:wrappingTextBoxFlag xmlns:ma14="http://schemas.microsoft.com/office/mac/drawingml/2011/main" val="1"/>
+              <ma14:wrappingTextBoxFlag xmlns:ma14="http://schemas.microsoft.com/office/mac/drawingml/2011/main" xmlns:a14="http://schemas.microsoft.com/office/drawing/2010/main" xmlns:m="http://schemas.openxmlformats.org/officeDocument/2006/math" xmlns="" val="1"/>
             </a:ext>
           </a:extLst>
         </p:spPr>
@@ -8180,7 +8287,7 @@
               <a:spcBef>
                 <a:spcPts val="500"/>
               </a:spcBef>
-              <a:defRPr i="1" sz="2600">
+              <a:defRPr sz="2600" i="1">
                 <a:latin typeface="Helvetica"/>
                 <a:ea typeface="Helvetica"/>
                 <a:cs typeface="Helvetica"/>
@@ -8270,6 +8377,7 @@
                 <a:sym typeface="Consolas"/>
               </a:defRPr>
             </a:pPr>
+            <a:endParaRPr/>
           </a:p>
           <a:p>
             <a:pPr algn="l" defTabSz="457200">
@@ -8328,7 +8436,7 @@
           </a:ln>
           <a:extLst>
             <a:ext uri="{C572A759-6A51-4108-AA02-DFA0A04FC94B}">
-              <ma14:wrappingTextBoxFlag xmlns:ma14="http://schemas.microsoft.com/office/mac/drawingml/2011/main" val="1"/>
+              <ma14:wrappingTextBoxFlag xmlns:ma14="http://schemas.microsoft.com/office/mac/drawingml/2011/main" xmlns:a14="http://schemas.microsoft.com/office/drawing/2010/main" xmlns:m="http://schemas.openxmlformats.org/officeDocument/2006/math" xmlns="" val="1"/>
             </a:ext>
           </a:extLst>
         </p:spPr>
@@ -8342,7 +8450,7 @@
               <a:spcBef>
                 <a:spcPts val="500"/>
               </a:spcBef>
-              <a:defRPr i="1" sz="2600">
+              <a:defRPr sz="2600" i="1">
                 <a:latin typeface="Helvetica"/>
                 <a:ea typeface="Helvetica"/>
                 <a:cs typeface="Helvetica"/>
@@ -8412,6 +8520,7 @@
                 <a:sym typeface="Consolas"/>
               </a:defRPr>
             </a:pPr>
+            <a:endParaRPr/>
           </a:p>
           <a:p>
             <a:pPr algn="l" defTabSz="457200">
@@ -8456,12 +8565,12 @@
   <p:clrMapOvr>
     <a:masterClrMapping/>
   </p:clrMapOvr>
-  <p:transition xmlns:p14="http://schemas.microsoft.com/office/powerpoint/2010/main" spd="med" advClick="1"/>
+  <p:transition spd="med"/>
 </p:sld>
 </file>
 
 <file path=ppt/slides/slide9.xml><?xml version="1.0" encoding="utf-8"?>
-<p:sld xmlns:a="http://schemas.openxmlformats.org/drawingml/2006/main" xmlns:r="http://schemas.openxmlformats.org/officeDocument/2006/relationships" xmlns:p="http://schemas.openxmlformats.org/presentationml/2006/main" xmlns:m="http://schemas.openxmlformats.org/officeDocument/2006/math" xmlns:a14="http://schemas.microsoft.com/office/drawing/2010/main" showMasterSp="1" showMasterPhAnim="1">
+<p:sld xmlns:a="http://schemas.openxmlformats.org/drawingml/2006/main" xmlns:r="http://schemas.openxmlformats.org/officeDocument/2006/relationships" xmlns:p="http://schemas.openxmlformats.org/presentationml/2006/main">
   <p:cSld>
     <p:spTree>
       <p:nvGrpSpPr>
@@ -8496,7 +8605,7 @@
           </a:ln>
           <a:extLst>
             <a:ext uri="{C572A759-6A51-4108-AA02-DFA0A04FC94B}">
-              <ma14:wrappingTextBoxFlag xmlns:ma14="http://schemas.microsoft.com/office/mac/drawingml/2011/main" val="1"/>
+              <ma14:wrappingTextBoxFlag xmlns:ma14="http://schemas.microsoft.com/office/mac/drawingml/2011/main" xmlns:a14="http://schemas.microsoft.com/office/drawing/2010/main" xmlns:m="http://schemas.openxmlformats.org/officeDocument/2006/math" xmlns="" val="1"/>
             </a:ext>
           </a:extLst>
         </p:spPr>
@@ -8555,7 +8664,7 @@
           </a:ln>
           <a:extLst>
             <a:ext uri="{C572A759-6A51-4108-AA02-DFA0A04FC94B}">
-              <ma14:wrappingTextBoxFlag xmlns:ma14="http://schemas.microsoft.com/office/mac/drawingml/2011/main" val="1"/>
+              <ma14:wrappingTextBoxFlag xmlns:ma14="http://schemas.microsoft.com/office/mac/drawingml/2011/main" xmlns:a14="http://schemas.microsoft.com/office/drawing/2010/main" xmlns:m="http://schemas.openxmlformats.org/officeDocument/2006/math" xmlns="" val="1"/>
             </a:ext>
           </a:extLst>
         </p:spPr>
@@ -8580,7 +8689,7 @@
               <a:t>If we know the range of numbers we’d like to loop through, instead of a </a:t>
             </a:r>
             <a:r>
-              <a:rPr b="1" sz="3400">
+              <a:rPr sz="3400" b="1">
                 <a:solidFill>
                   <a:schemeClr val="accent1">
                     <a:hueOff val="273561"/>
@@ -8599,7 +8708,7 @@
               <a:t> loop we can use the </a:t>
             </a:r>
             <a:r>
-              <a:rPr b="1" sz="3300">
+              <a:rPr sz="3300" b="1">
                 <a:solidFill>
                   <a:schemeClr val="accent1">
                     <a:hueOff val="273561"/>
@@ -8618,7 +8727,7 @@
               <a:t> and </a:t>
             </a:r>
             <a:r>
-              <a:rPr b="1" sz="3400">
+              <a:rPr sz="3400" b="1">
                 <a:solidFill>
                   <a:schemeClr val="accent1">
                     <a:hueOff val="273561"/>
@@ -8658,7 +8767,7 @@
           </a:ln>
           <a:extLst>
             <a:ext uri="{C572A759-6A51-4108-AA02-DFA0A04FC94B}">
-              <ma14:wrappingTextBoxFlag xmlns:ma14="http://schemas.microsoft.com/office/mac/drawingml/2011/main" val="1"/>
+              <ma14:wrappingTextBoxFlag xmlns:ma14="http://schemas.microsoft.com/office/mac/drawingml/2011/main" xmlns:a14="http://schemas.microsoft.com/office/drawing/2010/main" xmlns:m="http://schemas.openxmlformats.org/officeDocument/2006/math" xmlns="" val="1"/>
             </a:ext>
           </a:extLst>
         </p:spPr>
@@ -8684,7 +8793,6 @@
             </a:lvl1pPr>
           </a:lstStyle>
           <a:p>
-            <a:pPr/>
             <a:r>
               <a:t>95.upto(100) { | num | print num, " " }</a:t>
             </a:r>
@@ -8710,7 +8818,7 @@
           </a:ln>
           <a:extLst>
             <a:ext uri="{C572A759-6A51-4108-AA02-DFA0A04FC94B}">
-              <ma14:wrappingTextBoxFlag xmlns:ma14="http://schemas.microsoft.com/office/mac/drawingml/2011/main" val="1"/>
+              <ma14:wrappingTextBoxFlag xmlns:ma14="http://schemas.microsoft.com/office/mac/drawingml/2011/main" xmlns:a14="http://schemas.microsoft.com/office/drawing/2010/main" xmlns:m="http://schemas.openxmlformats.org/officeDocument/2006/math" xmlns="" val="1"/>
             </a:ext>
           </a:extLst>
         </p:spPr>
@@ -8812,7 +8920,7 @@
             </a:cxnLst>
             <a:rect l="0" t="0" r="r" b="b"/>
             <a:pathLst>
-              <a:path w="21452" h="20404" fill="norm" stroke="1" extrusionOk="0">
+              <a:path w="21452" h="20404" extrusionOk="0">
                 <a:moveTo>
                   <a:pt x="19340" y="6"/>
                 </a:moveTo>
@@ -8932,7 +9040,7 @@
             <a:miter lim="400000"/>
           </a:ln>
           <a:effectLst>
-            <a:outerShdw sx="100000" sy="100000" kx="0" ky="0" algn="b" rotWithShape="0" blurRad="25400" dist="12700" dir="5400000">
+            <a:outerShdw blurRad="25400" dist="12700" dir="5400000" rotWithShape="0">
               <a:srgbClr val="000000">
                 <a:alpha val="50000"/>
               </a:srgbClr>
@@ -8954,6 +9062,7 @@
                 <a:sym typeface="Helvetica Light"/>
               </a:defRPr>
             </a:pPr>
+            <a:endParaRPr/>
           </a:p>
         </p:txBody>
       </p:sp>
@@ -8988,7 +9097,7 @@
             </a:cxnLst>
             <a:rect l="0" t="0" r="r" b="b"/>
             <a:pathLst>
-              <a:path w="21484" h="21548" fill="norm" stroke="1" extrusionOk="0">
+              <a:path w="21484" h="21548" extrusionOk="0">
                 <a:moveTo>
                   <a:pt x="18655" y="0"/>
                 </a:moveTo>
@@ -9238,7 +9347,7 @@
             <a:miter lim="400000"/>
           </a:ln>
           <a:effectLst>
-            <a:outerShdw sx="100000" sy="100000" kx="0" ky="0" algn="b" rotWithShape="0" blurRad="25400" dist="12700" dir="5400000">
+            <a:outerShdw blurRad="25400" dist="12700" dir="5400000" rotWithShape="0">
               <a:srgbClr val="000000">
                 <a:alpha val="50000"/>
               </a:srgbClr>
@@ -9260,6 +9369,7 @@
                 <a:sym typeface="Helvetica Light"/>
               </a:defRPr>
             </a:pPr>
+            <a:endParaRPr/>
           </a:p>
         </p:txBody>
       </p:sp>
@@ -9282,7 +9392,7 @@
           </a:ln>
           <a:extLst>
             <a:ext uri="{C572A759-6A51-4108-AA02-DFA0A04FC94B}">
-              <ma14:wrappingTextBoxFlag xmlns:ma14="http://schemas.microsoft.com/office/mac/drawingml/2011/main" val="1"/>
+              <ma14:wrappingTextBoxFlag xmlns:ma14="http://schemas.microsoft.com/office/mac/drawingml/2011/main" xmlns:a14="http://schemas.microsoft.com/office/drawing/2010/main" xmlns:m="http://schemas.openxmlformats.org/officeDocument/2006/math" xmlns="" val="1"/>
             </a:ext>
           </a:extLst>
         </p:spPr>
@@ -9319,7 +9429,6 @@
             </a:lvl1pPr>
           </a:lstStyle>
           <a:p>
-            <a:pPr/>
             <a:r>
               <a:t>Both print out the same result, but the second is more "Rubyist"</a:t>
             </a:r>
@@ -9331,12 +9440,12 @@
   <p:clrMapOvr>
     <a:masterClrMapping/>
   </p:clrMapOvr>
-  <p:transition xmlns:p14="http://schemas.microsoft.com/office/powerpoint/2010/main" spd="med" advClick="1"/>
+  <p:transition spd="med"/>
 </p:sld>
 </file>
 
 <file path=ppt/theme/theme1.xml><?xml version="1.0" encoding="utf-8"?>
-<a:theme xmlns:a="http://schemas.openxmlformats.org/drawingml/2006/main" xmlns:r="http://schemas.openxmlformats.org/officeDocument/2006/relationships" name="White">
+<a:theme xmlns:a="http://schemas.openxmlformats.org/drawingml/2006/main" name="White">
   <a:themeElements>
     <a:clrScheme name="White">
       <a:dk1>
@@ -9462,7 +9571,7 @@
       <a:effectStyleLst>
         <a:effectStyle>
           <a:effectLst>
-            <a:outerShdw sx="100000" sy="100000" kx="0" ky="0" algn="b" rotWithShape="0" blurRad="25400" dist="12700" dir="5400000">
+            <a:outerShdw blurRad="25400" dist="12700" dir="5400000" rotWithShape="0">
               <a:srgbClr val="000000">
                 <a:alpha val="50000"/>
               </a:srgbClr>
@@ -9471,7 +9580,7 @@
         </a:effectStyle>
         <a:effectStyle>
           <a:effectLst>
-            <a:outerShdw sx="100000" sy="100000" kx="0" ky="0" algn="b" rotWithShape="0" blurRad="25400" dist="0" dir="0">
+            <a:outerShdw blurRad="25400" rotWithShape="0">
               <a:srgbClr val="000000">
                 <a:alpha val="50000"/>
               </a:srgbClr>
@@ -9480,7 +9589,7 @@
         </a:effectStyle>
         <a:effectStyle>
           <a:effectLst>
-            <a:outerShdw sx="100000" sy="100000" kx="0" ky="0" algn="b" rotWithShape="0" blurRad="25400" dist="12700" dir="5400000">
+            <a:outerShdw blurRad="25400" dist="12700" dir="5400000" rotWithShape="0">
               <a:srgbClr val="000000">
                 <a:alpha val="50000"/>
               </a:srgbClr>
@@ -9544,8 +9653,8 @@
     <a:spDef>
       <a:spPr>
         <a:blipFill rotWithShape="1">
-          <a:blip r:embed="rId1"/>
-          <a:srcRect l="0" t="0" r="0" b="0"/>
+          <a:blip xmlns:r="http://schemas.openxmlformats.org/officeDocument/2006/relationships" r:embed="rId1"/>
+          <a:srcRect/>
           <a:tile tx="0" ty="0" sx="100000" sy="100000" flip="none" algn="tl"/>
         </a:blipFill>
         <a:ln w="3175" cap="flat">
@@ -9553,7 +9662,7 @@
           <a:miter lim="400000"/>
         </a:ln>
         <a:effectLst>
-          <a:outerShdw sx="100000" sy="100000" kx="0" ky="0" algn="b" rotWithShape="0" blurRad="25400" dist="12700" dir="5400000">
+          <a:outerShdw blurRad="25400" dist="12700" dir="5400000" rotWithShape="0">
             <a:srgbClr val="000000">
               <a:alpha val="50000"/>
             </a:srgbClr>
@@ -9561,7 +9670,7 @@
         </a:effectLst>
         <a:sp3d/>
       </a:spPr>
-      <a:bodyPr rot="0" spcFirstLastPara="1" vertOverflow="overflow" horzOverflow="overflow" vert="horz" wrap="square" lIns="38100" tIns="38100" rIns="38100" bIns="38100" numCol="1" spcCol="38100" rtlCol="0" anchor="ctr" upright="0">
+      <a:bodyPr rot="0" spcFirstLastPara="1" vertOverflow="overflow" horzOverflow="overflow" vert="horz" wrap="square" lIns="38100" tIns="38100" rIns="38100" bIns="38100" numCol="1" spcCol="38100" rtlCol="0" anchor="ctr">
         <a:spAutoFit/>
       </a:bodyPr>
       <a:lstStyle>
@@ -9580,7 +9689,7 @@
           <a:buFontTx/>
           <a:buNone/>
           <a:tabLst/>
-          <a:defRPr b="0" baseline="0" cap="none" i="0" spc="0" strike="noStrike" sz="2200" u="none" kumimoji="0" normalizeH="0">
+          <a:defRPr kumimoji="0" sz="2200" b="0" i="0" u="none" strike="noStrike" cap="none" spc="0" normalizeH="0" baseline="0">
             <a:ln>
               <a:noFill/>
             </a:ln>
@@ -9610,7 +9719,7 @@
           <a:buFontTx/>
           <a:buNone/>
           <a:tabLst/>
-          <a:defRPr b="0" baseline="0" cap="none" i="0" spc="0" strike="noStrike" sz="1800" u="none" kumimoji="0" normalizeH="0">
+          <a:defRPr kumimoji="0" sz="1800" b="0" i="0" u="none" strike="noStrike" cap="none" spc="0" normalizeH="0" baseline="0">
             <a:ln>
               <a:noFill/>
             </a:ln>
@@ -9636,7 +9745,7 @@
           <a:buFontTx/>
           <a:buNone/>
           <a:tabLst/>
-          <a:defRPr b="0" baseline="0" cap="none" i="0" spc="0" strike="noStrike" sz="1800" u="none" kumimoji="0" normalizeH="0">
+          <a:defRPr kumimoji="0" sz="1800" b="0" i="0" u="none" strike="noStrike" cap="none" spc="0" normalizeH="0" baseline="0">
             <a:ln>
               <a:noFill/>
             </a:ln>
@@ -9662,7 +9771,7 @@
           <a:buFontTx/>
           <a:buNone/>
           <a:tabLst/>
-          <a:defRPr b="0" baseline="0" cap="none" i="0" spc="0" strike="noStrike" sz="1800" u="none" kumimoji="0" normalizeH="0">
+          <a:defRPr kumimoji="0" sz="1800" b="0" i="0" u="none" strike="noStrike" cap="none" spc="0" normalizeH="0" baseline="0">
             <a:ln>
               <a:noFill/>
             </a:ln>
@@ -9688,7 +9797,7 @@
           <a:buFontTx/>
           <a:buNone/>
           <a:tabLst/>
-          <a:defRPr b="0" baseline="0" cap="none" i="0" spc="0" strike="noStrike" sz="1800" u="none" kumimoji="0" normalizeH="0">
+          <a:defRPr kumimoji="0" sz="1800" b="0" i="0" u="none" strike="noStrike" cap="none" spc="0" normalizeH="0" baseline="0">
             <a:ln>
               <a:noFill/>
             </a:ln>
@@ -9714,7 +9823,7 @@
           <a:buFontTx/>
           <a:buNone/>
           <a:tabLst/>
-          <a:defRPr b="0" baseline="0" cap="none" i="0" spc="0" strike="noStrike" sz="1800" u="none" kumimoji="0" normalizeH="0">
+          <a:defRPr kumimoji="0" sz="1800" b="0" i="0" u="none" strike="noStrike" cap="none" spc="0" normalizeH="0" baseline="0">
             <a:ln>
               <a:noFill/>
             </a:ln>
@@ -9740,7 +9849,7 @@
           <a:buFontTx/>
           <a:buNone/>
           <a:tabLst/>
-          <a:defRPr b="0" baseline="0" cap="none" i="0" spc="0" strike="noStrike" sz="1800" u="none" kumimoji="0" normalizeH="0">
+          <a:defRPr kumimoji="0" sz="1800" b="0" i="0" u="none" strike="noStrike" cap="none" spc="0" normalizeH="0" baseline="0">
             <a:ln>
               <a:noFill/>
             </a:ln>
@@ -9766,7 +9875,7 @@
           <a:buFontTx/>
           <a:buNone/>
           <a:tabLst/>
-          <a:defRPr b="0" baseline="0" cap="none" i="0" spc="0" strike="noStrike" sz="1800" u="none" kumimoji="0" normalizeH="0">
+          <a:defRPr kumimoji="0" sz="1800" b="0" i="0" u="none" strike="noStrike" cap="none" spc="0" normalizeH="0" baseline="0">
             <a:ln>
               <a:noFill/>
             </a:ln>
@@ -9792,7 +9901,7 @@
           <a:buFontTx/>
           <a:buNone/>
           <a:tabLst/>
-          <a:defRPr b="0" baseline="0" cap="none" i="0" spc="0" strike="noStrike" sz="1800" u="none" kumimoji="0" normalizeH="0">
+          <a:defRPr kumimoji="0" sz="1800" b="0" i="0" u="none" strike="noStrike" cap="none" spc="0" normalizeH="0" baseline="0">
             <a:ln>
               <a:noFill/>
             </a:ln>
@@ -9818,7 +9927,7 @@
           <a:buFontTx/>
           <a:buNone/>
           <a:tabLst/>
-          <a:defRPr b="0" baseline="0" cap="none" i="0" spc="0" strike="noStrike" sz="1800" u="none" kumimoji="0" normalizeH="0">
+          <a:defRPr kumimoji="0" sz="1800" b="0" i="0" u="none" strike="noStrike" cap="none" spc="0" normalizeH="0" baseline="0">
             <a:ln>
               <a:noFill/>
             </a:ln>
@@ -9831,9 +9940,15 @@
         </a:lvl9pPr>
       </a:lstStyle>
       <a:style>
-        <a:lnRef idx="0"/>
-        <a:fillRef idx="0"/>
-        <a:effectRef idx="0"/>
+        <a:lnRef idx="0">
+          <a:scrgbClr r="0" g="0" b="0"/>
+        </a:lnRef>
+        <a:fillRef idx="0">
+          <a:scrgbClr r="0" g="0" b="0"/>
+        </a:fillRef>
+        <a:effectRef idx="0">
+          <a:scrgbClr r="0" g="0" b="0"/>
+        </a:effectRef>
         <a:fontRef idx="none"/>
       </a:style>
     </a:spDef>
@@ -9850,7 +9965,7 @@
         <a:effectLst/>
         <a:sp3d/>
       </a:spPr>
-      <a:bodyPr rot="0" spcFirstLastPara="1" vertOverflow="overflow" horzOverflow="overflow" vert="horz" wrap="square" lIns="91439" tIns="45719" rIns="91439" bIns="45719" numCol="1" spcCol="38100" rtlCol="0" anchor="t" upright="0">
+      <a:bodyPr rot="0" spcFirstLastPara="1" vertOverflow="overflow" horzOverflow="overflow" vert="horz" wrap="square" lIns="91439" tIns="45719" rIns="91439" bIns="45719" numCol="1" spcCol="38100" rtlCol="0" anchor="t">
         <a:noAutofit/>
       </a:bodyPr>
       <a:lstStyle>
@@ -9869,7 +9984,7 @@
           <a:buFontTx/>
           <a:buNone/>
           <a:tabLst/>
-          <a:defRPr b="0" baseline="0" cap="none" i="0" spc="0" strike="noStrike" sz="1800" u="none" kumimoji="0" normalizeH="0">
+          <a:defRPr kumimoji="0" sz="1800" b="0" i="0" u="none" strike="noStrike" cap="none" spc="0" normalizeH="0" baseline="0">
             <a:ln>
               <a:noFill/>
             </a:ln>
@@ -9895,7 +10010,7 @@
           <a:buFontTx/>
           <a:buNone/>
           <a:tabLst/>
-          <a:defRPr b="0" baseline="0" cap="none" i="0" spc="0" strike="noStrike" sz="1800" u="none" kumimoji="0" normalizeH="0">
+          <a:defRPr kumimoji="0" sz="1800" b="0" i="0" u="none" strike="noStrike" cap="none" spc="0" normalizeH="0" baseline="0">
             <a:ln>
               <a:noFill/>
             </a:ln>
@@ -9921,7 +10036,7 @@
           <a:buFontTx/>
           <a:buNone/>
           <a:tabLst/>
-          <a:defRPr b="0" baseline="0" cap="none" i="0" spc="0" strike="noStrike" sz="1800" u="none" kumimoji="0" normalizeH="0">
+          <a:defRPr kumimoji="0" sz="1800" b="0" i="0" u="none" strike="noStrike" cap="none" spc="0" normalizeH="0" baseline="0">
             <a:ln>
               <a:noFill/>
             </a:ln>
@@ -9947,7 +10062,7 @@
           <a:buFontTx/>
           <a:buNone/>
           <a:tabLst/>
-          <a:defRPr b="0" baseline="0" cap="none" i="0" spc="0" strike="noStrike" sz="1800" u="none" kumimoji="0" normalizeH="0">
+          <a:defRPr kumimoji="0" sz="1800" b="0" i="0" u="none" strike="noStrike" cap="none" spc="0" normalizeH="0" baseline="0">
             <a:ln>
               <a:noFill/>
             </a:ln>
@@ -9973,7 +10088,7 @@
           <a:buFontTx/>
           <a:buNone/>
           <a:tabLst/>
-          <a:defRPr b="0" baseline="0" cap="none" i="0" spc="0" strike="noStrike" sz="1800" u="none" kumimoji="0" normalizeH="0">
+          <a:defRPr kumimoji="0" sz="1800" b="0" i="0" u="none" strike="noStrike" cap="none" spc="0" normalizeH="0" baseline="0">
             <a:ln>
               <a:noFill/>
             </a:ln>
@@ -9999,7 +10114,7 @@
           <a:buFontTx/>
           <a:buNone/>
           <a:tabLst/>
-          <a:defRPr b="0" baseline="0" cap="none" i="0" spc="0" strike="noStrike" sz="1800" u="none" kumimoji="0" normalizeH="0">
+          <a:defRPr kumimoji="0" sz="1800" b="0" i="0" u="none" strike="noStrike" cap="none" spc="0" normalizeH="0" baseline="0">
             <a:ln>
               <a:noFill/>
             </a:ln>
@@ -10025,7 +10140,7 @@
           <a:buFontTx/>
           <a:buNone/>
           <a:tabLst/>
-          <a:defRPr b="0" baseline="0" cap="none" i="0" spc="0" strike="noStrike" sz="1800" u="none" kumimoji="0" normalizeH="0">
+          <a:defRPr kumimoji="0" sz="1800" b="0" i="0" u="none" strike="noStrike" cap="none" spc="0" normalizeH="0" baseline="0">
             <a:ln>
               <a:noFill/>
             </a:ln>
@@ -10051,7 +10166,7 @@
           <a:buFontTx/>
           <a:buNone/>
           <a:tabLst/>
-          <a:defRPr b="0" baseline="0" cap="none" i="0" spc="0" strike="noStrike" sz="1800" u="none" kumimoji="0" normalizeH="0">
+          <a:defRPr kumimoji="0" sz="1800" b="0" i="0" u="none" strike="noStrike" cap="none" spc="0" normalizeH="0" baseline="0">
             <a:ln>
               <a:noFill/>
             </a:ln>
@@ -10077,7 +10192,7 @@
           <a:buFontTx/>
           <a:buNone/>
           <a:tabLst/>
-          <a:defRPr b="0" baseline="0" cap="none" i="0" spc="0" strike="noStrike" sz="1800" u="none" kumimoji="0" normalizeH="0">
+          <a:defRPr kumimoji="0" sz="1800" b="0" i="0" u="none" strike="noStrike" cap="none" spc="0" normalizeH="0" baseline="0">
             <a:ln>
               <a:noFill/>
             </a:ln>
@@ -10103,7 +10218,7 @@
           <a:buFontTx/>
           <a:buNone/>
           <a:tabLst/>
-          <a:defRPr b="0" baseline="0" cap="none" i="0" spc="0" strike="noStrike" sz="1800" u="none" kumimoji="0" normalizeH="0">
+          <a:defRPr kumimoji="0" sz="1800" b="0" i="0" u="none" strike="noStrike" cap="none" spc="0" normalizeH="0" baseline="0">
             <a:ln>
               <a:noFill/>
             </a:ln>
@@ -10116,9 +10231,15 @@
         </a:lvl9pPr>
       </a:lstStyle>
       <a:style>
-        <a:lnRef idx="0"/>
-        <a:fillRef idx="0"/>
-        <a:effectRef idx="0"/>
+        <a:lnRef idx="0">
+          <a:scrgbClr r="0" g="0" b="0"/>
+        </a:lnRef>
+        <a:fillRef idx="0">
+          <a:scrgbClr r="0" g="0" b="0"/>
+        </a:fillRef>
+        <a:effectRef idx="0">
+          <a:scrgbClr r="0" g="0" b="0"/>
+        </a:effectRef>
         <a:fontRef idx="none"/>
       </a:style>
     </a:lnDef>
@@ -10132,7 +10253,7 @@
         <a:effectLst/>
         <a:sp3d/>
       </a:spPr>
-      <a:bodyPr rot="0" spcFirstLastPara="1" vertOverflow="overflow" horzOverflow="overflow" vert="horz" wrap="square" lIns="38100" tIns="38100" rIns="38100" bIns="38100" numCol="1" spcCol="38100" rtlCol="0" anchor="ctr" upright="0">
+      <a:bodyPr rot="0" spcFirstLastPara="1" vertOverflow="overflow" horzOverflow="overflow" vert="horz" wrap="square" lIns="38100" tIns="38100" rIns="38100" bIns="38100" numCol="1" spcCol="38100" rtlCol="0" anchor="ctr">
         <a:spAutoFit/>
       </a:bodyPr>
       <a:lstStyle>
@@ -10151,7 +10272,7 @@
           <a:buFontTx/>
           <a:buNone/>
           <a:tabLst/>
-          <a:defRPr b="0" baseline="0" cap="none" i="0" spc="0" strike="noStrike" sz="5800" u="none" kumimoji="0" normalizeH="0">
+          <a:defRPr kumimoji="0" sz="5800" b="0" i="0" u="none" strike="noStrike" cap="none" spc="0" normalizeH="0" baseline="0">
             <a:ln>
               <a:noFill/>
             </a:ln>
@@ -10181,7 +10302,7 @@
           <a:buFontTx/>
           <a:buNone/>
           <a:tabLst/>
-          <a:defRPr b="0" baseline="0" cap="none" i="0" spc="0" strike="noStrike" sz="1800" u="none" kumimoji="0" normalizeH="0">
+          <a:defRPr kumimoji="0" sz="1800" b="0" i="0" u="none" strike="noStrike" cap="none" spc="0" normalizeH="0" baseline="0">
             <a:ln>
               <a:noFill/>
             </a:ln>
@@ -10207,7 +10328,7 @@
           <a:buFontTx/>
           <a:buNone/>
           <a:tabLst/>
-          <a:defRPr b="0" baseline="0" cap="none" i="0" spc="0" strike="noStrike" sz="1800" u="none" kumimoji="0" normalizeH="0">
+          <a:defRPr kumimoji="0" sz="1800" b="0" i="0" u="none" strike="noStrike" cap="none" spc="0" normalizeH="0" baseline="0">
             <a:ln>
               <a:noFill/>
             </a:ln>
@@ -10233,7 +10354,7 @@
           <a:buFontTx/>
           <a:buNone/>
           <a:tabLst/>
-          <a:defRPr b="0" baseline="0" cap="none" i="0" spc="0" strike="noStrike" sz="1800" u="none" kumimoji="0" normalizeH="0">
+          <a:defRPr kumimoji="0" sz="1800" b="0" i="0" u="none" strike="noStrike" cap="none" spc="0" normalizeH="0" baseline="0">
             <a:ln>
               <a:noFill/>
             </a:ln>
@@ -10259,7 +10380,7 @@
           <a:buFontTx/>
           <a:buNone/>
           <a:tabLst/>
-          <a:defRPr b="0" baseline="0" cap="none" i="0" spc="0" strike="noStrike" sz="1800" u="none" kumimoji="0" normalizeH="0">
+          <a:defRPr kumimoji="0" sz="1800" b="0" i="0" u="none" strike="noStrike" cap="none" spc="0" normalizeH="0" baseline="0">
             <a:ln>
               <a:noFill/>
             </a:ln>
@@ -10285,7 +10406,7 @@
           <a:buFontTx/>
           <a:buNone/>
           <a:tabLst/>
-          <a:defRPr b="0" baseline="0" cap="none" i="0" spc="0" strike="noStrike" sz="1800" u="none" kumimoji="0" normalizeH="0">
+          <a:defRPr kumimoji="0" sz="1800" b="0" i="0" u="none" strike="noStrike" cap="none" spc="0" normalizeH="0" baseline="0">
             <a:ln>
               <a:noFill/>
             </a:ln>
@@ -10311,7 +10432,7 @@
           <a:buFontTx/>
           <a:buNone/>
           <a:tabLst/>
-          <a:defRPr b="0" baseline="0" cap="none" i="0" spc="0" strike="noStrike" sz="1800" u="none" kumimoji="0" normalizeH="0">
+          <a:defRPr kumimoji="0" sz="1800" b="0" i="0" u="none" strike="noStrike" cap="none" spc="0" normalizeH="0" baseline="0">
             <a:ln>
               <a:noFill/>
             </a:ln>
@@ -10337,7 +10458,7 @@
           <a:buFontTx/>
           <a:buNone/>
           <a:tabLst/>
-          <a:defRPr b="0" baseline="0" cap="none" i="0" spc="0" strike="noStrike" sz="1800" u="none" kumimoji="0" normalizeH="0">
+          <a:defRPr kumimoji="0" sz="1800" b="0" i="0" u="none" strike="noStrike" cap="none" spc="0" normalizeH="0" baseline="0">
             <a:ln>
               <a:noFill/>
             </a:ln>
@@ -10363,7 +10484,7 @@
           <a:buFontTx/>
           <a:buNone/>
           <a:tabLst/>
-          <a:defRPr b="0" baseline="0" cap="none" i="0" spc="0" strike="noStrike" sz="1800" u="none" kumimoji="0" normalizeH="0">
+          <a:defRPr kumimoji="0" sz="1800" b="0" i="0" u="none" strike="noStrike" cap="none" spc="0" normalizeH="0" baseline="0">
             <a:ln>
               <a:noFill/>
             </a:ln>
@@ -10389,7 +10510,7 @@
           <a:buFontTx/>
           <a:buNone/>
           <a:tabLst/>
-          <a:defRPr b="0" baseline="0" cap="none" i="0" spc="0" strike="noStrike" sz="1800" u="none" kumimoji="0" normalizeH="0">
+          <a:defRPr kumimoji="0" sz="1800" b="0" i="0" u="none" strike="noStrike" cap="none" spc="0" normalizeH="0" baseline="0">
             <a:ln>
               <a:noFill/>
             </a:ln>
@@ -10402,18 +10523,25 @@
         </a:lvl9pPr>
       </a:lstStyle>
       <a:style>
-        <a:lnRef idx="0"/>
-        <a:fillRef idx="0"/>
-        <a:effectRef idx="0"/>
+        <a:lnRef idx="0">
+          <a:scrgbClr r="0" g="0" b="0"/>
+        </a:lnRef>
+        <a:fillRef idx="0">
+          <a:scrgbClr r="0" g="0" b="0"/>
+        </a:fillRef>
+        <a:effectRef idx="0">
+          <a:scrgbClr r="0" g="0" b="0"/>
+        </a:effectRef>
         <a:fontRef idx="none"/>
       </a:style>
     </a:txDef>
   </a:objectDefaults>
+  <a:extraClrSchemeLst/>
 </a:theme>
 </file>
 
 <file path=ppt/theme/theme2.xml><?xml version="1.0" encoding="utf-8"?>
-<a:theme xmlns:a="http://schemas.openxmlformats.org/drawingml/2006/main" xmlns:r="http://schemas.openxmlformats.org/officeDocument/2006/relationships" name="White">
+<a:theme xmlns:a="http://schemas.openxmlformats.org/drawingml/2006/main" name="White">
   <a:themeElements>
     <a:clrScheme name="White">
       <a:dk1>
@@ -10539,7 +10667,7 @@
       <a:effectStyleLst>
         <a:effectStyle>
           <a:effectLst>
-            <a:outerShdw sx="100000" sy="100000" kx="0" ky="0" algn="b" rotWithShape="0" blurRad="25400" dist="12700" dir="5400000">
+            <a:outerShdw blurRad="25400" dist="12700" dir="5400000" rotWithShape="0">
               <a:srgbClr val="000000">
                 <a:alpha val="50000"/>
               </a:srgbClr>
@@ -10548,7 +10676,7 @@
         </a:effectStyle>
         <a:effectStyle>
           <a:effectLst>
-            <a:outerShdw sx="100000" sy="100000" kx="0" ky="0" algn="b" rotWithShape="0" blurRad="25400" dist="0" dir="0">
+            <a:outerShdw blurRad="25400" rotWithShape="0">
               <a:srgbClr val="000000">
                 <a:alpha val="50000"/>
               </a:srgbClr>
@@ -10557,7 +10685,7 @@
         </a:effectStyle>
         <a:effectStyle>
           <a:effectLst>
-            <a:outerShdw sx="100000" sy="100000" kx="0" ky="0" algn="b" rotWithShape="0" blurRad="25400" dist="12700" dir="5400000">
+            <a:outerShdw blurRad="25400" dist="12700" dir="5400000" rotWithShape="0">
               <a:srgbClr val="000000">
                 <a:alpha val="50000"/>
               </a:srgbClr>
@@ -10621,8 +10749,8 @@
     <a:spDef>
       <a:spPr>
         <a:blipFill rotWithShape="1">
-          <a:blip r:embed="rId1"/>
-          <a:srcRect l="0" t="0" r="0" b="0"/>
+          <a:blip xmlns:r="http://schemas.openxmlformats.org/officeDocument/2006/relationships" r:embed="rId1"/>
+          <a:srcRect/>
           <a:tile tx="0" ty="0" sx="100000" sy="100000" flip="none" algn="tl"/>
         </a:blipFill>
         <a:ln w="3175" cap="flat">
@@ -10630,7 +10758,7 @@
           <a:miter lim="400000"/>
         </a:ln>
         <a:effectLst>
-          <a:outerShdw sx="100000" sy="100000" kx="0" ky="0" algn="b" rotWithShape="0" blurRad="25400" dist="12700" dir="5400000">
+          <a:outerShdw blurRad="25400" dist="12700" dir="5400000" rotWithShape="0">
             <a:srgbClr val="000000">
               <a:alpha val="50000"/>
             </a:srgbClr>
@@ -10638,7 +10766,7 @@
         </a:effectLst>
         <a:sp3d/>
       </a:spPr>
-      <a:bodyPr rot="0" spcFirstLastPara="1" vertOverflow="overflow" horzOverflow="overflow" vert="horz" wrap="square" lIns="38100" tIns="38100" rIns="38100" bIns="38100" numCol="1" spcCol="38100" rtlCol="0" anchor="ctr" upright="0">
+      <a:bodyPr rot="0" spcFirstLastPara="1" vertOverflow="overflow" horzOverflow="overflow" vert="horz" wrap="square" lIns="38100" tIns="38100" rIns="38100" bIns="38100" numCol="1" spcCol="38100" rtlCol="0" anchor="ctr">
         <a:spAutoFit/>
       </a:bodyPr>
       <a:lstStyle>
@@ -10657,7 +10785,7 @@
           <a:buFontTx/>
           <a:buNone/>
           <a:tabLst/>
-          <a:defRPr b="0" baseline="0" cap="none" i="0" spc="0" strike="noStrike" sz="2200" u="none" kumimoji="0" normalizeH="0">
+          <a:defRPr kumimoji="0" sz="2200" b="0" i="0" u="none" strike="noStrike" cap="none" spc="0" normalizeH="0" baseline="0">
             <a:ln>
               <a:noFill/>
             </a:ln>
@@ -10687,7 +10815,7 @@
           <a:buFontTx/>
           <a:buNone/>
           <a:tabLst/>
-          <a:defRPr b="0" baseline="0" cap="none" i="0" spc="0" strike="noStrike" sz="1800" u="none" kumimoji="0" normalizeH="0">
+          <a:defRPr kumimoji="0" sz="1800" b="0" i="0" u="none" strike="noStrike" cap="none" spc="0" normalizeH="0" baseline="0">
             <a:ln>
               <a:noFill/>
             </a:ln>
@@ -10713,7 +10841,7 @@
           <a:buFontTx/>
           <a:buNone/>
           <a:tabLst/>
-          <a:defRPr b="0" baseline="0" cap="none" i="0" spc="0" strike="noStrike" sz="1800" u="none" kumimoji="0" normalizeH="0">
+          <a:defRPr kumimoji="0" sz="1800" b="0" i="0" u="none" strike="noStrike" cap="none" spc="0" normalizeH="0" baseline="0">
             <a:ln>
               <a:noFill/>
             </a:ln>
@@ -10739,7 +10867,7 @@
           <a:buFontTx/>
           <a:buNone/>
           <a:tabLst/>
-          <a:defRPr b="0" baseline="0" cap="none" i="0" spc="0" strike="noStrike" sz="1800" u="none" kumimoji="0" normalizeH="0">
+          <a:defRPr kumimoji="0" sz="1800" b="0" i="0" u="none" strike="noStrike" cap="none" spc="0" normalizeH="0" baseline="0">
             <a:ln>
               <a:noFill/>
             </a:ln>
@@ -10765,7 +10893,7 @@
           <a:buFontTx/>
           <a:buNone/>
           <a:tabLst/>
-          <a:defRPr b="0" baseline="0" cap="none" i="0" spc="0" strike="noStrike" sz="1800" u="none" kumimoji="0" normalizeH="0">
+          <a:defRPr kumimoji="0" sz="1800" b="0" i="0" u="none" strike="noStrike" cap="none" spc="0" normalizeH="0" baseline="0">
             <a:ln>
               <a:noFill/>
             </a:ln>
@@ -10791,7 +10919,7 @@
           <a:buFontTx/>
           <a:buNone/>
           <a:tabLst/>
-          <a:defRPr b="0" baseline="0" cap="none" i="0" spc="0" strike="noStrike" sz="1800" u="none" kumimoji="0" normalizeH="0">
+          <a:defRPr kumimoji="0" sz="1800" b="0" i="0" u="none" strike="noStrike" cap="none" spc="0" normalizeH="0" baseline="0">
             <a:ln>
               <a:noFill/>
             </a:ln>
@@ -10817,7 +10945,7 @@
           <a:buFontTx/>
           <a:buNone/>
           <a:tabLst/>
-          <a:defRPr b="0" baseline="0" cap="none" i="0" spc="0" strike="noStrike" sz="1800" u="none" kumimoji="0" normalizeH="0">
+          <a:defRPr kumimoji="0" sz="1800" b="0" i="0" u="none" strike="noStrike" cap="none" spc="0" normalizeH="0" baseline="0">
             <a:ln>
               <a:noFill/>
             </a:ln>
@@ -10843,7 +10971,7 @@
           <a:buFontTx/>
           <a:buNone/>
           <a:tabLst/>
-          <a:defRPr b="0" baseline="0" cap="none" i="0" spc="0" strike="noStrike" sz="1800" u="none" kumimoji="0" normalizeH="0">
+          <a:defRPr kumimoji="0" sz="1800" b="0" i="0" u="none" strike="noStrike" cap="none" spc="0" normalizeH="0" baseline="0">
             <a:ln>
               <a:noFill/>
             </a:ln>
@@ -10869,7 +10997,7 @@
           <a:buFontTx/>
           <a:buNone/>
           <a:tabLst/>
-          <a:defRPr b="0" baseline="0" cap="none" i="0" spc="0" strike="noStrike" sz="1800" u="none" kumimoji="0" normalizeH="0">
+          <a:defRPr kumimoji="0" sz="1800" b="0" i="0" u="none" strike="noStrike" cap="none" spc="0" normalizeH="0" baseline="0">
             <a:ln>
               <a:noFill/>
             </a:ln>
@@ -10895,7 +11023,7 @@
           <a:buFontTx/>
           <a:buNone/>
           <a:tabLst/>
-          <a:defRPr b="0" baseline="0" cap="none" i="0" spc="0" strike="noStrike" sz="1800" u="none" kumimoji="0" normalizeH="0">
+          <a:defRPr kumimoji="0" sz="1800" b="0" i="0" u="none" strike="noStrike" cap="none" spc="0" normalizeH="0" baseline="0">
             <a:ln>
               <a:noFill/>
             </a:ln>
@@ -10908,9 +11036,15 @@
         </a:lvl9pPr>
       </a:lstStyle>
       <a:style>
-        <a:lnRef idx="0"/>
-        <a:fillRef idx="0"/>
-        <a:effectRef idx="0"/>
+        <a:lnRef idx="0">
+          <a:scrgbClr r="0" g="0" b="0"/>
+        </a:lnRef>
+        <a:fillRef idx="0">
+          <a:scrgbClr r="0" g="0" b="0"/>
+        </a:fillRef>
+        <a:effectRef idx="0">
+          <a:scrgbClr r="0" g="0" b="0"/>
+        </a:effectRef>
         <a:fontRef idx="none"/>
       </a:style>
     </a:spDef>
@@ -10927,7 +11061,7 @@
         <a:effectLst/>
         <a:sp3d/>
       </a:spPr>
-      <a:bodyPr rot="0" spcFirstLastPara="1" vertOverflow="overflow" horzOverflow="overflow" vert="horz" wrap="square" lIns="91439" tIns="45719" rIns="91439" bIns="45719" numCol="1" spcCol="38100" rtlCol="0" anchor="t" upright="0">
+      <a:bodyPr rot="0" spcFirstLastPara="1" vertOverflow="overflow" horzOverflow="overflow" vert="horz" wrap="square" lIns="91439" tIns="45719" rIns="91439" bIns="45719" numCol="1" spcCol="38100" rtlCol="0" anchor="t">
         <a:noAutofit/>
       </a:bodyPr>
       <a:lstStyle>
@@ -10946,7 +11080,7 @@
           <a:buFontTx/>
           <a:buNone/>
           <a:tabLst/>
-          <a:defRPr b="0" baseline="0" cap="none" i="0" spc="0" strike="noStrike" sz="1800" u="none" kumimoji="0" normalizeH="0">
+          <a:defRPr kumimoji="0" sz="1800" b="0" i="0" u="none" strike="noStrike" cap="none" spc="0" normalizeH="0" baseline="0">
             <a:ln>
               <a:noFill/>
             </a:ln>
@@ -10972,7 +11106,7 @@
           <a:buFontTx/>
           <a:buNone/>
           <a:tabLst/>
-          <a:defRPr b="0" baseline="0" cap="none" i="0" spc="0" strike="noStrike" sz="1800" u="none" kumimoji="0" normalizeH="0">
+          <a:defRPr kumimoji="0" sz="1800" b="0" i="0" u="none" strike="noStrike" cap="none" spc="0" normalizeH="0" baseline="0">
             <a:ln>
               <a:noFill/>
             </a:ln>
@@ -10998,7 +11132,7 @@
           <a:buFontTx/>
           <a:buNone/>
           <a:tabLst/>
-          <a:defRPr b="0" baseline="0" cap="none" i="0" spc="0" strike="noStrike" sz="1800" u="none" kumimoji="0" normalizeH="0">
+          <a:defRPr kumimoji="0" sz="1800" b="0" i="0" u="none" strike="noStrike" cap="none" spc="0" normalizeH="0" baseline="0">
             <a:ln>
               <a:noFill/>
             </a:ln>
@@ -11024,7 +11158,7 @@
           <a:buFontTx/>
           <a:buNone/>
           <a:tabLst/>
-          <a:defRPr b="0" baseline="0" cap="none" i="0" spc="0" strike="noStrike" sz="1800" u="none" kumimoji="0" normalizeH="0">
+          <a:defRPr kumimoji="0" sz="1800" b="0" i="0" u="none" strike="noStrike" cap="none" spc="0" normalizeH="0" baseline="0">
             <a:ln>
               <a:noFill/>
             </a:ln>
@@ -11050,7 +11184,7 @@
           <a:buFontTx/>
           <a:buNone/>
           <a:tabLst/>
-          <a:defRPr b="0" baseline="0" cap="none" i="0" spc="0" strike="noStrike" sz="1800" u="none" kumimoji="0" normalizeH="0">
+          <a:defRPr kumimoji="0" sz="1800" b="0" i="0" u="none" strike="noStrike" cap="none" spc="0" normalizeH="0" baseline="0">
             <a:ln>
               <a:noFill/>
             </a:ln>
@@ -11076,7 +11210,7 @@
           <a:buFontTx/>
           <a:buNone/>
           <a:tabLst/>
-          <a:defRPr b="0" baseline="0" cap="none" i="0" spc="0" strike="noStrike" sz="1800" u="none" kumimoji="0" normalizeH="0">
+          <a:defRPr kumimoji="0" sz="1800" b="0" i="0" u="none" strike="noStrike" cap="none" spc="0" normalizeH="0" baseline="0">
             <a:ln>
               <a:noFill/>
             </a:ln>
@@ -11102,7 +11236,7 @@
           <a:buFontTx/>
           <a:buNone/>
           <a:tabLst/>
-          <a:defRPr b="0" baseline="0" cap="none" i="0" spc="0" strike="noStrike" sz="1800" u="none" kumimoji="0" normalizeH="0">
+          <a:defRPr kumimoji="0" sz="1800" b="0" i="0" u="none" strike="noStrike" cap="none" spc="0" normalizeH="0" baseline="0">
             <a:ln>
               <a:noFill/>
             </a:ln>
@@ -11128,7 +11262,7 @@
           <a:buFontTx/>
           <a:buNone/>
           <a:tabLst/>
-          <a:defRPr b="0" baseline="0" cap="none" i="0" spc="0" strike="noStrike" sz="1800" u="none" kumimoji="0" normalizeH="0">
+          <a:defRPr kumimoji="0" sz="1800" b="0" i="0" u="none" strike="noStrike" cap="none" spc="0" normalizeH="0" baseline="0">
             <a:ln>
               <a:noFill/>
             </a:ln>
@@ -11154,7 +11288,7 @@
           <a:buFontTx/>
           <a:buNone/>
           <a:tabLst/>
-          <a:defRPr b="0" baseline="0" cap="none" i="0" spc="0" strike="noStrike" sz="1800" u="none" kumimoji="0" normalizeH="0">
+          <a:defRPr kumimoji="0" sz="1800" b="0" i="0" u="none" strike="noStrike" cap="none" spc="0" normalizeH="0" baseline="0">
             <a:ln>
               <a:noFill/>
             </a:ln>
@@ -11180,7 +11314,7 @@
           <a:buFontTx/>
           <a:buNone/>
           <a:tabLst/>
-          <a:defRPr b="0" baseline="0" cap="none" i="0" spc="0" strike="noStrike" sz="1800" u="none" kumimoji="0" normalizeH="0">
+          <a:defRPr kumimoji="0" sz="1800" b="0" i="0" u="none" strike="noStrike" cap="none" spc="0" normalizeH="0" baseline="0">
             <a:ln>
               <a:noFill/>
             </a:ln>
@@ -11193,9 +11327,15 @@
         </a:lvl9pPr>
       </a:lstStyle>
       <a:style>
-        <a:lnRef idx="0"/>
-        <a:fillRef idx="0"/>
-        <a:effectRef idx="0"/>
+        <a:lnRef idx="0">
+          <a:scrgbClr r="0" g="0" b="0"/>
+        </a:lnRef>
+        <a:fillRef idx="0">
+          <a:scrgbClr r="0" g="0" b="0"/>
+        </a:fillRef>
+        <a:effectRef idx="0">
+          <a:scrgbClr r="0" g="0" b="0"/>
+        </a:effectRef>
         <a:fontRef idx="none"/>
       </a:style>
     </a:lnDef>
@@ -11209,7 +11349,7 @@
         <a:effectLst/>
         <a:sp3d/>
       </a:spPr>
-      <a:bodyPr rot="0" spcFirstLastPara="1" vertOverflow="overflow" horzOverflow="overflow" vert="horz" wrap="square" lIns="38100" tIns="38100" rIns="38100" bIns="38100" numCol="1" spcCol="38100" rtlCol="0" anchor="ctr" upright="0">
+      <a:bodyPr rot="0" spcFirstLastPara="1" vertOverflow="overflow" horzOverflow="overflow" vert="horz" wrap="square" lIns="38100" tIns="38100" rIns="38100" bIns="38100" numCol="1" spcCol="38100" rtlCol="0" anchor="ctr">
         <a:spAutoFit/>
       </a:bodyPr>
       <a:lstStyle>
@@ -11228,7 +11368,7 @@
           <a:buFontTx/>
           <a:buNone/>
           <a:tabLst/>
-          <a:defRPr b="0" baseline="0" cap="none" i="0" spc="0" strike="noStrike" sz="5800" u="none" kumimoji="0" normalizeH="0">
+          <a:defRPr kumimoji="0" sz="5800" b="0" i="0" u="none" strike="noStrike" cap="none" spc="0" normalizeH="0" baseline="0">
             <a:ln>
               <a:noFill/>
             </a:ln>
@@ -11258,7 +11398,7 @@
           <a:buFontTx/>
           <a:buNone/>
           <a:tabLst/>
-          <a:defRPr b="0" baseline="0" cap="none" i="0" spc="0" strike="noStrike" sz="1800" u="none" kumimoji="0" normalizeH="0">
+          <a:defRPr kumimoji="0" sz="1800" b="0" i="0" u="none" strike="noStrike" cap="none" spc="0" normalizeH="0" baseline="0">
             <a:ln>
               <a:noFill/>
             </a:ln>
@@ -11284,7 +11424,7 @@
           <a:buFontTx/>
           <a:buNone/>
           <a:tabLst/>
-          <a:defRPr b="0" baseline="0" cap="none" i="0" spc="0" strike="noStrike" sz="1800" u="none" kumimoji="0" normalizeH="0">
+          <a:defRPr kumimoji="0" sz="1800" b="0" i="0" u="none" strike="noStrike" cap="none" spc="0" normalizeH="0" baseline="0">
             <a:ln>
               <a:noFill/>
             </a:ln>
@@ -11310,7 +11450,7 @@
           <a:buFontTx/>
           <a:buNone/>
           <a:tabLst/>
-          <a:defRPr b="0" baseline="0" cap="none" i="0" spc="0" strike="noStrike" sz="1800" u="none" kumimoji="0" normalizeH="0">
+          <a:defRPr kumimoji="0" sz="1800" b="0" i="0" u="none" strike="noStrike" cap="none" spc="0" normalizeH="0" baseline="0">
             <a:ln>
               <a:noFill/>
             </a:ln>
@@ -11336,7 +11476,7 @@
           <a:buFontTx/>
           <a:buNone/>
           <a:tabLst/>
-          <a:defRPr b="0" baseline="0" cap="none" i="0" spc="0" strike="noStrike" sz="1800" u="none" kumimoji="0" normalizeH="0">
+          <a:defRPr kumimoji="0" sz="1800" b="0" i="0" u="none" strike="noStrike" cap="none" spc="0" normalizeH="0" baseline="0">
             <a:ln>
               <a:noFill/>
             </a:ln>
@@ -11362,7 +11502,7 @@
           <a:buFontTx/>
           <a:buNone/>
           <a:tabLst/>
-          <a:defRPr b="0" baseline="0" cap="none" i="0" spc="0" strike="noStrike" sz="1800" u="none" kumimoji="0" normalizeH="0">
+          <a:defRPr kumimoji="0" sz="1800" b="0" i="0" u="none" strike="noStrike" cap="none" spc="0" normalizeH="0" baseline="0">
             <a:ln>
               <a:noFill/>
             </a:ln>
@@ -11388,7 +11528,7 @@
           <a:buFontTx/>
           <a:buNone/>
           <a:tabLst/>
-          <a:defRPr b="0" baseline="0" cap="none" i="0" spc="0" strike="noStrike" sz="1800" u="none" kumimoji="0" normalizeH="0">
+          <a:defRPr kumimoji="0" sz="1800" b="0" i="0" u="none" strike="noStrike" cap="none" spc="0" normalizeH="0" baseline="0">
             <a:ln>
               <a:noFill/>
             </a:ln>
@@ -11414,7 +11554,7 @@
           <a:buFontTx/>
           <a:buNone/>
           <a:tabLst/>
-          <a:defRPr b="0" baseline="0" cap="none" i="0" spc="0" strike="noStrike" sz="1800" u="none" kumimoji="0" normalizeH="0">
+          <a:defRPr kumimoji="0" sz="1800" b="0" i="0" u="none" strike="noStrike" cap="none" spc="0" normalizeH="0" baseline="0">
             <a:ln>
               <a:noFill/>
             </a:ln>
@@ -11440,7 +11580,7 @@
           <a:buFontTx/>
           <a:buNone/>
           <a:tabLst/>
-          <a:defRPr b="0" baseline="0" cap="none" i="0" spc="0" strike="noStrike" sz="1800" u="none" kumimoji="0" normalizeH="0">
+          <a:defRPr kumimoji="0" sz="1800" b="0" i="0" u="none" strike="noStrike" cap="none" spc="0" normalizeH="0" baseline="0">
             <a:ln>
               <a:noFill/>
             </a:ln>
@@ -11466,7 +11606,7 @@
           <a:buFontTx/>
           <a:buNone/>
           <a:tabLst/>
-          <a:defRPr b="0" baseline="0" cap="none" i="0" spc="0" strike="noStrike" sz="1800" u="none" kumimoji="0" normalizeH="0">
+          <a:defRPr kumimoji="0" sz="1800" b="0" i="0" u="none" strike="noStrike" cap="none" spc="0" normalizeH="0" baseline="0">
             <a:ln>
               <a:noFill/>
             </a:ln>
@@ -11479,12 +11619,19 @@
         </a:lvl9pPr>
       </a:lstStyle>
       <a:style>
-        <a:lnRef idx="0"/>
-        <a:fillRef idx="0"/>
-        <a:effectRef idx="0"/>
+        <a:lnRef idx="0">
+          <a:scrgbClr r="0" g="0" b="0"/>
+        </a:lnRef>
+        <a:fillRef idx="0">
+          <a:scrgbClr r="0" g="0" b="0"/>
+        </a:fillRef>
+        <a:effectRef idx="0">
+          <a:scrgbClr r="0" g="0" b="0"/>
+        </a:effectRef>
         <a:fontRef idx="none"/>
       </a:style>
     </a:txDef>
   </a:objectDefaults>
+  <a:extraClrSchemeLst/>
 </a:theme>
 </file>
--- a/Presentations/Presentations Power Point/07_refactoring.pptx
+++ b/Presentations/Presentations Power Point/07_refactoring.pptx
@@ -321,6 +321,11 @@
       </a:defRPr>
     </a:lvl9pPr>
   </p:defaultTextStyle>
+  <p:extLst>
+    <p:ext uri="{EFAFB233-063F-42B5-8137-9DF3F51BA10A}">
+      <p15:sldGuideLst xmlns:p15="http://schemas.microsoft.com/office/powerpoint/2012/main"/>
+    </p:ext>
+  </p:extLst>
 </p:presentation>
 </file>
 
@@ -2101,7 +2106,7 @@
           </a:ln>
           <a:extLst>
             <a:ext uri="{C572A759-6A51-4108-AA02-DFA0A04FC94B}">
-              <ma14:wrappingTextBoxFlag xmlns:ma14="http://schemas.microsoft.com/office/mac/drawingml/2011/main" xmlns:a14="http://schemas.microsoft.com/office/drawing/2010/main" xmlns:m="http://schemas.openxmlformats.org/officeDocument/2006/math" xmlns="" val="1"/>
+              <ma14:wrappingTextBoxFlag xmlns="" xmlns:m="http://schemas.openxmlformats.org/officeDocument/2006/math" xmlns:a14="http://schemas.microsoft.com/office/drawing/2010/main" xmlns:ma14="http://schemas.microsoft.com/office/mac/drawingml/2011/main" val="1"/>
             </a:ext>
           </a:extLst>
         </p:spPr>
@@ -2140,7 +2145,7 @@
           </a:ln>
           <a:extLst>
             <a:ext uri="{C572A759-6A51-4108-AA02-DFA0A04FC94B}">
-              <ma14:wrappingTextBoxFlag xmlns:ma14="http://schemas.microsoft.com/office/mac/drawingml/2011/main" xmlns:a14="http://schemas.microsoft.com/office/drawing/2010/main" xmlns:m="http://schemas.openxmlformats.org/officeDocument/2006/math" xmlns="" val="1"/>
+              <ma14:wrappingTextBoxFlag xmlns="" xmlns:m="http://schemas.openxmlformats.org/officeDocument/2006/math" xmlns:a14="http://schemas.microsoft.com/office/drawing/2010/main" xmlns:ma14="http://schemas.microsoft.com/office/mac/drawingml/2011/main" val="1"/>
             </a:ext>
           </a:extLst>
         </p:spPr>
@@ -2994,7 +2999,7 @@
           </a:ln>
           <a:extLst>
             <a:ext uri="{C572A759-6A51-4108-AA02-DFA0A04FC94B}">
-              <ma14:wrappingTextBoxFlag xmlns:ma14="http://schemas.microsoft.com/office/mac/drawingml/2011/main" xmlns:a14="http://schemas.microsoft.com/office/drawing/2010/main" xmlns:m="http://schemas.openxmlformats.org/officeDocument/2006/math" xmlns="" val="1"/>
+              <ma14:wrappingTextBoxFlag xmlns="" xmlns:m="http://schemas.openxmlformats.org/officeDocument/2006/math" xmlns:a14="http://schemas.microsoft.com/office/drawing/2010/main" xmlns:ma14="http://schemas.microsoft.com/office/mac/drawingml/2011/main" val="1"/>
             </a:ext>
           </a:extLst>
         </p:spPr>
@@ -3009,9 +3014,9 @@
                 <a:solidFill>
                   <a:srgbClr val="000000"/>
                 </a:solidFill>
-                <a:latin typeface="Circular Std"/>
-                <a:ea typeface="Circular Std"/>
-                <a:cs typeface="Circular Std"/>
+                <a:latin typeface="CircularStd-Bold"/>
+                <a:ea typeface="CircularStd-Bold"/>
+                <a:cs typeface="CircularStd-Bold"/>
                 <a:sym typeface="Circular Std"/>
               </a:defRPr>
             </a:pPr>
@@ -3025,9 +3030,9 @@
                 <a:solidFill>
                   <a:srgbClr val="000000"/>
                 </a:solidFill>
-                <a:latin typeface="Circular Std"/>
-                <a:ea typeface="Circular Std"/>
-                <a:cs typeface="Circular Std"/>
+                <a:latin typeface="CircularStd-Bold"/>
+                <a:ea typeface="CircularStd-Bold"/>
+                <a:cs typeface="CircularStd-Bold"/>
                 <a:sym typeface="Circular Std"/>
               </a:defRPr>
             </a:pPr>
@@ -3041,9 +3046,9 @@
                 <a:solidFill>
                   <a:srgbClr val="000000"/>
                 </a:solidFill>
-                <a:latin typeface="Circular Std"/>
-                <a:ea typeface="Circular Std"/>
-                <a:cs typeface="Circular Std"/>
+                <a:latin typeface="CircularStd-Bold"/>
+                <a:ea typeface="CircularStd-Bold"/>
+                <a:cs typeface="CircularStd-Bold"/>
                 <a:sym typeface="Circular Std"/>
               </a:defRPr>
             </a:pPr>
@@ -3057,9 +3062,9 @@
                 <a:solidFill>
                   <a:srgbClr val="FFFFFF"/>
                 </a:solidFill>
-                <a:latin typeface="Circular Std"/>
-                <a:ea typeface="Circular Std"/>
-                <a:cs typeface="Circular Std"/>
+                <a:latin typeface="CircularStd-Bold"/>
+                <a:ea typeface="CircularStd-Bold"/>
+                <a:cs typeface="CircularStd-Bold"/>
                 <a:sym typeface="Circular Std"/>
               </a:defRPr>
             </a:pPr>
@@ -3071,9 +3076,9 @@
                 <a:solidFill>
                   <a:srgbClr val="000000"/>
                 </a:solidFill>
-                <a:latin typeface="Circular Std"/>
-                <a:ea typeface="Circular Std"/>
-                <a:cs typeface="Circular Std"/>
+                <a:latin typeface="CircularStd-Bold"/>
+                <a:ea typeface="CircularStd-Bold"/>
+                <a:cs typeface="CircularStd-Bold"/>
                 <a:sym typeface="Circular Std"/>
               </a:defRPr>
             </a:pPr>
@@ -3182,7 +3187,7 @@
           </a:ln>
           <a:extLst>
             <a:ext uri="{C572A759-6A51-4108-AA02-DFA0A04FC94B}">
-              <ma14:wrappingTextBoxFlag xmlns:ma14="http://schemas.microsoft.com/office/mac/drawingml/2011/main" xmlns:a14="http://schemas.microsoft.com/office/drawing/2010/main" xmlns:m="http://schemas.openxmlformats.org/officeDocument/2006/math" xmlns="" val="1"/>
+              <ma14:wrappingTextBoxFlag xmlns="" xmlns:m="http://schemas.openxmlformats.org/officeDocument/2006/math" xmlns:a14="http://schemas.microsoft.com/office/drawing/2010/main" xmlns:ma14="http://schemas.microsoft.com/office/mac/drawingml/2011/main" val="1"/>
             </a:ext>
           </a:extLst>
         </p:spPr>
@@ -3241,7 +3246,7 @@
           </a:ln>
           <a:extLst>
             <a:ext uri="{C572A759-6A51-4108-AA02-DFA0A04FC94B}">
-              <ma14:wrappingTextBoxFlag xmlns:ma14="http://schemas.microsoft.com/office/mac/drawingml/2011/main" xmlns:a14="http://schemas.microsoft.com/office/drawing/2010/main" xmlns:m="http://schemas.openxmlformats.org/officeDocument/2006/math" xmlns="" val="1"/>
+              <ma14:wrappingTextBoxFlag xmlns="" xmlns:m="http://schemas.openxmlformats.org/officeDocument/2006/math" xmlns:a14="http://schemas.microsoft.com/office/drawing/2010/main" xmlns:ma14="http://schemas.microsoft.com/office/mac/drawingml/2011/main" val="1"/>
             </a:ext>
           </a:extLst>
         </p:spPr>
@@ -3341,7 +3346,7 @@
           </a:ln>
           <a:extLst>
             <a:ext uri="{C572A759-6A51-4108-AA02-DFA0A04FC94B}">
-              <ma14:wrappingTextBoxFlag xmlns:ma14="http://schemas.microsoft.com/office/mac/drawingml/2011/main" xmlns:a14="http://schemas.microsoft.com/office/drawing/2010/main" xmlns:m="http://schemas.openxmlformats.org/officeDocument/2006/math" xmlns="" val="1"/>
+              <ma14:wrappingTextBoxFlag xmlns="" xmlns:m="http://schemas.openxmlformats.org/officeDocument/2006/math" xmlns:a14="http://schemas.microsoft.com/office/drawing/2010/main" xmlns:ma14="http://schemas.microsoft.com/office/mac/drawingml/2011/main" val="1"/>
             </a:ext>
           </a:extLst>
         </p:spPr>
@@ -3431,7 +3436,7 @@
           </a:ln>
           <a:extLst>
             <a:ext uri="{C572A759-6A51-4108-AA02-DFA0A04FC94B}">
-              <ma14:wrappingTextBoxFlag xmlns:ma14="http://schemas.microsoft.com/office/mac/drawingml/2011/main" xmlns:a14="http://schemas.microsoft.com/office/drawing/2010/main" xmlns:m="http://schemas.openxmlformats.org/officeDocument/2006/math" xmlns="" val="1"/>
+              <ma14:wrappingTextBoxFlag xmlns="" xmlns:m="http://schemas.openxmlformats.org/officeDocument/2006/math" xmlns:a14="http://schemas.microsoft.com/office/drawing/2010/main" xmlns:ma14="http://schemas.microsoft.com/office/mac/drawingml/2011/main" val="1"/>
             </a:ext>
           </a:extLst>
         </p:spPr>
@@ -3966,7 +3971,7 @@
           </a:ln>
           <a:extLst>
             <a:ext uri="{C572A759-6A51-4108-AA02-DFA0A04FC94B}">
-              <ma14:wrappingTextBoxFlag xmlns:ma14="http://schemas.microsoft.com/office/mac/drawingml/2011/main" xmlns:a14="http://schemas.microsoft.com/office/drawing/2010/main" xmlns:m="http://schemas.openxmlformats.org/officeDocument/2006/math" xmlns="" val="1"/>
+              <ma14:wrappingTextBoxFlag xmlns="" xmlns:m="http://schemas.openxmlformats.org/officeDocument/2006/math" xmlns:a14="http://schemas.microsoft.com/office/drawing/2010/main" xmlns:ma14="http://schemas.microsoft.com/office/mac/drawingml/2011/main" val="1"/>
             </a:ext>
           </a:extLst>
         </p:spPr>
@@ -4054,7 +4059,7 @@
           </a:ln>
           <a:extLst>
             <a:ext uri="{C572A759-6A51-4108-AA02-DFA0A04FC94B}">
-              <ma14:wrappingTextBoxFlag xmlns:ma14="http://schemas.microsoft.com/office/mac/drawingml/2011/main" xmlns:a14="http://schemas.microsoft.com/office/drawing/2010/main" xmlns:m="http://schemas.openxmlformats.org/officeDocument/2006/math" xmlns="" val="1"/>
+              <ma14:wrappingTextBoxFlag xmlns="" xmlns:m="http://schemas.openxmlformats.org/officeDocument/2006/math" xmlns:a14="http://schemas.microsoft.com/office/drawing/2010/main" xmlns:ma14="http://schemas.microsoft.com/office/mac/drawingml/2011/main" val="1"/>
             </a:ext>
           </a:extLst>
         </p:spPr>
@@ -4113,7 +4118,7 @@
           </a:ln>
           <a:extLst>
             <a:ext uri="{C572A759-6A51-4108-AA02-DFA0A04FC94B}">
-              <ma14:wrappingTextBoxFlag xmlns:ma14="http://schemas.microsoft.com/office/mac/drawingml/2011/main" xmlns:a14="http://schemas.microsoft.com/office/drawing/2010/main" xmlns:m="http://schemas.openxmlformats.org/officeDocument/2006/math" xmlns="" val="1"/>
+              <ma14:wrappingTextBoxFlag xmlns="" xmlns:m="http://schemas.openxmlformats.org/officeDocument/2006/math" xmlns:a14="http://schemas.microsoft.com/office/drawing/2010/main" xmlns:ma14="http://schemas.microsoft.com/office/mac/drawingml/2011/main" val="1"/>
             </a:ext>
           </a:extLst>
         </p:spPr>
@@ -4207,7 +4212,7 @@
           </a:ln>
           <a:extLst>
             <a:ext uri="{C572A759-6A51-4108-AA02-DFA0A04FC94B}">
-              <ma14:wrappingTextBoxFlag xmlns:ma14="http://schemas.microsoft.com/office/mac/drawingml/2011/main" xmlns:a14="http://schemas.microsoft.com/office/drawing/2010/main" xmlns:m="http://schemas.openxmlformats.org/officeDocument/2006/math" xmlns="" val="1"/>
+              <ma14:wrappingTextBoxFlag xmlns="" xmlns:m="http://schemas.openxmlformats.org/officeDocument/2006/math" xmlns:a14="http://schemas.microsoft.com/office/drawing/2010/main" xmlns:ma14="http://schemas.microsoft.com/office/mac/drawingml/2011/main" val="1"/>
             </a:ext>
           </a:extLst>
         </p:spPr>
@@ -4295,7 +4300,7 @@
           </a:ln>
           <a:extLst>
             <a:ext uri="{C572A759-6A51-4108-AA02-DFA0A04FC94B}">
-              <ma14:wrappingTextBoxFlag xmlns:ma14="http://schemas.microsoft.com/office/mac/drawingml/2011/main" xmlns:a14="http://schemas.microsoft.com/office/drawing/2010/main" xmlns:m="http://schemas.openxmlformats.org/officeDocument/2006/math" xmlns="" val="1"/>
+              <ma14:wrappingTextBoxFlag xmlns="" xmlns:m="http://schemas.openxmlformats.org/officeDocument/2006/math" xmlns:a14="http://schemas.microsoft.com/office/drawing/2010/main" xmlns:ma14="http://schemas.microsoft.com/office/mac/drawingml/2011/main" val="1"/>
             </a:ext>
           </a:extLst>
         </p:spPr>
@@ -4383,7 +4388,7 @@
           </a:ln>
           <a:extLst>
             <a:ext uri="{C572A759-6A51-4108-AA02-DFA0A04FC94B}">
-              <ma14:wrappingTextBoxFlag xmlns:ma14="http://schemas.microsoft.com/office/mac/drawingml/2011/main" xmlns:a14="http://schemas.microsoft.com/office/drawing/2010/main" xmlns:m="http://schemas.openxmlformats.org/officeDocument/2006/math" xmlns="" val="1"/>
+              <ma14:wrappingTextBoxFlag xmlns="" xmlns:m="http://schemas.openxmlformats.org/officeDocument/2006/math" xmlns:a14="http://schemas.microsoft.com/office/drawing/2010/main" xmlns:ma14="http://schemas.microsoft.com/office/mac/drawingml/2011/main" val="1"/>
             </a:ext>
           </a:extLst>
         </p:spPr>
@@ -4433,7 +4438,7 @@
           </a:ln>
           <a:extLst>
             <a:ext uri="{C572A759-6A51-4108-AA02-DFA0A04FC94B}">
-              <ma14:wrappingTextBoxFlag xmlns:ma14="http://schemas.microsoft.com/office/mac/drawingml/2011/main" xmlns:a14="http://schemas.microsoft.com/office/drawing/2010/main" xmlns:m="http://schemas.openxmlformats.org/officeDocument/2006/math" xmlns="" val="1"/>
+              <ma14:wrappingTextBoxFlag xmlns="" xmlns:m="http://schemas.openxmlformats.org/officeDocument/2006/math" xmlns:a14="http://schemas.microsoft.com/office/drawing/2010/main" xmlns:ma14="http://schemas.microsoft.com/office/mac/drawingml/2011/main" val="1"/>
             </a:ext>
           </a:extLst>
         </p:spPr>
@@ -4523,7 +4528,7 @@
             <a:effectLst/>
             <a:extLst>
               <a:ext uri="{C572A759-6A51-4108-AA02-DFA0A04FC94B}">
-                <ma14:wrappingTextBoxFlag xmlns:ma14="http://schemas.microsoft.com/office/mac/drawingml/2011/main" xmlns:a14="http://schemas.microsoft.com/office/drawing/2010/main" xmlns:m="http://schemas.openxmlformats.org/officeDocument/2006/math" xmlns="" val="1"/>
+                <ma14:wrappingTextBoxFlag xmlns="" xmlns:m="http://schemas.openxmlformats.org/officeDocument/2006/math" xmlns:a14="http://schemas.microsoft.com/office/drawing/2010/main" xmlns:ma14="http://schemas.microsoft.com/office/mac/drawingml/2011/main" val="1"/>
               </a:ext>
             </a:extLst>
           </p:spPr>
@@ -4577,7 +4582,7 @@
             <a:effectLst/>
             <a:extLst>
               <a:ext uri="{C572A759-6A51-4108-AA02-DFA0A04FC94B}">
-                <ma14:wrappingTextBoxFlag xmlns:ma14="http://schemas.microsoft.com/office/mac/drawingml/2011/main" xmlns:a14="http://schemas.microsoft.com/office/drawing/2010/main" xmlns:m="http://schemas.openxmlformats.org/officeDocument/2006/math" xmlns="" val="1"/>
+                <ma14:wrappingTextBoxFlag xmlns="" xmlns:m="http://schemas.openxmlformats.org/officeDocument/2006/math" xmlns:a14="http://schemas.microsoft.com/office/drawing/2010/main" xmlns:ma14="http://schemas.microsoft.com/office/mac/drawingml/2011/main" val="1"/>
               </a:ext>
             </a:extLst>
           </p:spPr>
@@ -4678,7 +4683,7 @@
           </a:ln>
           <a:extLst>
             <a:ext uri="{C572A759-6A51-4108-AA02-DFA0A04FC94B}">
-              <ma14:wrappingTextBoxFlag xmlns:ma14="http://schemas.microsoft.com/office/mac/drawingml/2011/main" xmlns:a14="http://schemas.microsoft.com/office/drawing/2010/main" xmlns:m="http://schemas.openxmlformats.org/officeDocument/2006/math" xmlns="" val="1"/>
+              <ma14:wrappingTextBoxFlag xmlns="" xmlns:m="http://schemas.openxmlformats.org/officeDocument/2006/math" xmlns:a14="http://schemas.microsoft.com/office/drawing/2010/main" xmlns:ma14="http://schemas.microsoft.com/office/mac/drawingml/2011/main" val="1"/>
             </a:ext>
           </a:extLst>
         </p:spPr>
@@ -4802,7 +4807,7 @@
           </a:ln>
           <a:extLst>
             <a:ext uri="{C572A759-6A51-4108-AA02-DFA0A04FC94B}">
-              <ma14:wrappingTextBoxFlag xmlns:ma14="http://schemas.microsoft.com/office/mac/drawingml/2011/main" xmlns:a14="http://schemas.microsoft.com/office/drawing/2010/main" xmlns:m="http://schemas.openxmlformats.org/officeDocument/2006/math" xmlns="" val="1"/>
+              <ma14:wrappingTextBoxFlag xmlns="" xmlns:m="http://schemas.openxmlformats.org/officeDocument/2006/math" xmlns:a14="http://schemas.microsoft.com/office/drawing/2010/main" xmlns:ma14="http://schemas.microsoft.com/office/mac/drawingml/2011/main" val="1"/>
             </a:ext>
           </a:extLst>
         </p:spPr>
@@ -4887,7 +4892,7 @@
           </a:ln>
           <a:extLst>
             <a:ext uri="{C572A759-6A51-4108-AA02-DFA0A04FC94B}">
-              <ma14:wrappingTextBoxFlag xmlns:ma14="http://schemas.microsoft.com/office/mac/drawingml/2011/main" xmlns:a14="http://schemas.microsoft.com/office/drawing/2010/main" xmlns:m="http://schemas.openxmlformats.org/officeDocument/2006/math" xmlns="" val="1"/>
+              <ma14:wrappingTextBoxFlag xmlns="" xmlns:m="http://schemas.openxmlformats.org/officeDocument/2006/math" xmlns:a14="http://schemas.microsoft.com/office/drawing/2010/main" xmlns:ma14="http://schemas.microsoft.com/office/mac/drawingml/2011/main" val="1"/>
             </a:ext>
           </a:extLst>
         </p:spPr>
@@ -4946,7 +4951,7 @@
           </a:ln>
           <a:extLst>
             <a:ext uri="{C572A759-6A51-4108-AA02-DFA0A04FC94B}">
-              <ma14:wrappingTextBoxFlag xmlns:ma14="http://schemas.microsoft.com/office/mac/drawingml/2011/main" xmlns:a14="http://schemas.microsoft.com/office/drawing/2010/main" xmlns:m="http://schemas.openxmlformats.org/officeDocument/2006/math" xmlns="" val="1"/>
+              <ma14:wrappingTextBoxFlag xmlns="" xmlns:m="http://schemas.openxmlformats.org/officeDocument/2006/math" xmlns:a14="http://schemas.microsoft.com/office/drawing/2010/main" xmlns:ma14="http://schemas.microsoft.com/office/mac/drawingml/2011/main" val="1"/>
             </a:ext>
           </a:extLst>
         </p:spPr>
@@ -5067,7 +5072,7 @@
           </a:ln>
           <a:extLst>
             <a:ext uri="{C572A759-6A51-4108-AA02-DFA0A04FC94B}">
-              <ma14:wrappingTextBoxFlag xmlns:ma14="http://schemas.microsoft.com/office/mac/drawingml/2011/main" xmlns:a14="http://schemas.microsoft.com/office/drawing/2010/main" xmlns:m="http://schemas.openxmlformats.org/officeDocument/2006/math" xmlns="" val="1"/>
+              <ma14:wrappingTextBoxFlag xmlns="" xmlns:m="http://schemas.openxmlformats.org/officeDocument/2006/math" xmlns:a14="http://schemas.microsoft.com/office/drawing/2010/main" xmlns:ma14="http://schemas.microsoft.com/office/mac/drawingml/2011/main" val="1"/>
             </a:ext>
           </a:extLst>
         </p:spPr>
@@ -5288,7 +5293,7 @@
           </a:ln>
           <a:extLst>
             <a:ext uri="{C572A759-6A51-4108-AA02-DFA0A04FC94B}">
-              <ma14:wrappingTextBoxFlag xmlns:ma14="http://schemas.microsoft.com/office/mac/drawingml/2011/main" xmlns:a14="http://schemas.microsoft.com/office/drawing/2010/main" xmlns:m="http://schemas.openxmlformats.org/officeDocument/2006/math" xmlns="" val="1"/>
+              <ma14:wrappingTextBoxFlag xmlns="" xmlns:m="http://schemas.openxmlformats.org/officeDocument/2006/math" xmlns:a14="http://schemas.microsoft.com/office/drawing/2010/main" xmlns:ma14="http://schemas.microsoft.com/office/mac/drawingml/2011/main" val="1"/>
             </a:ext>
           </a:extLst>
         </p:spPr>
@@ -5357,7 +5362,7 @@
           </a:ln>
           <a:extLst>
             <a:ext uri="{C572A759-6A51-4108-AA02-DFA0A04FC94B}">
-              <ma14:wrappingTextBoxFlag xmlns:ma14="http://schemas.microsoft.com/office/mac/drawingml/2011/main" xmlns:a14="http://schemas.microsoft.com/office/drawing/2010/main" xmlns:m="http://schemas.openxmlformats.org/officeDocument/2006/math" xmlns="" val="1"/>
+              <ma14:wrappingTextBoxFlag xmlns="" xmlns:m="http://schemas.openxmlformats.org/officeDocument/2006/math" xmlns:a14="http://schemas.microsoft.com/office/drawing/2010/main" xmlns:ma14="http://schemas.microsoft.com/office/mac/drawingml/2011/main" val="1"/>
             </a:ext>
           </a:extLst>
         </p:spPr>
@@ -5910,7 +5915,7 @@
           </a:ln>
           <a:extLst>
             <a:ext uri="{C572A759-6A51-4108-AA02-DFA0A04FC94B}">
-              <ma14:wrappingTextBoxFlag xmlns:ma14="http://schemas.microsoft.com/office/mac/drawingml/2011/main" xmlns:a14="http://schemas.microsoft.com/office/drawing/2010/main" xmlns:m="http://schemas.openxmlformats.org/officeDocument/2006/math" xmlns="" val="1"/>
+              <ma14:wrappingTextBoxFlag xmlns="" xmlns:m="http://schemas.openxmlformats.org/officeDocument/2006/math" xmlns:a14="http://schemas.microsoft.com/office/drawing/2010/main" xmlns:ma14="http://schemas.microsoft.com/office/mac/drawingml/2011/main" val="1"/>
             </a:ext>
           </a:extLst>
         </p:spPr>
@@ -5980,7 +5985,7 @@
           </a:ln>
           <a:extLst>
             <a:ext uri="{C572A759-6A51-4108-AA02-DFA0A04FC94B}">
-              <ma14:wrappingTextBoxFlag xmlns:ma14="http://schemas.microsoft.com/office/mac/drawingml/2011/main" xmlns:a14="http://schemas.microsoft.com/office/drawing/2010/main" xmlns:m="http://schemas.openxmlformats.org/officeDocument/2006/math" xmlns="" val="1"/>
+              <ma14:wrappingTextBoxFlag xmlns="" xmlns:m="http://schemas.openxmlformats.org/officeDocument/2006/math" xmlns:a14="http://schemas.microsoft.com/office/drawing/2010/main" xmlns:ma14="http://schemas.microsoft.com/office/mac/drawingml/2011/main" val="1"/>
             </a:ext>
           </a:extLst>
         </p:spPr>
@@ -6039,7 +6044,7 @@
           </a:ln>
           <a:extLst>
             <a:ext uri="{C572A759-6A51-4108-AA02-DFA0A04FC94B}">
-              <ma14:wrappingTextBoxFlag xmlns:ma14="http://schemas.microsoft.com/office/mac/drawingml/2011/main" xmlns:a14="http://schemas.microsoft.com/office/drawing/2010/main" xmlns:m="http://schemas.openxmlformats.org/officeDocument/2006/math" xmlns="" val="1"/>
+              <ma14:wrappingTextBoxFlag xmlns="" xmlns:m="http://schemas.openxmlformats.org/officeDocument/2006/math" xmlns:a14="http://schemas.microsoft.com/office/drawing/2010/main" xmlns:ma14="http://schemas.microsoft.com/office/mac/drawingml/2011/main" val="1"/>
             </a:ext>
           </a:extLst>
         </p:spPr>
@@ -6210,7 +6215,7 @@
           </a:ln>
           <a:extLst>
             <a:ext uri="{C572A759-6A51-4108-AA02-DFA0A04FC94B}">
-              <ma14:wrappingTextBoxFlag xmlns:ma14="http://schemas.microsoft.com/office/mac/drawingml/2011/main" xmlns:a14="http://schemas.microsoft.com/office/drawing/2010/main" xmlns:m="http://schemas.openxmlformats.org/officeDocument/2006/math" xmlns="" val="1"/>
+              <ma14:wrappingTextBoxFlag xmlns="" xmlns:m="http://schemas.openxmlformats.org/officeDocument/2006/math" xmlns:a14="http://schemas.microsoft.com/office/drawing/2010/main" xmlns:ma14="http://schemas.microsoft.com/office/mac/drawingml/2011/main" val="1"/>
             </a:ext>
           </a:extLst>
         </p:spPr>
@@ -6282,7 +6287,7 @@
           </a:ln>
           <a:extLst>
             <a:ext uri="{C572A759-6A51-4108-AA02-DFA0A04FC94B}">
-              <ma14:wrappingTextBoxFlag xmlns:ma14="http://schemas.microsoft.com/office/mac/drawingml/2011/main" xmlns:a14="http://schemas.microsoft.com/office/drawing/2010/main" xmlns:m="http://schemas.openxmlformats.org/officeDocument/2006/math" xmlns="" val="1"/>
+              <ma14:wrappingTextBoxFlag xmlns="" xmlns:m="http://schemas.openxmlformats.org/officeDocument/2006/math" xmlns:a14="http://schemas.microsoft.com/office/drawing/2010/main" xmlns:ma14="http://schemas.microsoft.com/office/mac/drawingml/2011/main" val="1"/>
             </a:ext>
           </a:extLst>
         </p:spPr>
@@ -6430,7 +6435,7 @@
           </a:ln>
           <a:extLst>
             <a:ext uri="{C572A759-6A51-4108-AA02-DFA0A04FC94B}">
-              <ma14:wrappingTextBoxFlag xmlns:ma14="http://schemas.microsoft.com/office/mac/drawingml/2011/main" xmlns:a14="http://schemas.microsoft.com/office/drawing/2010/main" xmlns:m="http://schemas.openxmlformats.org/officeDocument/2006/math" xmlns="" val="1"/>
+              <ma14:wrappingTextBoxFlag xmlns="" xmlns:m="http://schemas.openxmlformats.org/officeDocument/2006/math" xmlns:a14="http://schemas.microsoft.com/office/drawing/2010/main" xmlns:ma14="http://schemas.microsoft.com/office/mac/drawingml/2011/main" val="1"/>
             </a:ext>
           </a:extLst>
         </p:spPr>
@@ -6489,7 +6494,7 @@
           </a:ln>
           <a:extLst>
             <a:ext uri="{C572A759-6A51-4108-AA02-DFA0A04FC94B}">
-              <ma14:wrappingTextBoxFlag xmlns:ma14="http://schemas.microsoft.com/office/mac/drawingml/2011/main" xmlns:a14="http://schemas.microsoft.com/office/drawing/2010/main" xmlns:m="http://schemas.openxmlformats.org/officeDocument/2006/math" xmlns="" val="1"/>
+              <ma14:wrappingTextBoxFlag xmlns="" xmlns:m="http://schemas.openxmlformats.org/officeDocument/2006/math" xmlns:a14="http://schemas.microsoft.com/office/drawing/2010/main" xmlns:ma14="http://schemas.microsoft.com/office/mac/drawingml/2011/main" val="1"/>
             </a:ext>
           </a:extLst>
         </p:spPr>
@@ -6574,7 +6579,7 @@
           </a:ln>
           <a:extLst>
             <a:ext uri="{C572A759-6A51-4108-AA02-DFA0A04FC94B}">
-              <ma14:wrappingTextBoxFlag xmlns:ma14="http://schemas.microsoft.com/office/mac/drawingml/2011/main" xmlns:a14="http://schemas.microsoft.com/office/drawing/2010/main" xmlns:m="http://schemas.openxmlformats.org/officeDocument/2006/math" xmlns="" val="1"/>
+              <ma14:wrappingTextBoxFlag xmlns="" xmlns:m="http://schemas.openxmlformats.org/officeDocument/2006/math" xmlns:a14="http://schemas.microsoft.com/office/drawing/2010/main" xmlns:ma14="http://schemas.microsoft.com/office/mac/drawingml/2011/main" val="1"/>
             </a:ext>
           </a:extLst>
         </p:spPr>
@@ -6644,7 +6649,7 @@
           </a:ln>
           <a:extLst>
             <a:ext uri="{C572A759-6A51-4108-AA02-DFA0A04FC94B}">
-              <ma14:wrappingTextBoxFlag xmlns:ma14="http://schemas.microsoft.com/office/mac/drawingml/2011/main" xmlns:a14="http://schemas.microsoft.com/office/drawing/2010/main" xmlns:m="http://schemas.openxmlformats.org/officeDocument/2006/math" xmlns="" val="1"/>
+              <ma14:wrappingTextBoxFlag xmlns="" xmlns:m="http://schemas.openxmlformats.org/officeDocument/2006/math" xmlns:a14="http://schemas.microsoft.com/office/drawing/2010/main" xmlns:ma14="http://schemas.microsoft.com/office/mac/drawingml/2011/main" val="1"/>
             </a:ext>
           </a:extLst>
         </p:spPr>
@@ -6918,7 +6923,7 @@
           </a:ln>
           <a:extLst>
             <a:ext uri="{C572A759-6A51-4108-AA02-DFA0A04FC94B}">
-              <ma14:wrappingTextBoxFlag xmlns:ma14="http://schemas.microsoft.com/office/mac/drawingml/2011/main" xmlns:a14="http://schemas.microsoft.com/office/drawing/2010/main" xmlns:m="http://schemas.openxmlformats.org/officeDocument/2006/math" xmlns="" val="1"/>
+              <ma14:wrappingTextBoxFlag xmlns="" xmlns:m="http://schemas.openxmlformats.org/officeDocument/2006/math" xmlns:a14="http://schemas.microsoft.com/office/drawing/2010/main" xmlns:ma14="http://schemas.microsoft.com/office/mac/drawingml/2011/main" val="1"/>
             </a:ext>
           </a:extLst>
         </p:spPr>
@@ -6985,7 +6990,7 @@
           </a:ln>
           <a:extLst>
             <a:ext uri="{C572A759-6A51-4108-AA02-DFA0A04FC94B}">
-              <ma14:wrappingTextBoxFlag xmlns:ma14="http://schemas.microsoft.com/office/mac/drawingml/2011/main" xmlns:a14="http://schemas.microsoft.com/office/drawing/2010/main" xmlns:m="http://schemas.openxmlformats.org/officeDocument/2006/math" xmlns="" val="1"/>
+              <ma14:wrappingTextBoxFlag xmlns="" xmlns:m="http://schemas.openxmlformats.org/officeDocument/2006/math" xmlns:a14="http://schemas.microsoft.com/office/drawing/2010/main" xmlns:ma14="http://schemas.microsoft.com/office/mac/drawingml/2011/main" val="1"/>
             </a:ext>
           </a:extLst>
         </p:spPr>
@@ -7029,7 +7034,7 @@
           </a:ln>
           <a:extLst>
             <a:ext uri="{C572A759-6A51-4108-AA02-DFA0A04FC94B}">
-              <ma14:wrappingTextBoxFlag xmlns:ma14="http://schemas.microsoft.com/office/mac/drawingml/2011/main" xmlns:a14="http://schemas.microsoft.com/office/drawing/2010/main" xmlns:m="http://schemas.openxmlformats.org/officeDocument/2006/math" xmlns="" val="1"/>
+              <ma14:wrappingTextBoxFlag xmlns="" xmlns:m="http://schemas.openxmlformats.org/officeDocument/2006/math" xmlns:a14="http://schemas.microsoft.com/office/drawing/2010/main" xmlns:ma14="http://schemas.microsoft.com/office/mac/drawingml/2011/main" val="1"/>
             </a:ext>
           </a:extLst>
         </p:spPr>
@@ -7205,7 +7210,7 @@
           </a:ln>
           <a:extLst>
             <a:ext uri="{C572A759-6A51-4108-AA02-DFA0A04FC94B}">
-              <ma14:wrappingTextBoxFlag xmlns:ma14="http://schemas.microsoft.com/office/mac/drawingml/2011/main" xmlns:a14="http://schemas.microsoft.com/office/drawing/2010/main" xmlns:m="http://schemas.openxmlformats.org/officeDocument/2006/math" xmlns="" val="1"/>
+              <ma14:wrappingTextBoxFlag xmlns="" xmlns:m="http://schemas.openxmlformats.org/officeDocument/2006/math" xmlns:a14="http://schemas.microsoft.com/office/drawing/2010/main" xmlns:ma14="http://schemas.microsoft.com/office/mac/drawingml/2011/main" val="1"/>
             </a:ext>
           </a:extLst>
         </p:spPr>
@@ -7264,7 +7269,7 @@
           </a:ln>
           <a:extLst>
             <a:ext uri="{C572A759-6A51-4108-AA02-DFA0A04FC94B}">
-              <ma14:wrappingTextBoxFlag xmlns:ma14="http://schemas.microsoft.com/office/mac/drawingml/2011/main" xmlns:a14="http://schemas.microsoft.com/office/drawing/2010/main" xmlns:m="http://schemas.openxmlformats.org/officeDocument/2006/math" xmlns="" val="1"/>
+              <ma14:wrappingTextBoxFlag xmlns="" xmlns:m="http://schemas.openxmlformats.org/officeDocument/2006/math" xmlns:a14="http://schemas.microsoft.com/office/drawing/2010/main" xmlns:ma14="http://schemas.microsoft.com/office/mac/drawingml/2011/main" val="1"/>
             </a:ext>
           </a:extLst>
         </p:spPr>
@@ -7356,7 +7361,7 @@
           </a:ln>
           <a:extLst>
             <a:ext uri="{C572A759-6A51-4108-AA02-DFA0A04FC94B}">
-              <ma14:wrappingTextBoxFlag xmlns:ma14="http://schemas.microsoft.com/office/mac/drawingml/2011/main" xmlns:a14="http://schemas.microsoft.com/office/drawing/2010/main" xmlns:m="http://schemas.openxmlformats.org/officeDocument/2006/math" xmlns="" val="1"/>
+              <ma14:wrappingTextBoxFlag xmlns="" xmlns:m="http://schemas.openxmlformats.org/officeDocument/2006/math" xmlns:a14="http://schemas.microsoft.com/office/drawing/2010/main" xmlns:ma14="http://schemas.microsoft.com/office/mac/drawingml/2011/main" val="1"/>
             </a:ext>
           </a:extLst>
         </p:spPr>
@@ -7446,7 +7451,7 @@
           </a:ln>
           <a:extLst>
             <a:ext uri="{C572A759-6A51-4108-AA02-DFA0A04FC94B}">
-              <ma14:wrappingTextBoxFlag xmlns:ma14="http://schemas.microsoft.com/office/mac/drawingml/2011/main" xmlns:a14="http://schemas.microsoft.com/office/drawing/2010/main" xmlns:m="http://schemas.openxmlformats.org/officeDocument/2006/math" xmlns="" val="1"/>
+              <ma14:wrappingTextBoxFlag xmlns="" xmlns:m="http://schemas.openxmlformats.org/officeDocument/2006/math" xmlns:a14="http://schemas.microsoft.com/office/drawing/2010/main" xmlns:ma14="http://schemas.microsoft.com/office/mac/drawingml/2011/main" val="1"/>
             </a:ext>
           </a:extLst>
         </p:spPr>
@@ -7536,7 +7541,7 @@
           </a:ln>
           <a:extLst>
             <a:ext uri="{C572A759-6A51-4108-AA02-DFA0A04FC94B}">
-              <ma14:wrappingTextBoxFlag xmlns:ma14="http://schemas.microsoft.com/office/mac/drawingml/2011/main" xmlns:a14="http://schemas.microsoft.com/office/drawing/2010/main" xmlns:m="http://schemas.openxmlformats.org/officeDocument/2006/math" xmlns="" val="1"/>
+              <ma14:wrappingTextBoxFlag xmlns="" xmlns:m="http://schemas.openxmlformats.org/officeDocument/2006/math" xmlns:a14="http://schemas.microsoft.com/office/drawing/2010/main" xmlns:ma14="http://schemas.microsoft.com/office/mac/drawingml/2011/main" val="1"/>
             </a:ext>
           </a:extLst>
         </p:spPr>
@@ -8132,7 +8137,7 @@
           </a:ln>
           <a:extLst>
             <a:ext uri="{C572A759-6A51-4108-AA02-DFA0A04FC94B}">
-              <ma14:wrappingTextBoxFlag xmlns:ma14="http://schemas.microsoft.com/office/mac/drawingml/2011/main" xmlns:a14="http://schemas.microsoft.com/office/drawing/2010/main" xmlns:m="http://schemas.openxmlformats.org/officeDocument/2006/math" xmlns="" val="1"/>
+              <ma14:wrappingTextBoxFlag xmlns="" xmlns:m="http://schemas.openxmlformats.org/officeDocument/2006/math" xmlns:a14="http://schemas.microsoft.com/office/drawing/2010/main" xmlns:ma14="http://schemas.microsoft.com/office/mac/drawingml/2011/main" val="1"/>
             </a:ext>
           </a:extLst>
         </p:spPr>
@@ -8191,7 +8196,7 @@
           </a:ln>
           <a:extLst>
             <a:ext uri="{C572A759-6A51-4108-AA02-DFA0A04FC94B}">
-              <ma14:wrappingTextBoxFlag xmlns:ma14="http://schemas.microsoft.com/office/mac/drawingml/2011/main" xmlns:a14="http://schemas.microsoft.com/office/drawing/2010/main" xmlns:m="http://schemas.openxmlformats.org/officeDocument/2006/math" xmlns="" val="1"/>
+              <ma14:wrappingTextBoxFlag xmlns="" xmlns:m="http://schemas.openxmlformats.org/officeDocument/2006/math" xmlns:a14="http://schemas.microsoft.com/office/drawing/2010/main" xmlns:ma14="http://schemas.microsoft.com/office/mac/drawingml/2011/main" val="1"/>
             </a:ext>
           </a:extLst>
         </p:spPr>
@@ -8273,7 +8278,7 @@
           </a:ln>
           <a:extLst>
             <a:ext uri="{C572A759-6A51-4108-AA02-DFA0A04FC94B}">
-              <ma14:wrappingTextBoxFlag xmlns:ma14="http://schemas.microsoft.com/office/mac/drawingml/2011/main" xmlns:a14="http://schemas.microsoft.com/office/drawing/2010/main" xmlns:m="http://schemas.openxmlformats.org/officeDocument/2006/math" xmlns="" val="1"/>
+              <ma14:wrappingTextBoxFlag xmlns="" xmlns:m="http://schemas.openxmlformats.org/officeDocument/2006/math" xmlns:a14="http://schemas.microsoft.com/office/drawing/2010/main" xmlns:ma14="http://schemas.microsoft.com/office/mac/drawingml/2011/main" val="1"/>
             </a:ext>
           </a:extLst>
         </p:spPr>
@@ -8436,7 +8441,7 @@
           </a:ln>
           <a:extLst>
             <a:ext uri="{C572A759-6A51-4108-AA02-DFA0A04FC94B}">
-              <ma14:wrappingTextBoxFlag xmlns:ma14="http://schemas.microsoft.com/office/mac/drawingml/2011/main" xmlns:a14="http://schemas.microsoft.com/office/drawing/2010/main" xmlns:m="http://schemas.openxmlformats.org/officeDocument/2006/math" xmlns="" val="1"/>
+              <ma14:wrappingTextBoxFlag xmlns="" xmlns:m="http://schemas.openxmlformats.org/officeDocument/2006/math" xmlns:a14="http://schemas.microsoft.com/office/drawing/2010/main" xmlns:ma14="http://schemas.microsoft.com/office/mac/drawingml/2011/main" val="1"/>
             </a:ext>
           </a:extLst>
         </p:spPr>
@@ -8605,7 +8610,7 @@
           </a:ln>
           <a:extLst>
             <a:ext uri="{C572A759-6A51-4108-AA02-DFA0A04FC94B}">
-              <ma14:wrappingTextBoxFlag xmlns:ma14="http://schemas.microsoft.com/office/mac/drawingml/2011/main" xmlns:a14="http://schemas.microsoft.com/office/drawing/2010/main" xmlns:m="http://schemas.openxmlformats.org/officeDocument/2006/math" xmlns="" val="1"/>
+              <ma14:wrappingTextBoxFlag xmlns="" xmlns:m="http://schemas.openxmlformats.org/officeDocument/2006/math" xmlns:a14="http://schemas.microsoft.com/office/drawing/2010/main" xmlns:ma14="http://schemas.microsoft.com/office/mac/drawingml/2011/main" val="1"/>
             </a:ext>
           </a:extLst>
         </p:spPr>
@@ -8664,7 +8669,7 @@
           </a:ln>
           <a:extLst>
             <a:ext uri="{C572A759-6A51-4108-AA02-DFA0A04FC94B}">
-              <ma14:wrappingTextBoxFlag xmlns:ma14="http://schemas.microsoft.com/office/mac/drawingml/2011/main" xmlns:a14="http://schemas.microsoft.com/office/drawing/2010/main" xmlns:m="http://schemas.openxmlformats.org/officeDocument/2006/math" xmlns="" val="1"/>
+              <ma14:wrappingTextBoxFlag xmlns="" xmlns:m="http://schemas.openxmlformats.org/officeDocument/2006/math" xmlns:a14="http://schemas.microsoft.com/office/drawing/2010/main" xmlns:ma14="http://schemas.microsoft.com/office/mac/drawingml/2011/main" val="1"/>
             </a:ext>
           </a:extLst>
         </p:spPr>
@@ -8767,7 +8772,7 @@
           </a:ln>
           <a:extLst>
             <a:ext uri="{C572A759-6A51-4108-AA02-DFA0A04FC94B}">
-              <ma14:wrappingTextBoxFlag xmlns:ma14="http://schemas.microsoft.com/office/mac/drawingml/2011/main" xmlns:a14="http://schemas.microsoft.com/office/drawing/2010/main" xmlns:m="http://schemas.openxmlformats.org/officeDocument/2006/math" xmlns="" val="1"/>
+              <ma14:wrappingTextBoxFlag xmlns="" xmlns:m="http://schemas.openxmlformats.org/officeDocument/2006/math" xmlns:a14="http://schemas.microsoft.com/office/drawing/2010/main" xmlns:ma14="http://schemas.microsoft.com/office/mac/drawingml/2011/main" val="1"/>
             </a:ext>
           </a:extLst>
         </p:spPr>
@@ -8818,7 +8823,7 @@
           </a:ln>
           <a:extLst>
             <a:ext uri="{C572A759-6A51-4108-AA02-DFA0A04FC94B}">
-              <ma14:wrappingTextBoxFlag xmlns:ma14="http://schemas.microsoft.com/office/mac/drawingml/2011/main" xmlns:a14="http://schemas.microsoft.com/office/drawing/2010/main" xmlns:m="http://schemas.openxmlformats.org/officeDocument/2006/math" xmlns="" val="1"/>
+              <ma14:wrappingTextBoxFlag xmlns="" xmlns:m="http://schemas.openxmlformats.org/officeDocument/2006/math" xmlns:a14="http://schemas.microsoft.com/office/drawing/2010/main" xmlns:ma14="http://schemas.microsoft.com/office/mac/drawingml/2011/main" val="1"/>
             </a:ext>
           </a:extLst>
         </p:spPr>
@@ -9392,7 +9397,7 @@
           </a:ln>
           <a:extLst>
             <a:ext uri="{C572A759-6A51-4108-AA02-DFA0A04FC94B}">
-              <ma14:wrappingTextBoxFlag xmlns:ma14="http://schemas.microsoft.com/office/mac/drawingml/2011/main" xmlns:a14="http://schemas.microsoft.com/office/drawing/2010/main" xmlns:m="http://schemas.openxmlformats.org/officeDocument/2006/math" xmlns="" val="1"/>
+              <ma14:wrappingTextBoxFlag xmlns="" xmlns:m="http://schemas.openxmlformats.org/officeDocument/2006/math" xmlns:a14="http://schemas.microsoft.com/office/drawing/2010/main" xmlns:ma14="http://schemas.microsoft.com/office/mac/drawingml/2011/main" val="1"/>
             </a:ext>
           </a:extLst>
         </p:spPr>
